--- a/AWS/Multi_Account_Governance&AWS_Control_Tower.pptx
+++ b/AWS/Multi_Account_Governance&AWS_Control_Tower.pptx
@@ -5,7 +5,7 @@
     <p:sldMasterId id="2147483648" r:id="rId1"/>
   </p:sldMasterIdLst>
   <p:notesMasterIdLst>
-    <p:notesMasterId r:id="rId17"/>
+    <p:notesMasterId r:id="rId30"/>
   </p:notesMasterIdLst>
   <p:sldIdLst>
     <p:sldId id="257" r:id="rId2"/>
@@ -16,13 +16,26 @@
     <p:sldId id="324" r:id="rId7"/>
     <p:sldId id="287" r:id="rId8"/>
     <p:sldId id="310" r:id="rId9"/>
-    <p:sldId id="325" r:id="rId10"/>
-    <p:sldId id="329" r:id="rId11"/>
-    <p:sldId id="330" r:id="rId12"/>
-    <p:sldId id="326" r:id="rId13"/>
-    <p:sldId id="331" r:id="rId14"/>
-    <p:sldId id="327" r:id="rId15"/>
-    <p:sldId id="328" r:id="rId16"/>
+    <p:sldId id="332" r:id="rId10"/>
+    <p:sldId id="333" r:id="rId11"/>
+    <p:sldId id="334" r:id="rId12"/>
+    <p:sldId id="325" r:id="rId13"/>
+    <p:sldId id="329" r:id="rId14"/>
+    <p:sldId id="330" r:id="rId15"/>
+    <p:sldId id="326" r:id="rId16"/>
+    <p:sldId id="335" r:id="rId17"/>
+    <p:sldId id="327" r:id="rId18"/>
+    <p:sldId id="336" r:id="rId19"/>
+    <p:sldId id="328" r:id="rId20"/>
+    <p:sldId id="337" r:id="rId21"/>
+    <p:sldId id="338" r:id="rId22"/>
+    <p:sldId id="339" r:id="rId23"/>
+    <p:sldId id="344" r:id="rId24"/>
+    <p:sldId id="340" r:id="rId25"/>
+    <p:sldId id="345" r:id="rId26"/>
+    <p:sldId id="346" r:id="rId27"/>
+    <p:sldId id="341" r:id="rId28"/>
+    <p:sldId id="342" r:id="rId29"/>
   </p:sldIdLst>
   <p:sldSz cx="12192000" cy="6858000"/>
   <p:notesSz cx="6858000" cy="9144000"/>
@@ -211,7 +224,7 @@
           <a:p>
             <a:fld id="{34C307C2-D910-4122-9388-FE9DC4B9E077}" type="datetimeFigureOut">
               <a:rPr lang="en-IN" smtClean="0"/>
-              <a:t>14-12-2025</a:t>
+              <a:t>12-02-2026</a:t>
             </a:fld>
             <a:endParaRPr lang="en-IN"/>
           </a:p>
@@ -969,7 +982,7 @@
           <a:p>
             <a:fld id="{80B77DFC-8711-4557-8CA1-4C836922276B}" type="datetimeFigureOut">
               <a:rPr lang="en-IN" smtClean="0"/>
-              <a:t>14-12-2025</a:t>
+              <a:t>12-02-2026</a:t>
             </a:fld>
             <a:endParaRPr lang="en-IN"/>
           </a:p>
@@ -1169,7 +1182,7 @@
           <a:p>
             <a:fld id="{80B77DFC-8711-4557-8CA1-4C836922276B}" type="datetimeFigureOut">
               <a:rPr lang="en-IN" smtClean="0"/>
-              <a:t>14-12-2025</a:t>
+              <a:t>12-02-2026</a:t>
             </a:fld>
             <a:endParaRPr lang="en-IN"/>
           </a:p>
@@ -1379,7 +1392,7 @@
           <a:p>
             <a:fld id="{80B77DFC-8711-4557-8CA1-4C836922276B}" type="datetimeFigureOut">
               <a:rPr lang="en-IN" smtClean="0"/>
-              <a:t>14-12-2025</a:t>
+              <a:t>12-02-2026</a:t>
             </a:fld>
             <a:endParaRPr lang="en-IN"/>
           </a:p>
@@ -1579,7 +1592,7 @@
           <a:p>
             <a:fld id="{80B77DFC-8711-4557-8CA1-4C836922276B}" type="datetimeFigureOut">
               <a:rPr lang="en-IN" smtClean="0"/>
-              <a:t>14-12-2025</a:t>
+              <a:t>12-02-2026</a:t>
             </a:fld>
             <a:endParaRPr lang="en-IN"/>
           </a:p>
@@ -1855,7 +1868,7 @@
           <a:p>
             <a:fld id="{80B77DFC-8711-4557-8CA1-4C836922276B}" type="datetimeFigureOut">
               <a:rPr lang="en-IN" smtClean="0"/>
-              <a:t>14-12-2025</a:t>
+              <a:t>12-02-2026</a:t>
             </a:fld>
             <a:endParaRPr lang="en-IN"/>
           </a:p>
@@ -2123,7 +2136,7 @@
           <a:p>
             <a:fld id="{80B77DFC-8711-4557-8CA1-4C836922276B}" type="datetimeFigureOut">
               <a:rPr lang="en-IN" smtClean="0"/>
-              <a:t>14-12-2025</a:t>
+              <a:t>12-02-2026</a:t>
             </a:fld>
             <a:endParaRPr lang="en-IN"/>
           </a:p>
@@ -2538,7 +2551,7 @@
           <a:p>
             <a:fld id="{80B77DFC-8711-4557-8CA1-4C836922276B}" type="datetimeFigureOut">
               <a:rPr lang="en-IN" smtClean="0"/>
-              <a:t>14-12-2025</a:t>
+              <a:t>12-02-2026</a:t>
             </a:fld>
             <a:endParaRPr lang="en-IN"/>
           </a:p>
@@ -2680,7 +2693,7 @@
           <a:p>
             <a:fld id="{80B77DFC-8711-4557-8CA1-4C836922276B}" type="datetimeFigureOut">
               <a:rPr lang="en-IN" smtClean="0"/>
-              <a:t>14-12-2025</a:t>
+              <a:t>12-02-2026</a:t>
             </a:fld>
             <a:endParaRPr lang="en-IN"/>
           </a:p>
@@ -2793,7 +2806,7 @@
           <a:p>
             <a:fld id="{80B77DFC-8711-4557-8CA1-4C836922276B}" type="datetimeFigureOut">
               <a:rPr lang="en-IN" smtClean="0"/>
-              <a:t>14-12-2025</a:t>
+              <a:t>12-02-2026</a:t>
             </a:fld>
             <a:endParaRPr lang="en-IN"/>
           </a:p>
@@ -3106,7 +3119,7 @@
           <a:p>
             <a:fld id="{80B77DFC-8711-4557-8CA1-4C836922276B}" type="datetimeFigureOut">
               <a:rPr lang="en-IN" smtClean="0"/>
-              <a:t>14-12-2025</a:t>
+              <a:t>12-02-2026</a:t>
             </a:fld>
             <a:endParaRPr lang="en-IN"/>
           </a:p>
@@ -3395,7 +3408,7 @@
           <a:p>
             <a:fld id="{80B77DFC-8711-4557-8CA1-4C836922276B}" type="datetimeFigureOut">
               <a:rPr lang="en-IN" smtClean="0"/>
-              <a:t>14-12-2025</a:t>
+              <a:t>12-02-2026</a:t>
             </a:fld>
             <a:endParaRPr lang="en-IN"/>
           </a:p>
@@ -3638,7 +3651,7 @@
           <a:p>
             <a:fld id="{80B77DFC-8711-4557-8CA1-4C836922276B}" type="datetimeFigureOut">
               <a:rPr lang="en-IN" smtClean="0"/>
-              <a:t>14-12-2025</a:t>
+              <a:t>12-02-2026</a:t>
             </a:fld>
             <a:endParaRPr lang="en-IN"/>
           </a:p>
@@ -5225,6 +5238,1297 @@
         <p:cNvPr id="1" name="">
           <a:extLst>
             <a:ext uri="{FF2B5EF4-FFF2-40B4-BE49-F238E27FC236}">
+              <a16:creationId xmlns:a16="http://schemas.microsoft.com/office/drawing/2014/main" id="{A18AF3D8-6179-8FBD-3C64-B48ECB578735}"/>
+            </a:ext>
+          </a:extLst>
+        </p:cNvPr>
+        <p:cNvGrpSpPr/>
+        <p:nvPr/>
+      </p:nvGrpSpPr>
+      <p:grpSpPr>
+        <a:xfrm>
+          <a:off x="0" y="0"/>
+          <a:ext cx="0" cy="0"/>
+          <a:chOff x="0" y="0"/>
+          <a:chExt cx="0" cy="0"/>
+        </a:xfrm>
+      </p:grpSpPr>
+      <p:sp>
+        <p:nvSpPr>
+          <p:cNvPr id="2" name="TextBox 1">
+            <a:extLst>
+              <a:ext uri="{FF2B5EF4-FFF2-40B4-BE49-F238E27FC236}">
+                <a16:creationId xmlns:a16="http://schemas.microsoft.com/office/drawing/2014/main" id="{293916DC-C840-3D62-E71F-9F7CF182A6FC}"/>
+              </a:ext>
+            </a:extLst>
+          </p:cNvPr>
+          <p:cNvSpPr txBox="1"/>
+          <p:nvPr/>
+        </p:nvSpPr>
+        <p:spPr>
+          <a:xfrm>
+            <a:off x="786175" y="274321"/>
+            <a:ext cx="7863839" cy="646331"/>
+          </a:xfrm>
+          <a:prstGeom prst="rect">
+            <a:avLst/>
+          </a:prstGeom>
+          <a:noFill/>
+        </p:spPr>
+        <p:txBody>
+          <a:bodyPr wrap="square">
+            <a:spAutoFit/>
+          </a:bodyPr>
+          <a:lstStyle/>
+          <a:p>
+            <a:pPr>
+              <a:defRPr sz="3600" b="1">
+                <a:solidFill>
+                  <a:srgbClr val="232F3E"/>
+                </a:solidFill>
+              </a:defRPr>
+            </a:pPr>
+            <a:r>
+              <a:rPr lang="en-IN" sz="3600" dirty="0"/>
+              <a:t>Resource</a:t>
+            </a:r>
+            <a:r>
+              <a:rPr sz="3600" dirty="0"/>
+              <a:t> Control Policies (</a:t>
+            </a:r>
+            <a:r>
+              <a:rPr lang="en-IN" sz="3600" dirty="0"/>
+              <a:t>R</a:t>
+            </a:r>
+            <a:r>
+              <a:rPr sz="3600" dirty="0"/>
+              <a:t>CPs)</a:t>
+            </a:r>
+          </a:p>
+        </p:txBody>
+      </p:sp>
+      <p:sp>
+        <p:nvSpPr>
+          <p:cNvPr id="3" name="TextBox 2">
+            <a:extLst>
+              <a:ext uri="{FF2B5EF4-FFF2-40B4-BE49-F238E27FC236}">
+                <a16:creationId xmlns:a16="http://schemas.microsoft.com/office/drawing/2014/main" id="{69760C8A-2827-681C-0F23-489C55890B89}"/>
+              </a:ext>
+            </a:extLst>
+          </p:cNvPr>
+          <p:cNvSpPr txBox="1"/>
+          <p:nvPr/>
+        </p:nvSpPr>
+        <p:spPr>
+          <a:xfrm>
+            <a:off x="786175" y="1086394"/>
+            <a:ext cx="10654711" cy="4031873"/>
+          </a:xfrm>
+          <a:prstGeom prst="rect">
+            <a:avLst/>
+          </a:prstGeom>
+          <a:noFill/>
+        </p:spPr>
+        <p:txBody>
+          <a:bodyPr wrap="square">
+            <a:spAutoFit/>
+          </a:bodyPr>
+          <a:lstStyle/>
+          <a:p>
+            <a:pPr>
+              <a:spcBef>
+                <a:spcPts val="600"/>
+              </a:spcBef>
+            </a:pPr>
+            <a:r>
+              <a:rPr lang="en-US" sz="1400" b="1" dirty="0"/>
+              <a:t>🛡️ What Are RCPs?</a:t>
+            </a:r>
+          </a:p>
+          <a:p>
+            <a:pPr>
+              <a:spcBef>
+                <a:spcPts val="600"/>
+              </a:spcBef>
+            </a:pPr>
+            <a:r>
+              <a:rPr lang="en-US" sz="1400" b="1" dirty="0"/>
+              <a:t>Resource Control Policies (RCPs) </a:t>
+            </a:r>
+            <a:r>
+              <a:rPr lang="en-US" sz="1400" dirty="0"/>
+              <a:t>are a newer type of policy in AWS Organizations that control </a:t>
+            </a:r>
+            <a:r>
+              <a:rPr lang="en-US" sz="1400" b="1" dirty="0"/>
+              <a:t>what resources can be shared</a:t>
+            </a:r>
+            <a:r>
+              <a:rPr lang="en-US" sz="1400" dirty="0"/>
+              <a:t> with or accessed by principals </a:t>
+            </a:r>
+            <a:r>
+              <a:rPr lang="en-US" sz="1400" b="1" dirty="0"/>
+              <a:t>outside your organization</a:t>
+            </a:r>
+            <a:r>
+              <a:rPr lang="en-US" sz="1400" dirty="0"/>
+              <a:t>.</a:t>
+            </a:r>
+          </a:p>
+          <a:p>
+            <a:pPr>
+              <a:spcBef>
+                <a:spcPts val="600"/>
+              </a:spcBef>
+            </a:pPr>
+            <a:endParaRPr lang="en-US" sz="1400" b="1" dirty="0"/>
+          </a:p>
+          <a:p>
+            <a:pPr>
+              <a:spcBef>
+                <a:spcPts val="600"/>
+              </a:spcBef>
+            </a:pPr>
+            <a:r>
+              <a:rPr lang="en-US" sz="1400" b="1" dirty="0"/>
+              <a:t>Key Difference from SCPs:</a:t>
+            </a:r>
+          </a:p>
+          <a:p>
+            <a:pPr marL="285750" indent="-285750">
+              <a:spcBef>
+                <a:spcPts val="600"/>
+              </a:spcBef>
+              <a:buFont typeface="Arial" panose="020B0604020202020204" pitchFamily="34" charset="0"/>
+              <a:buChar char="•"/>
+            </a:pPr>
+            <a:r>
+              <a:rPr lang="en-US" sz="1400" b="1" dirty="0"/>
+              <a:t>SCPs: </a:t>
+            </a:r>
+            <a:r>
+              <a:rPr lang="en-US" sz="1400" dirty="0"/>
+              <a:t>Control what actions identities </a:t>
+            </a:r>
+            <a:r>
+              <a:rPr lang="en-US" sz="1400" b="1" dirty="0"/>
+              <a:t>inside</a:t>
+            </a:r>
+            <a:r>
+              <a:rPr lang="en-US" sz="1400" dirty="0"/>
+              <a:t> your accounts can perform</a:t>
+            </a:r>
+          </a:p>
+          <a:p>
+            <a:pPr marL="285750" indent="-285750">
+              <a:spcBef>
+                <a:spcPts val="600"/>
+              </a:spcBef>
+              <a:buFont typeface="Arial" panose="020B0604020202020204" pitchFamily="34" charset="0"/>
+              <a:buChar char="•"/>
+            </a:pPr>
+            <a:r>
+              <a:rPr lang="en-US" sz="1400" b="1" dirty="0"/>
+              <a:t>RCPs: </a:t>
+            </a:r>
+            <a:r>
+              <a:rPr lang="en-US" sz="1400" dirty="0"/>
+              <a:t>Control what resources can be accessed by identities </a:t>
+            </a:r>
+            <a:r>
+              <a:rPr lang="en-US" sz="1400" b="1" dirty="0"/>
+              <a:t>outside</a:t>
+            </a:r>
+            <a:r>
+              <a:rPr lang="en-US" sz="1400" dirty="0"/>
+              <a:t> your organization</a:t>
+            </a:r>
+          </a:p>
+          <a:p>
+            <a:pPr>
+              <a:spcBef>
+                <a:spcPts val="600"/>
+              </a:spcBef>
+            </a:pPr>
+            <a:endParaRPr lang="en-US" sz="1400" dirty="0"/>
+          </a:p>
+          <a:p>
+            <a:pPr>
+              <a:spcBef>
+                <a:spcPts val="600"/>
+              </a:spcBef>
+            </a:pPr>
+            <a:r>
+              <a:rPr lang="en-US" sz="1400" b="1" dirty="0"/>
+              <a:t>When to Use RCPs</a:t>
+            </a:r>
+          </a:p>
+          <a:p>
+            <a:pPr>
+              <a:spcBef>
+                <a:spcPts val="600"/>
+              </a:spcBef>
+            </a:pPr>
+            <a:r>
+              <a:rPr lang="en-US" sz="1400" b="1" dirty="0"/>
+              <a:t>Use Case 1: </a:t>
+            </a:r>
+            <a:r>
+              <a:rPr lang="en-US" sz="1400" dirty="0"/>
+              <a:t>Prevent Data Exfiltration</a:t>
+            </a:r>
+          </a:p>
+          <a:p>
+            <a:pPr>
+              <a:spcBef>
+                <a:spcPts val="600"/>
+              </a:spcBef>
+            </a:pPr>
+            <a:r>
+              <a:rPr lang="en-US" sz="1400" dirty="0"/>
+              <a:t>Block sharing of sensitive resources with external AWS accounts</a:t>
+            </a:r>
+          </a:p>
+          <a:p>
+            <a:pPr>
+              <a:spcBef>
+                <a:spcPts val="600"/>
+              </a:spcBef>
+            </a:pPr>
+            <a:endParaRPr lang="en-US" sz="1400" b="1" dirty="0"/>
+          </a:p>
+          <a:p>
+            <a:pPr>
+              <a:spcBef>
+                <a:spcPts val="600"/>
+              </a:spcBef>
+            </a:pPr>
+            <a:r>
+              <a:rPr lang="en-US" sz="1400" b="1" dirty="0"/>
+              <a:t>Use Case 2: </a:t>
+            </a:r>
+            <a:r>
+              <a:rPr lang="en-US" sz="1400" dirty="0"/>
+              <a:t>Third-Party Access Control</a:t>
+            </a:r>
+          </a:p>
+          <a:p>
+            <a:pPr>
+              <a:spcBef>
+                <a:spcPts val="600"/>
+              </a:spcBef>
+            </a:pPr>
+            <a:r>
+              <a:rPr lang="en-US" sz="1400" dirty="0"/>
+              <a:t>Restrict which external AWS accounts can access your resources</a:t>
+            </a:r>
+          </a:p>
+        </p:txBody>
+      </p:sp>
+    </p:spTree>
+    <p:extLst>
+      <p:ext uri="{BB962C8B-B14F-4D97-AF65-F5344CB8AC3E}">
+        <p14:creationId xmlns:p14="http://schemas.microsoft.com/office/powerpoint/2010/main" val="97639431"/>
+      </p:ext>
+    </p:extLst>
+  </p:cSld>
+  <p:clrMapOvr>
+    <a:masterClrMapping/>
+  </p:clrMapOvr>
+</p:sld>
+</file>
+
+<file path=ppt/slides/slide11.xml><?xml version="1.0" encoding="utf-8"?>
+<p:sld xmlns:a="http://schemas.openxmlformats.org/drawingml/2006/main" xmlns:r="http://schemas.openxmlformats.org/officeDocument/2006/relationships" xmlns:p="http://schemas.openxmlformats.org/presentationml/2006/main">
+  <p:cSld>
+    <p:spTree>
+      <p:nvGrpSpPr>
+        <p:cNvPr id="1" name="">
+          <a:extLst>
+            <a:ext uri="{FF2B5EF4-FFF2-40B4-BE49-F238E27FC236}">
+              <a16:creationId xmlns:a16="http://schemas.microsoft.com/office/drawing/2014/main" id="{9D0A17A1-3931-BDC5-B61A-19A3CFC9FDFB}"/>
+            </a:ext>
+          </a:extLst>
+        </p:cNvPr>
+        <p:cNvGrpSpPr/>
+        <p:nvPr/>
+      </p:nvGrpSpPr>
+      <p:grpSpPr>
+        <a:xfrm>
+          <a:off x="0" y="0"/>
+          <a:ext cx="0" cy="0"/>
+          <a:chOff x="0" y="0"/>
+          <a:chExt cx="0" cy="0"/>
+        </a:xfrm>
+      </p:grpSpPr>
+      <p:sp>
+        <p:nvSpPr>
+          <p:cNvPr id="2" name="TextBox 1">
+            <a:extLst>
+              <a:ext uri="{FF2B5EF4-FFF2-40B4-BE49-F238E27FC236}">
+                <a16:creationId xmlns:a16="http://schemas.microsoft.com/office/drawing/2014/main" id="{A4151E02-C94A-1DE5-9922-54476E3517C6}"/>
+              </a:ext>
+            </a:extLst>
+          </p:cNvPr>
+          <p:cNvSpPr txBox="1"/>
+          <p:nvPr/>
+        </p:nvSpPr>
+        <p:spPr>
+          <a:xfrm>
+            <a:off x="786175" y="274321"/>
+            <a:ext cx="10752682" cy="646331"/>
+          </a:xfrm>
+          <a:prstGeom prst="rect">
+            <a:avLst/>
+          </a:prstGeom>
+          <a:noFill/>
+        </p:spPr>
+        <p:txBody>
+          <a:bodyPr wrap="square">
+            <a:spAutoFit/>
+          </a:bodyPr>
+          <a:lstStyle/>
+          <a:p>
+            <a:pPr>
+              <a:defRPr sz="3600" b="1">
+                <a:solidFill>
+                  <a:srgbClr val="232F3E"/>
+                </a:solidFill>
+              </a:defRPr>
+            </a:pPr>
+            <a:r>
+              <a:rPr lang="en-IN" sz="3600" dirty="0"/>
+              <a:t>Resource</a:t>
+            </a:r>
+            <a:r>
+              <a:rPr sz="3600" dirty="0"/>
+              <a:t> Control Policies (</a:t>
+            </a:r>
+            <a:r>
+              <a:rPr lang="en-IN" sz="3600" dirty="0"/>
+              <a:t>R</a:t>
+            </a:r>
+            <a:r>
+              <a:rPr sz="3600" dirty="0"/>
+              <a:t>CPs)</a:t>
+            </a:r>
+            <a:r>
+              <a:rPr lang="en-IN" sz="3600" dirty="0"/>
+              <a:t> Example</a:t>
+            </a:r>
+            <a:endParaRPr sz="3600" dirty="0"/>
+          </a:p>
+        </p:txBody>
+      </p:sp>
+      <p:sp>
+        <p:nvSpPr>
+          <p:cNvPr id="3" name="TextBox 2">
+            <a:extLst>
+              <a:ext uri="{FF2B5EF4-FFF2-40B4-BE49-F238E27FC236}">
+                <a16:creationId xmlns:a16="http://schemas.microsoft.com/office/drawing/2014/main" id="{ACF0BB18-E3A2-6B50-E259-7430C4218EE2}"/>
+              </a:ext>
+            </a:extLst>
+          </p:cNvPr>
+          <p:cNvSpPr txBox="1"/>
+          <p:nvPr/>
+        </p:nvSpPr>
+        <p:spPr>
+          <a:xfrm>
+            <a:off x="653143" y="1021078"/>
+            <a:ext cx="5268686" cy="4862870"/>
+          </a:xfrm>
+          <a:prstGeom prst="rect">
+            <a:avLst/>
+          </a:prstGeom>
+          <a:noFill/>
+        </p:spPr>
+        <p:txBody>
+          <a:bodyPr wrap="square">
+            <a:spAutoFit/>
+          </a:bodyPr>
+          <a:lstStyle/>
+          <a:p>
+            <a:r>
+              <a:rPr lang="en-US" sz="1600" dirty="0"/>
+              <a:t>1️⃣ Prevent Sharing Resources Outside Organization</a:t>
+            </a:r>
+            <a:endParaRPr lang="en-US" sz="1400" dirty="0"/>
+          </a:p>
+          <a:p>
+            <a:endParaRPr lang="en-US" sz="1400" dirty="0"/>
+          </a:p>
+          <a:p>
+            <a:r>
+              <a:rPr lang="en-IN" sz="1400" dirty="0"/>
+              <a:t>{</a:t>
+            </a:r>
+          </a:p>
+          <a:p>
+            <a:r>
+              <a:rPr lang="en-IN" sz="1400" dirty="0"/>
+              <a:t>  "Version": "2012-10-17",</a:t>
+            </a:r>
+          </a:p>
+          <a:p>
+            <a:r>
+              <a:rPr lang="en-IN" sz="1400" dirty="0"/>
+              <a:t>  "Statement": [</a:t>
+            </a:r>
+          </a:p>
+          <a:p>
+            <a:r>
+              <a:rPr lang="en-IN" sz="1400" dirty="0"/>
+              <a:t>    {</a:t>
+            </a:r>
+          </a:p>
+          <a:p>
+            <a:r>
+              <a:rPr lang="en-IN" sz="1400" dirty="0"/>
+              <a:t>      "Effect": "Deny",</a:t>
+            </a:r>
+          </a:p>
+          <a:p>
+            <a:r>
+              <a:rPr lang="en-IN" sz="1400" dirty="0"/>
+              <a:t>      "Principal": "*",</a:t>
+            </a:r>
+          </a:p>
+          <a:p>
+            <a:r>
+              <a:rPr lang="en-IN" sz="1400" dirty="0"/>
+              <a:t>      "Action": "*",</a:t>
+            </a:r>
+          </a:p>
+          <a:p>
+            <a:r>
+              <a:rPr lang="en-IN" sz="1400" dirty="0"/>
+              <a:t>      "Resource": "*",</a:t>
+            </a:r>
+          </a:p>
+          <a:p>
+            <a:r>
+              <a:rPr lang="en-IN" sz="1400" dirty="0"/>
+              <a:t>      "Condition": {</a:t>
+            </a:r>
+          </a:p>
+          <a:p>
+            <a:r>
+              <a:rPr lang="en-IN" sz="1400" dirty="0"/>
+              <a:t>        "</a:t>
+            </a:r>
+            <a:r>
+              <a:rPr lang="en-IN" sz="1400" dirty="0" err="1"/>
+              <a:t>StringNotEquals</a:t>
+            </a:r>
+            <a:r>
+              <a:rPr lang="en-IN" sz="1400" dirty="0"/>
+              <a:t>": {</a:t>
+            </a:r>
+          </a:p>
+          <a:p>
+            <a:r>
+              <a:rPr lang="en-IN" sz="1400" dirty="0"/>
+              <a:t>          "</a:t>
+            </a:r>
+            <a:r>
+              <a:rPr lang="en-IN" sz="1400" dirty="0" err="1"/>
+              <a:t>aws:PrincipalOrgID</a:t>
+            </a:r>
+            <a:r>
+              <a:rPr lang="en-IN" sz="1400" dirty="0"/>
+              <a:t>": "o-</a:t>
+            </a:r>
+            <a:r>
+              <a:rPr lang="en-IN" sz="1400" dirty="0" err="1"/>
+              <a:t>xxxxxxxxxxxx</a:t>
+            </a:r>
+            <a:r>
+              <a:rPr lang="en-IN" sz="1400" dirty="0"/>
+              <a:t>"</a:t>
+            </a:r>
+          </a:p>
+          <a:p>
+            <a:r>
+              <a:rPr lang="en-IN" sz="1400" dirty="0"/>
+              <a:t>        }</a:t>
+            </a:r>
+          </a:p>
+          <a:p>
+            <a:r>
+              <a:rPr lang="en-IN" sz="1400" dirty="0"/>
+              <a:t>      }</a:t>
+            </a:r>
+          </a:p>
+          <a:p>
+            <a:r>
+              <a:rPr lang="en-IN" sz="1400" dirty="0"/>
+              <a:t>    }</a:t>
+            </a:r>
+          </a:p>
+          <a:p>
+            <a:r>
+              <a:rPr lang="en-IN" sz="1400" dirty="0"/>
+              <a:t>  ]</a:t>
+            </a:r>
+          </a:p>
+          <a:p>
+            <a:r>
+              <a:rPr lang="en-IN" sz="1400" dirty="0"/>
+              <a:t>}</a:t>
+            </a:r>
+          </a:p>
+          <a:p>
+            <a:endParaRPr lang="en-IN" sz="1400" dirty="0"/>
+          </a:p>
+          <a:p>
+            <a:r>
+              <a:rPr lang="en-US" sz="1400" b="1" dirty="0"/>
+              <a:t>Use Case:</a:t>
+            </a:r>
+            <a:endParaRPr lang="en-US" sz="1400" dirty="0"/>
+          </a:p>
+          <a:p>
+            <a:pPr marL="285750" indent="-285750">
+              <a:buFont typeface="Arial" panose="020B0604020202020204" pitchFamily="34" charset="0"/>
+              <a:buChar char="•"/>
+            </a:pPr>
+            <a:r>
+              <a:rPr lang="en-US" sz="1400" dirty="0"/>
+              <a:t>Prevent accidental or malicious sharing of resources with external accounts</a:t>
+            </a:r>
+            <a:endParaRPr lang="en-IN" sz="1400" dirty="0"/>
+          </a:p>
+        </p:txBody>
+      </p:sp>
+      <p:sp>
+        <p:nvSpPr>
+          <p:cNvPr id="4" name="TextBox 3">
+            <a:extLst>
+              <a:ext uri="{FF2B5EF4-FFF2-40B4-BE49-F238E27FC236}">
+                <a16:creationId xmlns:a16="http://schemas.microsoft.com/office/drawing/2014/main" id="{42BC1061-3B28-6978-DEBA-11323C621AEA}"/>
+              </a:ext>
+            </a:extLst>
+          </p:cNvPr>
+          <p:cNvSpPr txBox="1"/>
+          <p:nvPr/>
+        </p:nvSpPr>
+        <p:spPr>
+          <a:xfrm>
+            <a:off x="6542313" y="953310"/>
+            <a:ext cx="5344889" cy="5570756"/>
+          </a:xfrm>
+          <a:prstGeom prst="rect">
+            <a:avLst/>
+          </a:prstGeom>
+          <a:noFill/>
+        </p:spPr>
+        <p:txBody>
+          <a:bodyPr wrap="square" rtlCol="0">
+            <a:spAutoFit/>
+          </a:bodyPr>
+          <a:lstStyle/>
+          <a:p>
+            <a:r>
+              <a:rPr lang="en-IN" sz="1600" dirty="0"/>
+              <a:t>2️⃣ </a:t>
+            </a:r>
+            <a:r>
+              <a:rPr lang="en-US" sz="1600" dirty="0"/>
+              <a:t>Prevent S3 Bucket Sharing</a:t>
+            </a:r>
+          </a:p>
+          <a:p>
+            <a:endParaRPr lang="en-IN" sz="1400" dirty="0"/>
+          </a:p>
+          <a:p>
+            <a:r>
+              <a:rPr lang="en-IN" sz="1400" dirty="0"/>
+              <a:t>{</a:t>
+            </a:r>
+          </a:p>
+          <a:p>
+            <a:r>
+              <a:rPr lang="en-IN" sz="1400" dirty="0"/>
+              <a:t>  "Version": "2012-10-17",</a:t>
+            </a:r>
+          </a:p>
+          <a:p>
+            <a:r>
+              <a:rPr lang="en-IN" sz="1400" dirty="0"/>
+              <a:t>  "Statement": [</a:t>
+            </a:r>
+          </a:p>
+          <a:p>
+            <a:r>
+              <a:rPr lang="en-IN" sz="1400" dirty="0"/>
+              <a:t>    {</a:t>
+            </a:r>
+          </a:p>
+          <a:p>
+            <a:r>
+              <a:rPr lang="en-IN" sz="1400" dirty="0"/>
+              <a:t>      "Effect": "Deny",</a:t>
+            </a:r>
+          </a:p>
+          <a:p>
+            <a:r>
+              <a:rPr lang="en-IN" sz="1400" dirty="0"/>
+              <a:t>      "Principal": "*",</a:t>
+            </a:r>
+          </a:p>
+          <a:p>
+            <a:r>
+              <a:rPr lang="en-IN" sz="1400" dirty="0"/>
+              <a:t>      "Action": [</a:t>
+            </a:r>
+          </a:p>
+          <a:p>
+            <a:r>
+              <a:rPr lang="en-IN" sz="1400" dirty="0"/>
+              <a:t>        "s3:PutBucketPolicy",</a:t>
+            </a:r>
+          </a:p>
+          <a:p>
+            <a:r>
+              <a:rPr lang="en-IN" sz="1400" dirty="0"/>
+              <a:t>        "s3:PutBucketAcl"</a:t>
+            </a:r>
+          </a:p>
+          <a:p>
+            <a:r>
+              <a:rPr lang="en-IN" sz="1400" dirty="0"/>
+              <a:t>      ],</a:t>
+            </a:r>
+          </a:p>
+          <a:p>
+            <a:r>
+              <a:rPr lang="en-IN" sz="1400" dirty="0"/>
+              <a:t>      "Resource": "arn:aws:s3:::*",</a:t>
+            </a:r>
+          </a:p>
+          <a:p>
+            <a:r>
+              <a:rPr lang="en-IN" sz="1400" dirty="0"/>
+              <a:t>      "Condition": {</a:t>
+            </a:r>
+          </a:p>
+          <a:p>
+            <a:r>
+              <a:rPr lang="en-IN" sz="1400" dirty="0"/>
+              <a:t>        "</a:t>
+            </a:r>
+            <a:r>
+              <a:rPr lang="en-IN" sz="1400" dirty="0" err="1"/>
+              <a:t>StringNotEquals</a:t>
+            </a:r>
+            <a:r>
+              <a:rPr lang="en-IN" sz="1400" dirty="0"/>
+              <a:t>": {</a:t>
+            </a:r>
+          </a:p>
+          <a:p>
+            <a:r>
+              <a:rPr lang="en-IN" sz="1400" dirty="0"/>
+              <a:t>          "</a:t>
+            </a:r>
+            <a:r>
+              <a:rPr lang="en-IN" sz="1400" dirty="0" err="1"/>
+              <a:t>aws:PrincipalOrgID</a:t>
+            </a:r>
+            <a:r>
+              <a:rPr lang="en-IN" sz="1400" dirty="0"/>
+              <a:t>": "o-</a:t>
+            </a:r>
+            <a:r>
+              <a:rPr lang="en-IN" sz="1400" dirty="0" err="1"/>
+              <a:t>xxxxxxxxxxxx</a:t>
+            </a:r>
+            <a:r>
+              <a:rPr lang="en-IN" sz="1400" dirty="0"/>
+              <a:t>"</a:t>
+            </a:r>
+          </a:p>
+          <a:p>
+            <a:r>
+              <a:rPr lang="en-IN" sz="1400" dirty="0"/>
+              <a:t>        }</a:t>
+            </a:r>
+          </a:p>
+          <a:p>
+            <a:r>
+              <a:rPr lang="en-IN" sz="1400" dirty="0"/>
+              <a:t>      }</a:t>
+            </a:r>
+          </a:p>
+          <a:p>
+            <a:r>
+              <a:rPr lang="en-IN" sz="1400" dirty="0"/>
+              <a:t>    }</a:t>
+            </a:r>
+          </a:p>
+          <a:p>
+            <a:r>
+              <a:rPr lang="en-IN" sz="1400" dirty="0"/>
+              <a:t>  ]</a:t>
+            </a:r>
+          </a:p>
+          <a:p>
+            <a:r>
+              <a:rPr lang="en-IN" sz="1400" dirty="0"/>
+              <a:t>}</a:t>
+            </a:r>
+          </a:p>
+          <a:p>
+            <a:endParaRPr lang="en-IN" dirty="0"/>
+          </a:p>
+          <a:p>
+            <a:r>
+              <a:rPr lang="en-US" sz="1400" b="1" dirty="0"/>
+              <a:t>Use Case:</a:t>
+            </a:r>
+          </a:p>
+          <a:p>
+            <a:pPr marL="285750" indent="-285750">
+              <a:buFont typeface="Arial" panose="020B0604020202020204" pitchFamily="34" charset="0"/>
+              <a:buChar char="•"/>
+            </a:pPr>
+            <a:r>
+              <a:rPr lang="en-US" sz="1400" dirty="0"/>
+              <a:t>Prevent S3 buckets from being shared outside organization</a:t>
+            </a:r>
+            <a:br>
+              <a:rPr lang="en-IN" sz="1400" b="1" dirty="0"/>
+            </a:br>
+            <a:endParaRPr lang="en-IN" sz="1400" b="1" dirty="0"/>
+          </a:p>
+        </p:txBody>
+      </p:sp>
+    </p:spTree>
+    <p:extLst>
+      <p:ext uri="{BB962C8B-B14F-4D97-AF65-F5344CB8AC3E}">
+        <p14:creationId xmlns:p14="http://schemas.microsoft.com/office/powerpoint/2010/main" val="4033531409"/>
+      </p:ext>
+    </p:extLst>
+  </p:cSld>
+  <p:clrMapOvr>
+    <a:masterClrMapping/>
+  </p:clrMapOvr>
+</p:sld>
+</file>
+
+<file path=ppt/slides/slide12.xml><?xml version="1.0" encoding="utf-8"?>
+<p:sld xmlns:a="http://schemas.openxmlformats.org/drawingml/2006/main" xmlns:r="http://schemas.openxmlformats.org/officeDocument/2006/relationships" xmlns:p="http://schemas.openxmlformats.org/presentationml/2006/main">
+  <p:cSld>
+    <p:spTree>
+      <p:nvGrpSpPr>
+        <p:cNvPr id="1" name="">
+          <a:extLst>
+            <a:ext uri="{FF2B5EF4-FFF2-40B4-BE49-F238E27FC236}">
+              <a16:creationId xmlns:a16="http://schemas.microsoft.com/office/drawing/2014/main" id="{C791B221-CCD5-A998-3A75-B0E202F9C7D6}"/>
+            </a:ext>
+          </a:extLst>
+        </p:cNvPr>
+        <p:cNvGrpSpPr/>
+        <p:nvPr/>
+      </p:nvGrpSpPr>
+      <p:grpSpPr>
+        <a:xfrm>
+          <a:off x="0" y="0"/>
+          <a:ext cx="0" cy="0"/>
+          <a:chOff x="0" y="0"/>
+          <a:chExt cx="0" cy="0"/>
+        </a:xfrm>
+      </p:grpSpPr>
+      <p:sp>
+        <p:nvSpPr>
+          <p:cNvPr id="2" name="TextBox 1">
+            <a:extLst>
+              <a:ext uri="{FF2B5EF4-FFF2-40B4-BE49-F238E27FC236}">
+                <a16:creationId xmlns:a16="http://schemas.microsoft.com/office/drawing/2014/main" id="{19143EE1-E581-EA09-34FC-0334C673B30C}"/>
+              </a:ext>
+            </a:extLst>
+          </p:cNvPr>
+          <p:cNvSpPr txBox="1"/>
+          <p:nvPr/>
+        </p:nvSpPr>
+        <p:spPr>
+          <a:xfrm>
+            <a:off x="786175" y="274321"/>
+            <a:ext cx="7863839" cy="646331"/>
+          </a:xfrm>
+          <a:prstGeom prst="rect">
+            <a:avLst/>
+          </a:prstGeom>
+          <a:noFill/>
+        </p:spPr>
+        <p:txBody>
+          <a:bodyPr wrap="square">
+            <a:spAutoFit/>
+          </a:bodyPr>
+          <a:lstStyle/>
+          <a:p>
+            <a:pPr>
+              <a:defRPr sz="3600" b="1">
+                <a:solidFill>
+                  <a:srgbClr val="232F3E"/>
+                </a:solidFill>
+              </a:defRPr>
+            </a:pPr>
+            <a:r>
+              <a:rPr lang="en-IN" sz="3600" dirty="0"/>
+              <a:t>Introducing AWS Control Tower</a:t>
+            </a:r>
+            <a:endParaRPr sz="3600" dirty="0"/>
+          </a:p>
+        </p:txBody>
+      </p:sp>
+      <p:sp>
+        <p:nvSpPr>
+          <p:cNvPr id="3" name="TextBox 2">
+            <a:extLst>
+              <a:ext uri="{FF2B5EF4-FFF2-40B4-BE49-F238E27FC236}">
+                <a16:creationId xmlns:a16="http://schemas.microsoft.com/office/drawing/2014/main" id="{EDA44239-CCC3-8C5A-FC38-DB94FEF67FA5}"/>
+              </a:ext>
+            </a:extLst>
+          </p:cNvPr>
+          <p:cNvSpPr txBox="1"/>
+          <p:nvPr/>
+        </p:nvSpPr>
+        <p:spPr>
+          <a:xfrm>
+            <a:off x="786175" y="1559257"/>
+            <a:ext cx="4493396" cy="4585871"/>
+          </a:xfrm>
+          <a:prstGeom prst="rect">
+            <a:avLst/>
+          </a:prstGeom>
+          <a:noFill/>
+        </p:spPr>
+        <p:txBody>
+          <a:bodyPr wrap="square">
+            <a:spAutoFit/>
+          </a:bodyPr>
+          <a:lstStyle/>
+          <a:p>
+            <a:pPr>
+              <a:spcBef>
+                <a:spcPts val="600"/>
+              </a:spcBef>
+              <a:spcAft>
+                <a:spcPts val="600"/>
+              </a:spcAft>
+            </a:pPr>
+            <a:r>
+              <a:rPr lang="en-US" sz="1400" b="1" dirty="0"/>
+              <a:t>🎯 We've learned so far:</a:t>
+            </a:r>
+            <a:endParaRPr lang="en-US" sz="1400" dirty="0"/>
+          </a:p>
+          <a:p>
+            <a:pPr marL="285750" indent="-285750">
+              <a:spcBef>
+                <a:spcPts val="600"/>
+              </a:spcBef>
+              <a:spcAft>
+                <a:spcPts val="600"/>
+              </a:spcAft>
+              <a:buFont typeface="Arial" panose="020B0604020202020204" pitchFamily="34" charset="0"/>
+              <a:buChar char="•"/>
+            </a:pPr>
+            <a:r>
+              <a:rPr lang="en-US" sz="1400" dirty="0"/>
+              <a:t>Multi-account strategy is essential</a:t>
+            </a:r>
+          </a:p>
+          <a:p>
+            <a:pPr marL="285750" indent="-285750">
+              <a:spcBef>
+                <a:spcPts val="600"/>
+              </a:spcBef>
+              <a:spcAft>
+                <a:spcPts val="600"/>
+              </a:spcAft>
+              <a:buFont typeface="Arial" panose="020B0604020202020204" pitchFamily="34" charset="0"/>
+              <a:buChar char="•"/>
+            </a:pPr>
+            <a:r>
+              <a:rPr lang="en-US" sz="1400" dirty="0"/>
+              <a:t>AWS Organizations manages accounts centrally</a:t>
+            </a:r>
+          </a:p>
+          <a:p>
+            <a:pPr marL="285750" indent="-285750">
+              <a:spcBef>
+                <a:spcPts val="600"/>
+              </a:spcBef>
+              <a:spcAft>
+                <a:spcPts val="600"/>
+              </a:spcAft>
+              <a:buFont typeface="Arial" panose="020B0604020202020204" pitchFamily="34" charset="0"/>
+              <a:buChar char="•"/>
+            </a:pPr>
+            <a:r>
+              <a:rPr lang="en-US" sz="1400" dirty="0"/>
+              <a:t>OUs group accounts logically</a:t>
+            </a:r>
+          </a:p>
+          <a:p>
+            <a:pPr marL="285750" indent="-285750">
+              <a:spcBef>
+                <a:spcPts val="600"/>
+              </a:spcBef>
+              <a:spcAft>
+                <a:spcPts val="600"/>
+              </a:spcAft>
+              <a:buFont typeface="Arial" panose="020B0604020202020204" pitchFamily="34" charset="0"/>
+              <a:buChar char="•"/>
+            </a:pPr>
+            <a:r>
+              <a:rPr lang="en-US" sz="1400" dirty="0"/>
+              <a:t>SCPs enforce guardrails</a:t>
+            </a:r>
+          </a:p>
+          <a:p>
+            <a:pPr>
+              <a:spcBef>
+                <a:spcPts val="600"/>
+              </a:spcBef>
+              <a:spcAft>
+                <a:spcPts val="600"/>
+              </a:spcAft>
+            </a:pPr>
+            <a:endParaRPr lang="en-US" sz="1400" dirty="0"/>
+          </a:p>
+          <a:p>
+            <a:pPr>
+              <a:spcBef>
+                <a:spcPts val="600"/>
+              </a:spcBef>
+              <a:spcAft>
+                <a:spcPts val="600"/>
+              </a:spcAft>
+            </a:pPr>
+            <a:r>
+              <a:rPr lang="en-US" sz="1400" b="1" dirty="0"/>
+              <a:t>But here's the problem:</a:t>
+            </a:r>
+            <a:r>
+              <a:rPr lang="en-US" sz="1400" dirty="0"/>
+              <a:t> Setting all this up manually is complex and time-consuming. </a:t>
+            </a:r>
+          </a:p>
+          <a:p>
+            <a:pPr>
+              <a:spcBef>
+                <a:spcPts val="600"/>
+              </a:spcBef>
+              <a:spcAft>
+                <a:spcPts val="600"/>
+              </a:spcAft>
+            </a:pPr>
+            <a:r>
+              <a:rPr lang="en-US" sz="1400" dirty="0"/>
+              <a:t>You need to:</a:t>
+            </a:r>
+          </a:p>
+          <a:p>
+            <a:pPr marL="285750" indent="-285750">
+              <a:spcBef>
+                <a:spcPts val="600"/>
+              </a:spcBef>
+              <a:spcAft>
+                <a:spcPts val="600"/>
+              </a:spcAft>
+              <a:buFont typeface="Arial" panose="020B0604020202020204" pitchFamily="34" charset="0"/>
+              <a:buChar char="•"/>
+            </a:pPr>
+            <a:r>
+              <a:rPr lang="en-US" sz="1400" dirty="0"/>
+              <a:t>Create accounts one by one</a:t>
+            </a:r>
+          </a:p>
+          <a:p>
+            <a:pPr marL="285750" indent="-285750">
+              <a:spcBef>
+                <a:spcPts val="600"/>
+              </a:spcBef>
+              <a:spcAft>
+                <a:spcPts val="600"/>
+              </a:spcAft>
+              <a:buFont typeface="Arial" panose="020B0604020202020204" pitchFamily="34" charset="0"/>
+              <a:buChar char="•"/>
+            </a:pPr>
+            <a:r>
+              <a:rPr lang="en-US" sz="1400" dirty="0"/>
+              <a:t>Configure OUs and SCPs manually</a:t>
+            </a:r>
+          </a:p>
+          <a:p>
+            <a:pPr marL="285750" indent="-285750">
+              <a:spcBef>
+                <a:spcPts val="600"/>
+              </a:spcBef>
+              <a:spcAft>
+                <a:spcPts val="600"/>
+              </a:spcAft>
+              <a:buFont typeface="Arial" panose="020B0604020202020204" pitchFamily="34" charset="0"/>
+              <a:buChar char="•"/>
+            </a:pPr>
+            <a:r>
+              <a:rPr lang="en-US" sz="1400" dirty="0"/>
+              <a:t>Set up logging, security, and compliance from scratch</a:t>
+            </a:r>
+          </a:p>
+          <a:p>
+            <a:pPr marL="285750" indent="-285750">
+              <a:spcBef>
+                <a:spcPts val="600"/>
+              </a:spcBef>
+              <a:spcAft>
+                <a:spcPts val="600"/>
+              </a:spcAft>
+              <a:buFont typeface="Arial" panose="020B0604020202020204" pitchFamily="34" charset="0"/>
+              <a:buChar char="•"/>
+            </a:pPr>
+            <a:r>
+              <a:rPr lang="en-US" sz="1400" dirty="0"/>
+              <a:t>Ensure consistency across all accounts</a:t>
+            </a:r>
+          </a:p>
+        </p:txBody>
+      </p:sp>
+      <p:sp>
+        <p:nvSpPr>
+          <p:cNvPr id="5" name="TextBox 4">
+            <a:extLst>
+              <a:ext uri="{FF2B5EF4-FFF2-40B4-BE49-F238E27FC236}">
+                <a16:creationId xmlns:a16="http://schemas.microsoft.com/office/drawing/2014/main" id="{AE76A776-6440-D0D1-EDFB-16C50C17CD73}"/>
+              </a:ext>
+            </a:extLst>
+          </p:cNvPr>
+          <p:cNvSpPr txBox="1"/>
+          <p:nvPr/>
+        </p:nvSpPr>
+        <p:spPr>
+          <a:xfrm>
+            <a:off x="6096000" y="1561857"/>
+            <a:ext cx="5682342" cy="4062651"/>
+          </a:xfrm>
+          <a:prstGeom prst="rect">
+            <a:avLst/>
+          </a:prstGeom>
+          <a:noFill/>
+        </p:spPr>
+        <p:txBody>
+          <a:bodyPr wrap="square">
+            <a:spAutoFit/>
+          </a:bodyPr>
+          <a:lstStyle/>
+          <a:p>
+            <a:pPr>
+              <a:spcBef>
+                <a:spcPts val="600"/>
+              </a:spcBef>
+              <a:spcAft>
+                <a:spcPts val="600"/>
+              </a:spcAft>
+              <a:buNone/>
+            </a:pPr>
+            <a:r>
+              <a:rPr lang="en-US" sz="1400" b="1" dirty="0"/>
+              <a:t>💡 Enter AWS Control Tower</a:t>
+            </a:r>
+            <a:r>
+              <a:rPr lang="en-US" sz="1400" dirty="0"/>
+              <a:t>: A service that simplifies setting up and governing a secure, compliant, multi-account AWS environment, also known as a “landing zone” based on best practices.</a:t>
+            </a:r>
+          </a:p>
+          <a:p>
+            <a:pPr>
+              <a:spcBef>
+                <a:spcPts val="600"/>
+              </a:spcBef>
+              <a:spcAft>
+                <a:spcPts val="600"/>
+              </a:spcAft>
+              <a:buNone/>
+            </a:pPr>
+            <a:endParaRPr lang="en-US" sz="1400" dirty="0"/>
+          </a:p>
+          <a:p>
+            <a:pPr>
+              <a:spcBef>
+                <a:spcPts val="600"/>
+              </a:spcBef>
+              <a:spcAft>
+                <a:spcPts val="600"/>
+              </a:spcAft>
+              <a:buNone/>
+            </a:pPr>
+            <a:r>
+              <a:rPr lang="en-US" sz="1400" dirty="0"/>
+              <a:t>AWS Control Tower = </a:t>
+            </a:r>
+          </a:p>
+          <a:p>
+            <a:pPr marL="742950" lvl="1" indent="-285750">
+              <a:spcBef>
+                <a:spcPts val="600"/>
+              </a:spcBef>
+              <a:spcAft>
+                <a:spcPts val="600"/>
+              </a:spcAft>
+              <a:buFont typeface="Arial" panose="020B0604020202020204" pitchFamily="34" charset="0"/>
+              <a:buChar char="•"/>
+            </a:pPr>
+            <a:r>
+              <a:rPr lang="en-US" sz="1400" b="1" dirty="0"/>
+              <a:t>AWS Organizations </a:t>
+            </a:r>
+            <a:r>
+              <a:rPr lang="en-IN" sz="1400" dirty="0"/>
+              <a:t>- Multi-account structure</a:t>
+            </a:r>
+            <a:endParaRPr lang="en-US" sz="1400" b="1" dirty="0"/>
+          </a:p>
+          <a:p>
+            <a:pPr marL="742950" lvl="1" indent="-285750">
+              <a:spcBef>
+                <a:spcPts val="600"/>
+              </a:spcBef>
+              <a:spcAft>
+                <a:spcPts val="600"/>
+              </a:spcAft>
+              <a:buFont typeface="Arial" panose="020B0604020202020204" pitchFamily="34" charset="0"/>
+              <a:buChar char="•"/>
+            </a:pPr>
+            <a:r>
+              <a:rPr lang="en-US" sz="1400" b="1" dirty="0"/>
+              <a:t>Automated Account Setup </a:t>
+            </a:r>
+            <a:r>
+              <a:rPr lang="en-IN" sz="1400" dirty="0"/>
+              <a:t>- Account Factory</a:t>
+            </a:r>
+          </a:p>
+          <a:p>
+            <a:pPr marL="742950" lvl="1" indent="-285750">
+              <a:spcBef>
+                <a:spcPts val="600"/>
+              </a:spcBef>
+              <a:spcAft>
+                <a:spcPts val="600"/>
+              </a:spcAft>
+              <a:buFont typeface="Arial" panose="020B0604020202020204" pitchFamily="34" charset="0"/>
+              <a:buChar char="•"/>
+            </a:pPr>
+            <a:r>
+              <a:rPr lang="en-US" sz="1400" b="1" dirty="0"/>
+              <a:t>Pre-built Guardrails </a:t>
+            </a:r>
+            <a:r>
+              <a:rPr lang="en-IN" sz="1400" dirty="0"/>
+              <a:t>- 1,218+ controls</a:t>
+            </a:r>
+            <a:endParaRPr lang="en-US" sz="1400" b="1" dirty="0"/>
+          </a:p>
+          <a:p>
+            <a:pPr marL="742950" lvl="1" indent="-285750">
+              <a:spcBef>
+                <a:spcPts val="600"/>
+              </a:spcBef>
+              <a:spcAft>
+                <a:spcPts val="600"/>
+              </a:spcAft>
+              <a:buFont typeface="Arial" panose="020B0604020202020204" pitchFamily="34" charset="0"/>
+              <a:buChar char="•"/>
+            </a:pPr>
+            <a:r>
+              <a:rPr lang="en-US" sz="1400" b="1" dirty="0"/>
+              <a:t>Compliance Dashboard </a:t>
+            </a:r>
+            <a:r>
+              <a:rPr lang="en-IN" sz="1400" dirty="0"/>
+              <a:t>- Security score &amp; reporting</a:t>
+            </a:r>
+            <a:endParaRPr lang="en-US" sz="1400" b="1" dirty="0"/>
+          </a:p>
+          <a:p>
+            <a:pPr marL="742950" lvl="1" indent="-285750">
+              <a:spcBef>
+                <a:spcPts val="600"/>
+              </a:spcBef>
+              <a:spcAft>
+                <a:spcPts val="600"/>
+              </a:spcAft>
+              <a:buFont typeface="Arial" panose="020B0604020202020204" pitchFamily="34" charset="0"/>
+              <a:buChar char="•"/>
+            </a:pPr>
+            <a:r>
+              <a:rPr lang="en-US" sz="1400" b="1" dirty="0"/>
+              <a:t>Centralized Logging - </a:t>
+            </a:r>
+            <a:r>
+              <a:rPr lang="en-IN" sz="1400" dirty="0"/>
+              <a:t>Automated log aggregation</a:t>
+            </a:r>
+          </a:p>
+          <a:p>
+            <a:pPr marL="742950" lvl="1" indent="-285750">
+              <a:spcBef>
+                <a:spcPts val="600"/>
+              </a:spcBef>
+              <a:spcAft>
+                <a:spcPts val="600"/>
+              </a:spcAft>
+              <a:buFont typeface="Arial" panose="020B0604020202020204" pitchFamily="34" charset="0"/>
+              <a:buChar char="•"/>
+            </a:pPr>
+            <a:r>
+              <a:rPr lang="en-US" sz="1400" b="1" dirty="0"/>
+              <a:t>AWS IAM Identity Center</a:t>
+            </a:r>
+            <a:r>
+              <a:rPr lang="en-US" sz="1400" dirty="0"/>
+              <a:t> - Centralized access management</a:t>
+            </a:r>
+            <a:endParaRPr lang="en-IN" sz="1400" dirty="0"/>
+          </a:p>
+          <a:p>
+            <a:pPr>
+              <a:spcBef>
+                <a:spcPts val="600"/>
+              </a:spcBef>
+              <a:spcAft>
+                <a:spcPts val="600"/>
+              </a:spcAft>
+            </a:pPr>
+            <a:endParaRPr lang="en-US" sz="1400" b="1" dirty="0"/>
+          </a:p>
+        </p:txBody>
+      </p:sp>
+    </p:spTree>
+    <p:extLst>
+      <p:ext uri="{BB962C8B-B14F-4D97-AF65-F5344CB8AC3E}">
+        <p14:creationId xmlns:p14="http://schemas.microsoft.com/office/powerpoint/2010/main" val="3014869441"/>
+      </p:ext>
+    </p:extLst>
+  </p:cSld>
+  <p:clrMapOvr>
+    <a:masterClrMapping/>
+  </p:clrMapOvr>
+</p:sld>
+</file>
+
+<file path=ppt/slides/slide13.xml><?xml version="1.0" encoding="utf-8"?>
+<p:sld xmlns:a="http://schemas.openxmlformats.org/drawingml/2006/main" xmlns:r="http://schemas.openxmlformats.org/officeDocument/2006/relationships" xmlns:p="http://schemas.openxmlformats.org/presentationml/2006/main">
+  <p:cSld>
+    <p:spTree>
+      <p:nvGrpSpPr>
+        <p:cNvPr id="1" name="">
+          <a:extLst>
+            <a:ext uri="{FF2B5EF4-FFF2-40B4-BE49-F238E27FC236}">
               <a16:creationId xmlns:a16="http://schemas.microsoft.com/office/drawing/2014/main" id="{A87DA182-D88B-AF56-5D22-BC9844310051}"/>
             </a:ext>
           </a:extLst>
@@ -5329,7 +6633,7 @@
             </a:pPr>
             <a:r>
               <a:rPr lang="en-US" sz="1400" dirty="0"/>
-              <a:t>A landing zone is a well-architected, multi-account AWS environment based on security and compliance best practices. It's your enterprise-wide container that holds all organizational units (OUs), accounts, and resources subject to governance.</a:t>
+              <a:t>A landing zone is a well-architected, multi-account AWS environment based on security and compliance best practices. It’s your enterprise-wide container that holds all organizational units (OUs), accounts, and resources subject to governance.</a:t>
             </a:r>
           </a:p>
           <a:p>
@@ -5514,8 +6818,8 @@
         </p:nvSpPr>
         <p:spPr>
           <a:xfrm>
-            <a:off x="6977743" y="1001486"/>
-            <a:ext cx="4702628" cy="5770811"/>
+            <a:off x="6977742" y="1001486"/>
+            <a:ext cx="4898571" cy="5478423"/>
           </a:xfrm>
           <a:prstGeom prst="rect">
             <a:avLst/>
@@ -5537,13 +6841,6 @@
               <a:rPr lang="en-US" sz="1400" b="1" dirty="0"/>
               <a:t>Critical Setup Considerations</a:t>
             </a:r>
-          </a:p>
-          <a:p>
-            <a:pPr>
-              <a:spcBef>
-                <a:spcPts val="600"/>
-              </a:spcBef>
-            </a:pPr>
             <a:endParaRPr lang="en-US" sz="1400" dirty="0"/>
           </a:p>
           <a:p>
@@ -5553,7 +6850,7 @@
               </a:spcBef>
             </a:pPr>
             <a:r>
-              <a:rPr lang="en-US" sz="1400" dirty="0"/>
+              <a:rPr lang="en-US" sz="1400" b="1" dirty="0"/>
               <a:t>Home Region Selection:</a:t>
             </a:r>
           </a:p>
@@ -5580,7 +6877,7 @@
             </a:pPr>
             <a:r>
               <a:rPr lang="en-US" sz="1400" dirty="0"/>
-              <a:t>This region becomes your Control Tower "home region"</a:t>
+              <a:t>This region becomes your Control Tower “home region”</a:t>
             </a:r>
           </a:p>
           <a:p>
@@ -5728,7 +7025,7 @@
 </p:sld>
 </file>
 
-<file path=ppt/slides/slide11.xml><?xml version="1.0" encoding="utf-8"?>
+<file path=ppt/slides/slide14.xml><?xml version="1.0" encoding="utf-8"?>
 <p:sld xmlns:a="http://schemas.openxmlformats.org/drawingml/2006/main" xmlns:r="http://schemas.openxmlformats.org/officeDocument/2006/relationships" xmlns:p="http://schemas.openxmlformats.org/presentationml/2006/main">
   <p:cSld>
     <p:spTree>
@@ -5808,8 +7105,8 @@
         </p:nvSpPr>
         <p:spPr>
           <a:xfrm>
-            <a:off x="786176" y="1097280"/>
-            <a:ext cx="5636396" cy="5693866"/>
+            <a:off x="786175" y="1574894"/>
+            <a:ext cx="6148024" cy="4985980"/>
           </a:xfrm>
           <a:prstGeom prst="rect">
             <a:avLst/>
@@ -5828,26 +7125,7 @@
               </a:spcBef>
             </a:pPr>
             <a:r>
-              <a:rPr lang="en-US" sz="1200" b="1" dirty="0"/>
-              <a:t>When you enable Control Tower, it automatically creates two critical accounts and an OU:</a:t>
-            </a:r>
-          </a:p>
-          <a:p>
-            <a:pPr>
-              <a:spcBef>
-                <a:spcPts val="600"/>
-              </a:spcBef>
-            </a:pPr>
-            <a:endParaRPr lang="en-US" sz="1200" b="1" dirty="0"/>
-          </a:p>
-          <a:p>
-            <a:pPr>
-              <a:spcBef>
-                <a:spcPts val="600"/>
-              </a:spcBef>
-            </a:pPr>
-            <a:r>
-              <a:rPr lang="en-US" sz="1200" b="1" dirty="0"/>
+              <a:rPr lang="en-US" sz="1400" b="1" dirty="0"/>
               <a:t>1.) Log Archive Account</a:t>
             </a:r>
           </a:p>
@@ -5858,11 +7136,11 @@
               </a:spcBef>
             </a:pPr>
             <a:r>
-              <a:rPr lang="en-US" sz="1200" b="1" dirty="0"/>
+              <a:rPr lang="en-US" sz="1400" b="1" dirty="0"/>
               <a:t>Purpose: </a:t>
             </a:r>
             <a:r>
-              <a:rPr lang="en-US" sz="1200" dirty="0"/>
+              <a:rPr lang="en-US" sz="1400" dirty="0"/>
               <a:t>Centralized, read-only repository for all organizational logs</a:t>
             </a:r>
           </a:p>
@@ -5873,7 +7151,7 @@
               </a:spcBef>
             </a:pPr>
             <a:r>
-              <a:rPr lang="en-US" sz="1200" b="1" dirty="0"/>
+              <a:rPr lang="en-US" sz="1400" b="1" dirty="0"/>
               <a:t>What it stores:</a:t>
             </a:r>
           </a:p>
@@ -5886,7 +7164,7 @@
               <a:buChar char="•"/>
             </a:pPr>
             <a:r>
-              <a:rPr lang="en-US" sz="1200" dirty="0"/>
+              <a:rPr lang="en-US" sz="1400" dirty="0"/>
               <a:t>CloudTrail logs (all API activity across every account)</a:t>
             </a:r>
           </a:p>
@@ -5899,7 +7177,7 @@
               <a:buChar char="•"/>
             </a:pPr>
             <a:r>
-              <a:rPr lang="en-US" sz="1200" dirty="0"/>
+              <a:rPr lang="en-US" sz="1400" dirty="0"/>
               <a:t>AWS Config logs (resource configuration history)</a:t>
             </a:r>
           </a:p>
@@ -5912,7 +7190,7 @@
               <a:buChar char="•"/>
             </a:pPr>
             <a:r>
-              <a:rPr lang="en-US" sz="1200" dirty="0"/>
+              <a:rPr lang="en-US" sz="1400" dirty="0"/>
               <a:t>VPC Flow Logs, S3 access logs, and more</a:t>
             </a:r>
           </a:p>
@@ -5923,11 +7201,11 @@
               </a:spcBef>
             </a:pPr>
             <a:r>
-              <a:rPr lang="en-US" sz="1200" b="1" dirty="0"/>
+              <a:rPr lang="en-US" sz="1400" b="1" dirty="0"/>
               <a:t>Why it matters: </a:t>
             </a:r>
             <a:r>
-              <a:rPr lang="en-US" sz="1200" dirty="0"/>
+              <a:rPr lang="en-US" sz="1400" dirty="0"/>
               <a:t>Required for compliance audits and security analysis</a:t>
             </a:r>
           </a:p>
@@ -5937,31 +7215,16 @@
                 <a:spcPts val="600"/>
               </a:spcBef>
             </a:pPr>
-            <a:r>
-              <a:rPr lang="en-US" sz="1200" b="1" dirty="0"/>
-              <a:t>Email: </a:t>
-            </a:r>
-            <a:r>
-              <a:rPr lang="en-US" sz="1200" dirty="0"/>
-              <a:t>You provide during setup (e.g., aws-logarchive@company.com)</a:t>
-            </a:r>
-          </a:p>
-          <a:p>
-            <a:pPr>
-              <a:spcBef>
-                <a:spcPts val="600"/>
-              </a:spcBef>
-            </a:pPr>
-            <a:endParaRPr lang="en-US" sz="1200" b="1" dirty="0"/>
-          </a:p>
-          <a:p>
-            <a:pPr>
-              <a:spcBef>
-                <a:spcPts val="600"/>
-              </a:spcBef>
-            </a:pPr>
-            <a:r>
-              <a:rPr lang="en-US" sz="1200" b="1" dirty="0"/>
+            <a:endParaRPr lang="en-US" sz="1400" b="1" dirty="0"/>
+          </a:p>
+          <a:p>
+            <a:pPr>
+              <a:spcBef>
+                <a:spcPts val="600"/>
+              </a:spcBef>
+            </a:pPr>
+            <a:r>
+              <a:rPr lang="en-US" sz="1400" b="1" dirty="0"/>
               <a:t>2.) Audit Account</a:t>
             </a:r>
           </a:p>
@@ -5972,11 +7235,11 @@
               </a:spcBef>
             </a:pPr>
             <a:r>
-              <a:rPr lang="en-US" sz="1200" b="1" dirty="0"/>
+              <a:rPr lang="en-US" sz="1400" b="1" dirty="0"/>
               <a:t>Purpose: </a:t>
             </a:r>
             <a:r>
-              <a:rPr lang="en-US" sz="1200" dirty="0"/>
+              <a:rPr lang="en-US" sz="1400" dirty="0"/>
               <a:t>Security and compliance monitoring hub</a:t>
             </a:r>
           </a:p>
@@ -5987,7 +7250,7 @@
               </a:spcBef>
             </a:pPr>
             <a:r>
-              <a:rPr lang="en-US" sz="1200" b="1" dirty="0"/>
+              <a:rPr lang="en-US" sz="1400" b="1" dirty="0"/>
               <a:t>What can run here:</a:t>
             </a:r>
           </a:p>
@@ -6000,7 +7263,7 @@
               <a:buChar char="•"/>
             </a:pPr>
             <a:r>
-              <a:rPr lang="en-US" sz="1200" dirty="0"/>
+              <a:rPr lang="en-US" sz="1400" dirty="0"/>
               <a:t>AWS Config aggregator (cross-account compliance view)</a:t>
             </a:r>
           </a:p>
@@ -6013,7 +7276,7 @@
               <a:buChar char="•"/>
             </a:pPr>
             <a:r>
-              <a:rPr lang="en-US" sz="1200" dirty="0"/>
+              <a:rPr lang="en-US" sz="1400" dirty="0"/>
               <a:t>AWS Security Hub (centralized security findings)</a:t>
             </a:r>
           </a:p>
@@ -6026,15 +7289,15 @@
               <a:buChar char="•"/>
             </a:pPr>
             <a:r>
-              <a:rPr lang="en-US" sz="1200" dirty="0"/>
+              <a:rPr lang="en-US" sz="1400" dirty="0"/>
               <a:t>AWS </a:t>
             </a:r>
             <a:r>
-              <a:rPr lang="en-US" sz="1200" dirty="0" err="1"/>
+              <a:rPr lang="en-US" sz="1400" dirty="0" err="1"/>
               <a:t>GuardDuty</a:t>
             </a:r>
             <a:r>
-              <a:rPr lang="en-US" sz="1200" dirty="0"/>
+              <a:rPr lang="en-US" sz="1400" dirty="0"/>
               <a:t> (threat detection)</a:t>
             </a:r>
           </a:p>
@@ -6045,11 +7308,11 @@
               </a:spcBef>
             </a:pPr>
             <a:r>
-              <a:rPr lang="en-US" sz="1200" b="1" dirty="0"/>
+              <a:rPr lang="en-US" sz="1400" b="1" dirty="0"/>
               <a:t>Who uses it: </a:t>
             </a:r>
             <a:r>
-              <a:rPr lang="en-US" sz="1200" dirty="0"/>
+              <a:rPr lang="en-US" sz="1400" dirty="0"/>
               <a:t>Security teams, compliance officers, auditors</a:t>
             </a:r>
           </a:p>
@@ -6059,41 +7322,16 @@
                 <a:spcPts val="600"/>
               </a:spcBef>
             </a:pPr>
-            <a:r>
-              <a:rPr lang="en-US" sz="1200" b="1" dirty="0"/>
-              <a:t>Email: </a:t>
-            </a:r>
-            <a:r>
-              <a:rPr lang="en-US" sz="1200" dirty="0"/>
-              <a:t>You provide during setup (e.g., </a:t>
-            </a:r>
-            <a:r>
-              <a:rPr lang="en-US" sz="1200" dirty="0">
-                <a:hlinkClick r:id="rId2"/>
-              </a:rPr>
-              <a:t>aws-audit@company.com</a:t>
-            </a:r>
-            <a:r>
-              <a:rPr lang="en-US" sz="1200" dirty="0"/>
-              <a:t>)</a:t>
-            </a:r>
-          </a:p>
-          <a:p>
-            <a:pPr>
-              <a:spcBef>
-                <a:spcPts val="600"/>
-              </a:spcBef>
-            </a:pPr>
-            <a:endParaRPr lang="en-US" sz="1200" b="1" dirty="0"/>
-          </a:p>
-          <a:p>
-            <a:pPr>
-              <a:spcBef>
-                <a:spcPts val="600"/>
-              </a:spcBef>
-            </a:pPr>
-            <a:r>
-              <a:rPr lang="en-US" sz="1200" b="1" dirty="0"/>
+            <a:endParaRPr lang="en-US" sz="1400" b="1" dirty="0"/>
+          </a:p>
+          <a:p>
+            <a:pPr>
+              <a:spcBef>
+                <a:spcPts val="600"/>
+              </a:spcBef>
+            </a:pPr>
+            <a:r>
+              <a:rPr lang="en-US" sz="1400" b="1" dirty="0"/>
               <a:t>Important: These accounts are permanent for the life of your landing zone.</a:t>
             </a:r>
           </a:p>
@@ -6113,8 +7351,8 @@
         </p:nvSpPr>
         <p:spPr>
           <a:xfrm>
-            <a:off x="6977743" y="1001486"/>
-            <a:ext cx="4702628" cy="4324261"/>
+            <a:off x="7369629" y="1589316"/>
+            <a:ext cx="4539342" cy="4324261"/>
           </a:xfrm>
           <a:prstGeom prst="rect">
             <a:avLst/>
@@ -6201,7 +7439,7 @@
             </a:pPr>
             <a:r>
               <a:rPr lang="en-US" sz="1400" dirty="0"/>
-              <a:t>      ├── Log Archive Account</a:t>
+              <a:t>      |── Log Archive Account</a:t>
             </a:r>
           </a:p>
           <a:p>
@@ -6284,6 +7522,41 @@
             <a:r>
               <a:rPr lang="en-US" sz="1400" dirty="0"/>
               <a:t>Restrict modifications to security resources</a:t>
+            </a:r>
+          </a:p>
+        </p:txBody>
+      </p:sp>
+      <p:sp>
+        <p:nvSpPr>
+          <p:cNvPr id="5" name="TextBox 4">
+            <a:extLst>
+              <a:ext uri="{FF2B5EF4-FFF2-40B4-BE49-F238E27FC236}">
+                <a16:creationId xmlns:a16="http://schemas.microsoft.com/office/drawing/2014/main" id="{49DE2FBB-4904-7ABE-F48B-663EFF2991A0}"/>
+              </a:ext>
+            </a:extLst>
+          </p:cNvPr>
+          <p:cNvSpPr txBox="1"/>
+          <p:nvPr/>
+        </p:nvSpPr>
+        <p:spPr>
+          <a:xfrm>
+            <a:off x="827314" y="942424"/>
+            <a:ext cx="9111343" cy="338554"/>
+          </a:xfrm>
+          <a:prstGeom prst="rect">
+            <a:avLst/>
+          </a:prstGeom>
+          <a:noFill/>
+        </p:spPr>
+        <p:txBody>
+          <a:bodyPr wrap="square" rtlCol="0">
+            <a:spAutoFit/>
+          </a:bodyPr>
+          <a:lstStyle/>
+          <a:p>
+            <a:r>
+              <a:rPr lang="en-US" sz="1600" b="1" dirty="0"/>
+              <a:t>When you enable Control Tower, it automatically creates two critical accounts and an OU:</a:t>
             </a:r>
           </a:p>
         </p:txBody>
@@ -6301,7 +7574,7 @@
 </p:sld>
 </file>
 
-<file path=ppt/slides/slide12.xml><?xml version="1.0" encoding="utf-8"?>
+<file path=ppt/slides/slide15.xml><?xml version="1.0" encoding="utf-8"?>
 <p:sld xmlns:a="http://schemas.openxmlformats.org/drawingml/2006/main" xmlns:r="http://schemas.openxmlformats.org/officeDocument/2006/relationships" xmlns:p="http://schemas.openxmlformats.org/presentationml/2006/main">
   <p:cSld>
     <p:spTree>
@@ -6740,7 +8013,7 @@
 </p:sld>
 </file>
 
-<file path=ppt/slides/slide13.xml><?xml version="1.0" encoding="utf-8"?>
+<file path=ppt/slides/slide16.xml><?xml version="1.0" encoding="utf-8"?>
 <p:sld xmlns:a="http://schemas.openxmlformats.org/drawingml/2006/main" xmlns:r="http://schemas.openxmlformats.org/officeDocument/2006/relationships" xmlns:p="http://schemas.openxmlformats.org/presentationml/2006/main">
   <p:cSld>
     <p:spTree>
@@ -6748,7 +8021,7 @@
         <p:cNvPr id="1" name="">
           <a:extLst>
             <a:ext uri="{FF2B5EF4-FFF2-40B4-BE49-F238E27FC236}">
-              <a16:creationId xmlns:a16="http://schemas.microsoft.com/office/drawing/2014/main" id="{0232EEB3-2488-A65A-D907-5943A50C77BA}"/>
+              <a16:creationId xmlns:a16="http://schemas.microsoft.com/office/drawing/2014/main" id="{4BA54DCE-4CD2-5243-7743-1EF4850EA5EC}"/>
             </a:ext>
           </a:extLst>
         </p:cNvPr>
@@ -6768,7 +8041,7 @@
           <p:cNvPr id="2" name="TextBox 1">
             <a:extLst>
               <a:ext uri="{FF2B5EF4-FFF2-40B4-BE49-F238E27FC236}">
-                <a16:creationId xmlns:a16="http://schemas.microsoft.com/office/drawing/2014/main" id="{C9D0256A-9893-21B4-957C-0E4ABF7FBE85}"/>
+                <a16:creationId xmlns:a16="http://schemas.microsoft.com/office/drawing/2014/main" id="{32A11D07-D6F7-ED65-81D1-8F152CB54321}"/>
               </a:ext>
             </a:extLst>
           </p:cNvPr>
@@ -6811,7 +8084,7 @@
           <p:cNvPr id="3" name="TextBox 2">
             <a:extLst>
               <a:ext uri="{FF2B5EF4-FFF2-40B4-BE49-F238E27FC236}">
-                <a16:creationId xmlns:a16="http://schemas.microsoft.com/office/drawing/2014/main" id="{82B83CA2-8E22-4D0C-E92F-275617FC30FC}"/>
+                <a16:creationId xmlns:a16="http://schemas.microsoft.com/office/drawing/2014/main" id="{C92CB298-2AF3-0FAE-E6E8-976881706DD0}"/>
               </a:ext>
             </a:extLst>
           </p:cNvPr>
@@ -6821,7 +8094,7 @@
         <p:spPr>
           <a:xfrm>
             <a:off x="786175" y="1097280"/>
-            <a:ext cx="10230167" cy="5355312"/>
+            <a:ext cx="10230167" cy="584775"/>
           </a:xfrm>
           <a:prstGeom prst="rect">
             <a:avLst/>
@@ -6839,194 +8112,546 @@
               <a:t>A configurable account template built on AWS Service Catalog that standardizes and automates the provisioning of new AWS accounts with pre-approved configurations.</a:t>
             </a:r>
           </a:p>
-          <a:p>
-            <a:endParaRPr lang="en-US" sz="1600" b="1" i="1" dirty="0"/>
-          </a:p>
-          <a:p>
+        </p:txBody>
+      </p:sp>
+      <p:sp>
+        <p:nvSpPr>
+          <p:cNvPr id="4" name="TextBox 3">
+            <a:extLst>
+              <a:ext uri="{FF2B5EF4-FFF2-40B4-BE49-F238E27FC236}">
+                <a16:creationId xmlns:a16="http://schemas.microsoft.com/office/drawing/2014/main" id="{FB1E98C7-B18A-B91A-5F9F-F28DCA95E807}"/>
+              </a:ext>
+            </a:extLst>
+          </p:cNvPr>
+          <p:cNvSpPr txBox="1"/>
+          <p:nvPr/>
+        </p:nvSpPr>
+        <p:spPr>
+          <a:xfrm>
+            <a:off x="786175" y="1880455"/>
+            <a:ext cx="5040467" cy="3770263"/>
+          </a:xfrm>
+          <a:prstGeom prst="rect">
+            <a:avLst/>
+          </a:prstGeom>
+          <a:noFill/>
+        </p:spPr>
+        <p:txBody>
+          <a:bodyPr wrap="square">
+            <a:spAutoFit/>
+          </a:bodyPr>
+          <a:lstStyle/>
+          <a:p>
+            <a:pPr>
+              <a:spcAft>
+                <a:spcPts val="600"/>
+              </a:spcAft>
+              <a:defRPr sz="1400"/>
+            </a:pPr>
+            <a:r>
+              <a:rPr sz="1200" b="1" dirty="0"/>
+              <a:t>WITHOUT Account Factory:</a:t>
+            </a:r>
+          </a:p>
+          <a:p>
+            <a:pPr>
+              <a:spcAft>
+                <a:spcPts val="600"/>
+              </a:spcAft>
+              <a:defRPr sz="1400"/>
+            </a:pPr>
+            <a:endParaRPr lang="en-IN" sz="1200" dirty="0"/>
+          </a:p>
+          <a:p>
+            <a:pPr>
+              <a:spcAft>
+                <a:spcPts val="600"/>
+              </a:spcAft>
+              <a:defRPr sz="1400"/>
+            </a:pPr>
+            <a:r>
+              <a:rPr sz="1200" dirty="0"/>
+              <a:t>Manual Process (2-4 days):</a:t>
+            </a:r>
+          </a:p>
+          <a:p>
+            <a:pPr marL="285750" indent="-285750">
+              <a:spcAft>
+                <a:spcPts val="600"/>
+              </a:spcAft>
+              <a:buFont typeface="Arial" panose="020B0604020202020204" pitchFamily="34" charset="0"/>
+              <a:buChar char="•"/>
+              <a:defRPr sz="1400"/>
+            </a:pPr>
+            <a:r>
+              <a:rPr sz="1200" dirty="0"/>
+              <a:t>Create account via console</a:t>
+            </a:r>
+          </a:p>
+          <a:p>
+            <a:pPr marL="285750" indent="-285750">
+              <a:spcAft>
+                <a:spcPts val="600"/>
+              </a:spcAft>
+              <a:buFont typeface="Arial" panose="020B0604020202020204" pitchFamily="34" charset="0"/>
+              <a:buChar char="•"/>
+              <a:defRPr sz="1400"/>
+            </a:pPr>
+            <a:r>
+              <a:rPr sz="1200" dirty="0"/>
+              <a:t>Enable CloudTrail manually</a:t>
+            </a:r>
+          </a:p>
+          <a:p>
+            <a:pPr marL="285750" indent="-285750">
+              <a:spcAft>
+                <a:spcPts val="600"/>
+              </a:spcAft>
+              <a:buFont typeface="Arial" panose="020B0604020202020204" pitchFamily="34" charset="0"/>
+              <a:buChar char="•"/>
+              <a:defRPr sz="1400"/>
+            </a:pPr>
+            <a:r>
+              <a:rPr sz="1200" dirty="0"/>
+              <a:t>Create VPC</a:t>
+            </a:r>
+          </a:p>
+          <a:p>
+            <a:pPr marL="285750" indent="-285750">
+              <a:spcAft>
+                <a:spcPts val="600"/>
+              </a:spcAft>
+              <a:buFont typeface="Arial" panose="020B0604020202020204" pitchFamily="34" charset="0"/>
+              <a:buChar char="•"/>
+              <a:defRPr sz="1400"/>
+            </a:pPr>
+            <a:r>
+              <a:rPr sz="1200" dirty="0"/>
+              <a:t>Configure IAM</a:t>
+            </a:r>
+          </a:p>
+          <a:p>
+            <a:pPr marL="285750" indent="-285750">
+              <a:spcAft>
+                <a:spcPts val="600"/>
+              </a:spcAft>
+              <a:buFont typeface="Arial" panose="020B0604020202020204" pitchFamily="34" charset="0"/>
+              <a:buChar char="•"/>
+              <a:defRPr sz="1400"/>
+            </a:pPr>
+            <a:r>
+              <a:rPr sz="1200" dirty="0"/>
+              <a:t>Apply security policies</a:t>
+            </a:r>
+          </a:p>
+          <a:p>
+            <a:pPr marL="285750" indent="-285750">
+              <a:spcAft>
+                <a:spcPts val="600"/>
+              </a:spcAft>
+              <a:buFont typeface="Arial" panose="020B0604020202020204" pitchFamily="34" charset="0"/>
+              <a:buChar char="•"/>
+              <a:defRPr sz="1400"/>
+            </a:pPr>
+            <a:r>
+              <a:rPr sz="1200" dirty="0"/>
+              <a:t>Setup monitoring</a:t>
+            </a:r>
+          </a:p>
+          <a:p>
+            <a:pPr marL="285750" indent="-285750">
+              <a:spcAft>
+                <a:spcPts val="600"/>
+              </a:spcAft>
+              <a:buFont typeface="Arial" panose="020B0604020202020204" pitchFamily="34" charset="0"/>
+              <a:buChar char="•"/>
+              <a:defRPr sz="1400"/>
+            </a:pPr>
+            <a:r>
+              <a:rPr sz="1200" dirty="0"/>
+              <a:t>Test everything</a:t>
+            </a:r>
+          </a:p>
+          <a:p>
+            <a:pPr marL="285750" indent="-285750">
+              <a:spcAft>
+                <a:spcPts val="600"/>
+              </a:spcAft>
+              <a:buFont typeface="Arial" panose="020B0604020202020204" pitchFamily="34" charset="0"/>
+              <a:buChar char="•"/>
+              <a:defRPr sz="1400"/>
+            </a:pPr>
+            <a:r>
+              <a:rPr sz="1200" dirty="0"/>
+              <a:t>Document setup</a:t>
+            </a:r>
+          </a:p>
+          <a:p>
+            <a:pPr marL="285750" indent="-285750">
+              <a:spcAft>
+                <a:spcPts val="600"/>
+              </a:spcAft>
+              <a:buFont typeface="Arial" panose="020B0604020202020204" pitchFamily="34" charset="0"/>
+              <a:buChar char="•"/>
+              <a:defRPr sz="1400"/>
+            </a:pPr>
+            <a:r>
+              <a:rPr sz="1200" dirty="0"/>
+              <a:t>Handoff to team</a:t>
+            </a:r>
+          </a:p>
+          <a:p>
+            <a:pPr>
+              <a:spcAft>
+                <a:spcPts val="600"/>
+              </a:spcAft>
+              <a:defRPr sz="1400"/>
+            </a:pPr>
+            <a:endParaRPr sz="1200" dirty="0"/>
+          </a:p>
+          <a:p>
+            <a:pPr>
+              <a:spcAft>
+                <a:spcPts val="600"/>
+              </a:spcAft>
+              <a:defRPr sz="1400"/>
+            </a:pPr>
+            <a:r>
+              <a:rPr sz="1200" b="1" dirty="0"/>
+              <a:t>Result: Inconsistent, error-prone, time-consuming</a:t>
+            </a:r>
+          </a:p>
+        </p:txBody>
+      </p:sp>
+      <p:sp>
+        <p:nvSpPr>
+          <p:cNvPr id="5" name="TextBox 4">
+            <a:extLst>
+              <a:ext uri="{FF2B5EF4-FFF2-40B4-BE49-F238E27FC236}">
+                <a16:creationId xmlns:a16="http://schemas.microsoft.com/office/drawing/2014/main" id="{6BCC2CB7-98DF-B76F-2623-7A8DE835FEDA}"/>
+              </a:ext>
+            </a:extLst>
+          </p:cNvPr>
+          <p:cNvSpPr txBox="1"/>
+          <p:nvPr/>
+        </p:nvSpPr>
+        <p:spPr>
+          <a:xfrm>
+            <a:off x="6095999" y="1763497"/>
+            <a:ext cx="5309825" cy="4724370"/>
+          </a:xfrm>
+          <a:prstGeom prst="rect">
+            <a:avLst/>
+          </a:prstGeom>
+          <a:noFill/>
+        </p:spPr>
+        <p:txBody>
+          <a:bodyPr wrap="square">
+            <a:spAutoFit/>
+          </a:bodyPr>
+          <a:lstStyle/>
+          <a:p>
+            <a:pPr>
+              <a:spcAft>
+                <a:spcPts val="600"/>
+              </a:spcAft>
+              <a:defRPr sz="1400"/>
+            </a:pPr>
+            <a:r>
+              <a:rPr sz="1200" b="1" dirty="0"/>
+              <a:t>WITH Account Factory:</a:t>
+            </a:r>
+          </a:p>
+          <a:p>
+            <a:pPr>
+              <a:spcAft>
+                <a:spcPts val="600"/>
+              </a:spcAft>
+              <a:defRPr sz="1400"/>
+            </a:pPr>
+            <a:endParaRPr lang="en-IN" sz="1200" dirty="0"/>
+          </a:p>
+          <a:p>
+            <a:pPr>
+              <a:spcAft>
+                <a:spcPts val="600"/>
+              </a:spcAft>
+              <a:defRPr sz="1400"/>
+            </a:pPr>
+            <a:r>
+              <a:rPr sz="1200" dirty="0"/>
+              <a:t>Automated Process (15-30 min):</a:t>
+            </a:r>
+          </a:p>
+          <a:p>
+            <a:pPr marL="285750" indent="-285750">
+              <a:spcAft>
+                <a:spcPts val="600"/>
+              </a:spcAft>
+              <a:buFont typeface="Arial" panose="020B0604020202020204" pitchFamily="34" charset="0"/>
+              <a:buChar char="•"/>
+              <a:defRPr sz="1400"/>
+            </a:pPr>
+            <a:r>
+              <a:rPr lang="en-IN" sz="1200" dirty="0"/>
+              <a:t>U</a:t>
+            </a:r>
+            <a:r>
+              <a:rPr sz="1200" dirty="0"/>
+              <a:t>ser fills form in portal</a:t>
+            </a:r>
+          </a:p>
+          <a:p>
+            <a:pPr marL="285750" indent="-285750">
+              <a:spcAft>
+                <a:spcPts val="600"/>
+              </a:spcAft>
+              <a:buFont typeface="Arial" panose="020B0604020202020204" pitchFamily="34" charset="0"/>
+              <a:buChar char="•"/>
+              <a:defRPr sz="1400"/>
+            </a:pPr>
+            <a:r>
+              <a:rPr sz="1200" dirty="0"/>
+              <a:t>Selects account blueprint</a:t>
+            </a:r>
+          </a:p>
+          <a:p>
+            <a:pPr marL="285750" indent="-285750">
+              <a:spcAft>
+                <a:spcPts val="600"/>
+              </a:spcAft>
+              <a:buFont typeface="Arial" panose="020B0604020202020204" pitchFamily="34" charset="0"/>
+              <a:buChar char="•"/>
+              <a:defRPr sz="1400"/>
+            </a:pPr>
+            <a:r>
+              <a:rPr sz="1200" dirty="0"/>
+              <a:t>Specifies OU and network</a:t>
+            </a:r>
+          </a:p>
+          <a:p>
+            <a:pPr marL="285750" indent="-285750">
+              <a:spcAft>
+                <a:spcPts val="600"/>
+              </a:spcAft>
+              <a:buFont typeface="Arial" panose="020B0604020202020204" pitchFamily="34" charset="0"/>
+              <a:buChar char="•"/>
+              <a:defRPr sz="1400"/>
+            </a:pPr>
+            <a:r>
+              <a:rPr sz="1200" dirty="0"/>
+              <a:t>Clicks </a:t>
+            </a:r>
+            <a:r>
+              <a:rPr lang="en-IN" sz="1200" dirty="0"/>
+              <a:t>'</a:t>
+            </a:r>
+            <a:r>
+              <a:rPr sz="1200" dirty="0"/>
+              <a:t>Launch</a:t>
+            </a:r>
+            <a:r>
+              <a:rPr lang="en-IN" sz="1200" dirty="0"/>
+              <a:t>’</a:t>
+            </a:r>
+          </a:p>
+          <a:p>
+            <a:pPr>
+              <a:spcAft>
+                <a:spcPts val="600"/>
+              </a:spcAft>
+              <a:defRPr sz="1400"/>
+            </a:pPr>
+            <a:endParaRPr sz="1200" dirty="0"/>
+          </a:p>
+          <a:p>
+            <a:pPr>
+              <a:spcAft>
+                <a:spcPts val="600"/>
+              </a:spcAft>
+              <a:defRPr sz="1400"/>
+            </a:pPr>
+            <a:r>
+              <a:rPr sz="1200" dirty="0"/>
+              <a:t>Control Tower automatically:</a:t>
+            </a:r>
+          </a:p>
+          <a:p>
+            <a:pPr marL="285750" indent="-285750">
+              <a:spcAft>
+                <a:spcPts val="600"/>
+              </a:spcAft>
+              <a:buFont typeface="Wingdings" panose="05000000000000000000" pitchFamily="2" charset="2"/>
+              <a:buChar char="ü"/>
+              <a:defRPr sz="1400"/>
+            </a:pPr>
+            <a:r>
+              <a:rPr sz="1200" dirty="0"/>
+              <a:t>Creates account</a:t>
+            </a:r>
+          </a:p>
+          <a:p>
+            <a:pPr marL="285750" indent="-285750">
+              <a:spcAft>
+                <a:spcPts val="600"/>
+              </a:spcAft>
+              <a:buFont typeface="Wingdings" panose="05000000000000000000" pitchFamily="2" charset="2"/>
+              <a:buChar char="ü"/>
+              <a:defRPr sz="1400"/>
+            </a:pPr>
+            <a:r>
+              <a:rPr sz="1200" dirty="0"/>
+              <a:t>Applies security baselines</a:t>
+            </a:r>
+          </a:p>
+          <a:p>
+            <a:pPr marL="285750" indent="-285750">
+              <a:spcAft>
+                <a:spcPts val="600"/>
+              </a:spcAft>
+              <a:buFont typeface="Wingdings" panose="05000000000000000000" pitchFamily="2" charset="2"/>
+              <a:buChar char="ü"/>
+              <a:defRPr sz="1400"/>
+            </a:pPr>
+            <a:r>
+              <a:rPr sz="1200" dirty="0"/>
+              <a:t>Enables logging</a:t>
+            </a:r>
+          </a:p>
+          <a:p>
+            <a:pPr marL="285750" indent="-285750">
+              <a:spcAft>
+                <a:spcPts val="600"/>
+              </a:spcAft>
+              <a:buFont typeface="Wingdings" panose="05000000000000000000" pitchFamily="2" charset="2"/>
+              <a:buChar char="ü"/>
+              <a:defRPr sz="1400"/>
+            </a:pPr>
+            <a:r>
+              <a:rPr sz="1200" dirty="0"/>
+              <a:t>Creates VPC</a:t>
+            </a:r>
+          </a:p>
+          <a:p>
+            <a:pPr marL="285750" indent="-285750">
+              <a:spcAft>
+                <a:spcPts val="600"/>
+              </a:spcAft>
+              <a:buFont typeface="Wingdings" panose="05000000000000000000" pitchFamily="2" charset="2"/>
+              <a:buChar char="ü"/>
+              <a:defRPr sz="1400"/>
+            </a:pPr>
+            <a:r>
+              <a:rPr sz="1200" dirty="0"/>
+              <a:t>Configures IAM/SSO</a:t>
+            </a:r>
+          </a:p>
+          <a:p>
+            <a:pPr marL="285750" indent="-285750">
+              <a:spcAft>
+                <a:spcPts val="600"/>
+              </a:spcAft>
+              <a:buFont typeface="Wingdings" panose="05000000000000000000" pitchFamily="2" charset="2"/>
+              <a:buChar char="ü"/>
+              <a:defRPr sz="1400"/>
+            </a:pPr>
+            <a:r>
+              <a:rPr sz="1200" dirty="0"/>
+              <a:t>Applies guardrails</a:t>
+            </a:r>
+          </a:p>
+          <a:p>
+            <a:pPr marL="285750" indent="-285750">
+              <a:spcAft>
+                <a:spcPts val="600"/>
+              </a:spcAft>
+              <a:buFont typeface="Wingdings" panose="05000000000000000000" pitchFamily="2" charset="2"/>
+              <a:buChar char="ü"/>
+              <a:defRPr sz="1400"/>
+            </a:pPr>
+            <a:r>
+              <a:rPr sz="1200" dirty="0"/>
+              <a:t>Sends notification</a:t>
+            </a:r>
+          </a:p>
+          <a:p>
+            <a:pPr>
+              <a:spcAft>
+                <a:spcPts val="600"/>
+              </a:spcAft>
+              <a:defRPr sz="1400"/>
+            </a:pPr>
+            <a:endParaRPr lang="en-IN" sz="1200" b="1" dirty="0"/>
+          </a:p>
+          <a:p>
+            <a:pPr>
+              <a:spcAft>
+                <a:spcPts val="600"/>
+              </a:spcAft>
+              <a:defRPr sz="1400"/>
+            </a:pPr>
+            <a:r>
+              <a:rPr sz="1200" b="1" dirty="0"/>
+              <a:t>Result: Fast, consistent, compliant</a:t>
+            </a:r>
+          </a:p>
+        </p:txBody>
+      </p:sp>
+      <p:sp>
+        <p:nvSpPr>
+          <p:cNvPr id="6" name="TextBox 5">
+            <a:extLst>
+              <a:ext uri="{FF2B5EF4-FFF2-40B4-BE49-F238E27FC236}">
+                <a16:creationId xmlns:a16="http://schemas.microsoft.com/office/drawing/2014/main" id="{ED2F4AB6-FFAF-F2DC-F1E7-78D447851A93}"/>
+              </a:ext>
+            </a:extLst>
+          </p:cNvPr>
+          <p:cNvSpPr txBox="1"/>
+          <p:nvPr/>
+        </p:nvSpPr>
+        <p:spPr>
+          <a:xfrm>
+            <a:off x="786175" y="5650718"/>
+            <a:ext cx="4519472" cy="1169551"/>
+          </a:xfrm>
+          <a:prstGeom prst="rect">
+            <a:avLst/>
+          </a:prstGeom>
+          <a:noFill/>
+        </p:spPr>
+        <p:txBody>
+          <a:bodyPr wrap="square" rtlCol="0">
+            <a:spAutoFit/>
+          </a:bodyPr>
+          <a:lstStyle/>
+          <a:p>
+            <a:r>
+              <a:rPr lang="en-IN" sz="1400" dirty="0"/>
+              <a:t>Note: You can also use </a:t>
+            </a:r>
             <a:r>
               <a:rPr lang="en-US" sz="1400" b="1" dirty="0"/>
-              <a:t>Without AFT:</a:t>
-            </a:r>
-          </a:p>
-          <a:p>
-            <a:r>
-              <a:rPr lang="en-US" sz="1400" dirty="0"/>
-              <a:t>IT Request: "Need new AWS account"</a:t>
-            </a:r>
-          </a:p>
-          <a:p>
-            <a:r>
-              <a:rPr lang="en-US" sz="1400" dirty="0"/>
-              <a:t>Process:</a:t>
-            </a:r>
-          </a:p>
-          <a:p>
-            <a:pPr marL="285750" indent="-285750">
-              <a:buFont typeface="Arial" panose="020B0604020202020204" pitchFamily="34" charset="0"/>
-              <a:buChar char="•"/>
-            </a:pPr>
-            <a:r>
-              <a:rPr lang="en-US" sz="1400" dirty="0"/>
-              <a:t>Create account via console/API</a:t>
-            </a:r>
-          </a:p>
-          <a:p>
-            <a:pPr marL="285750" indent="-285750">
-              <a:buFont typeface="Arial" panose="020B0604020202020204" pitchFamily="34" charset="0"/>
-              <a:buChar char="•"/>
-            </a:pPr>
-            <a:r>
-              <a:rPr lang="en-US" sz="1400" dirty="0"/>
-              <a:t>Manual checklist:</a:t>
-            </a:r>
-          </a:p>
-          <a:p>
-            <a:pPr marL="742950" lvl="1" indent="-285750">
-              <a:buFont typeface="Arial" panose="020B0604020202020204" pitchFamily="34" charset="0"/>
-              <a:buChar char="•"/>
-            </a:pPr>
-            <a:r>
-              <a:rPr lang="en-US" sz="1400" dirty="0"/>
-              <a:t> Enable CloudTrail</a:t>
-            </a:r>
-          </a:p>
-          <a:p>
-            <a:pPr marL="742950" lvl="1" indent="-285750">
-              <a:buFont typeface="Arial" panose="020B0604020202020204" pitchFamily="34" charset="0"/>
-              <a:buChar char="•"/>
-            </a:pPr>
-            <a:r>
-              <a:rPr lang="en-US" sz="1400" dirty="0"/>
-              <a:t> Setup AWS Config</a:t>
-            </a:r>
-          </a:p>
-          <a:p>
-            <a:pPr marL="742950" lvl="1" indent="-285750">
-              <a:buFont typeface="Arial" panose="020B0604020202020204" pitchFamily="34" charset="0"/>
-              <a:buChar char="•"/>
-            </a:pPr>
-            <a:r>
-              <a:rPr lang="en-US" sz="1400" dirty="0"/>
-              <a:t> Create VPC</a:t>
-            </a:r>
-          </a:p>
-          <a:p>
-            <a:pPr marL="742950" lvl="1" indent="-285750">
-              <a:buFont typeface="Arial" panose="020B0604020202020204" pitchFamily="34" charset="0"/>
-              <a:buChar char="•"/>
-            </a:pPr>
-            <a:r>
-              <a:rPr lang="en-US" sz="1400" dirty="0"/>
-              <a:t> Configure IAM</a:t>
-            </a:r>
-          </a:p>
-          <a:p>
-            <a:pPr marL="742950" lvl="1" indent="-285750">
-              <a:buFont typeface="Arial" panose="020B0604020202020204" pitchFamily="34" charset="0"/>
-              <a:buChar char="•"/>
-            </a:pPr>
-            <a:r>
-              <a:rPr lang="en-US" sz="1400" dirty="0"/>
-              <a:t>Apply security policies</a:t>
-            </a:r>
-          </a:p>
-          <a:p>
-            <a:pPr marL="285750" indent="-285750">
-              <a:buFont typeface="Arial" panose="020B0604020202020204" pitchFamily="34" charset="0"/>
-              <a:buChar char="•"/>
-            </a:pPr>
-            <a:r>
-              <a:rPr lang="en-US" sz="1400" dirty="0"/>
-              <a:t>Test everything </a:t>
-            </a:r>
-          </a:p>
-          <a:p>
-            <a:endParaRPr lang="en-US" sz="1400" dirty="0"/>
-          </a:p>
-          <a:p>
-            <a:r>
-              <a:rPr lang="en-IN" sz="1400" b="1" dirty="0"/>
-              <a:t>With AFT:</a:t>
-            </a:r>
-          </a:p>
-          <a:p>
-            <a:r>
-              <a:rPr lang="en-US" sz="1400" dirty="0"/>
-              <a:t>User Request: Fill form</a:t>
-            </a:r>
-          </a:p>
-          <a:p>
-            <a:r>
-              <a:rPr lang="en-US" sz="1400" dirty="0"/>
-              <a:t>Control Tower:</a:t>
-            </a:r>
-          </a:p>
-          <a:p>
-            <a:pPr marL="285750" indent="-285750">
-              <a:buFont typeface="Arial" panose="020B0604020202020204" pitchFamily="34" charset="0"/>
-              <a:buChar char="•"/>
-            </a:pPr>
-            <a:r>
-              <a:rPr lang="en-US" sz="1400" dirty="0"/>
-              <a:t>Creates account</a:t>
-            </a:r>
-          </a:p>
-          <a:p>
-            <a:pPr marL="285750" indent="-285750">
-              <a:buFont typeface="Arial" panose="020B0604020202020204" pitchFamily="34" charset="0"/>
-              <a:buChar char="•"/>
-            </a:pPr>
-            <a:r>
-              <a:rPr lang="en-US" sz="1400" dirty="0"/>
-              <a:t>Applies all security baselines</a:t>
-            </a:r>
-          </a:p>
-          <a:p>
-            <a:pPr marL="285750" indent="-285750">
-              <a:buFont typeface="Arial" panose="020B0604020202020204" pitchFamily="34" charset="0"/>
-              <a:buChar char="•"/>
-            </a:pPr>
-            <a:r>
-              <a:rPr lang="en-US" sz="1400" dirty="0"/>
-              <a:t>Enables logging</a:t>
-            </a:r>
-          </a:p>
-          <a:p>
-            <a:pPr marL="285750" indent="-285750">
-              <a:buFont typeface="Arial" panose="020B0604020202020204" pitchFamily="34" charset="0"/>
-              <a:buChar char="•"/>
-            </a:pPr>
-            <a:r>
-              <a:rPr lang="en-US" sz="1400" dirty="0"/>
-              <a:t>Creates network</a:t>
-            </a:r>
-          </a:p>
-          <a:p>
-            <a:pPr marL="285750" indent="-285750">
-              <a:buFont typeface="Arial" panose="020B0604020202020204" pitchFamily="34" charset="0"/>
-              <a:buChar char="•"/>
-            </a:pPr>
-            <a:r>
-              <a:rPr lang="en-US" sz="1400" dirty="0"/>
-              <a:t>Configures IAM/SSO</a:t>
-            </a:r>
-          </a:p>
-          <a:p>
-            <a:pPr marL="285750" indent="-285750">
-              <a:buFont typeface="Arial" panose="020B0604020202020204" pitchFamily="34" charset="0"/>
-              <a:buChar char="•"/>
-            </a:pPr>
-            <a:r>
-              <a:rPr lang="en-US" sz="1400" dirty="0"/>
-              <a:t>Applies guardrails</a:t>
-            </a:r>
+              <a:t>AWS Control Tower Account Factory for Terraform (AFT)</a:t>
+            </a:r>
+          </a:p>
+          <a:p>
+            <a:r>
+              <a:rPr lang="en-IN" sz="1400" dirty="0">
+                <a:hlinkClick r:id="rId2"/>
+              </a:rPr>
+              <a:t>https://github.com/aws-ia/terraform-aws-control_tower_account_factory</a:t>
+            </a:r>
+            <a:endParaRPr lang="en-IN" sz="1400" dirty="0"/>
+          </a:p>
+          <a:p>
+            <a:endParaRPr lang="en-IN" sz="1400" dirty="0"/>
           </a:p>
         </p:txBody>
       </p:sp>
     </p:spTree>
     <p:extLst>
       <p:ext uri="{BB962C8B-B14F-4D97-AF65-F5344CB8AC3E}">
-        <p14:creationId xmlns:p14="http://schemas.microsoft.com/office/powerpoint/2010/main" val="675932885"/>
+        <p14:creationId xmlns:p14="http://schemas.microsoft.com/office/powerpoint/2010/main" val="1322356293"/>
       </p:ext>
     </p:extLst>
   </p:cSld>
@@ -7036,7 +8661,7 @@
 </p:sld>
 </file>
 
-<file path=ppt/slides/slide14.xml><?xml version="1.0" encoding="utf-8"?>
+<file path=ppt/slides/slide17.xml><?xml version="1.0" encoding="utf-8"?>
 <p:sld xmlns:a="http://schemas.openxmlformats.org/drawingml/2006/main" xmlns:r="http://schemas.openxmlformats.org/officeDocument/2006/relationships" xmlns:p="http://schemas.openxmlformats.org/presentationml/2006/main">
   <p:cSld>
     <p:spTree>
@@ -7121,7 +8746,7 @@
         <p:spPr>
           <a:xfrm>
             <a:off x="731746" y="1165231"/>
-            <a:ext cx="10230167" cy="4324261"/>
+            <a:ext cx="10230167" cy="4616648"/>
           </a:xfrm>
           <a:prstGeom prst="rect">
             <a:avLst/>
@@ -7298,6 +8923,19 @@
             <a:r>
               <a:rPr lang="en-US" sz="1400" dirty="0"/>
               <a:t>No credential sharing or password sprawl</a:t>
+            </a:r>
+          </a:p>
+          <a:p>
+            <a:pPr marL="285750" indent="-285750">
+              <a:spcBef>
+                <a:spcPts val="600"/>
+              </a:spcBef>
+              <a:buFont typeface="Arial" panose="020B0604020202020204" pitchFamily="34" charset="0"/>
+              <a:buChar char="•"/>
+            </a:pPr>
+            <a:r>
+              <a:rPr lang="en-US" sz="1400" dirty="0"/>
+              <a:t>Integrated with Azure AD, Okta, Google Workspace</a:t>
             </a:r>
           </a:p>
         </p:txBody>
@@ -7315,7 +8953,345 @@
 </p:sld>
 </file>
 
-<file path=ppt/slides/slide15.xml><?xml version="1.0" encoding="utf-8"?>
+<file path=ppt/slides/slide18.xml><?xml version="1.0" encoding="utf-8"?>
+<p:sld xmlns:a="http://schemas.openxmlformats.org/drawingml/2006/main" xmlns:r="http://schemas.openxmlformats.org/officeDocument/2006/relationships" xmlns:p="http://schemas.openxmlformats.org/presentationml/2006/main">
+  <p:cSld>
+    <p:spTree>
+      <p:nvGrpSpPr>
+        <p:cNvPr id="1" name="">
+          <a:extLst>
+            <a:ext uri="{FF2B5EF4-FFF2-40B4-BE49-F238E27FC236}">
+              <a16:creationId xmlns:a16="http://schemas.microsoft.com/office/drawing/2014/main" id="{5E626CE3-F476-70FA-BC67-05C1B288E78E}"/>
+            </a:ext>
+          </a:extLst>
+        </p:cNvPr>
+        <p:cNvGrpSpPr/>
+        <p:nvPr/>
+      </p:nvGrpSpPr>
+      <p:grpSpPr>
+        <a:xfrm>
+          <a:off x="0" y="0"/>
+          <a:ext cx="0" cy="0"/>
+          <a:chOff x="0" y="0"/>
+          <a:chExt cx="0" cy="0"/>
+        </a:xfrm>
+      </p:grpSpPr>
+      <p:sp>
+        <p:nvSpPr>
+          <p:cNvPr id="2" name="TextBox 1">
+            <a:extLst>
+              <a:ext uri="{FF2B5EF4-FFF2-40B4-BE49-F238E27FC236}">
+                <a16:creationId xmlns:a16="http://schemas.microsoft.com/office/drawing/2014/main" id="{F21BA9EC-7DA2-443F-38AF-AE864313308A}"/>
+              </a:ext>
+            </a:extLst>
+          </p:cNvPr>
+          <p:cNvSpPr txBox="1"/>
+          <p:nvPr/>
+        </p:nvSpPr>
+        <p:spPr>
+          <a:xfrm>
+            <a:off x="655546" y="252549"/>
+            <a:ext cx="11329625" cy="646331"/>
+          </a:xfrm>
+          <a:prstGeom prst="rect">
+            <a:avLst/>
+          </a:prstGeom>
+          <a:noFill/>
+        </p:spPr>
+        <p:txBody>
+          <a:bodyPr wrap="square">
+            <a:spAutoFit/>
+          </a:bodyPr>
+          <a:lstStyle/>
+          <a:p>
+            <a:pPr>
+              <a:defRPr sz="3600" b="1">
+                <a:solidFill>
+                  <a:srgbClr val="232F3E"/>
+                </a:solidFill>
+              </a:defRPr>
+            </a:pPr>
+            <a:r>
+              <a:rPr lang="en-US" sz="3600" b="1" dirty="0"/>
+              <a:t>CT Features: </a:t>
+            </a:r>
+            <a:r>
+              <a:rPr lang="en-IN" sz="3600" b="1" dirty="0"/>
+              <a:t>IAM Identity Center - Key Components</a:t>
+            </a:r>
+            <a:endParaRPr sz="3600" dirty="0"/>
+          </a:p>
+        </p:txBody>
+      </p:sp>
+      <p:sp>
+        <p:nvSpPr>
+          <p:cNvPr id="3" name="TextBox 2">
+            <a:extLst>
+              <a:ext uri="{FF2B5EF4-FFF2-40B4-BE49-F238E27FC236}">
+                <a16:creationId xmlns:a16="http://schemas.microsoft.com/office/drawing/2014/main" id="{B57275D4-A8E4-CEA6-A13D-7B6D92EA07DD}"/>
+              </a:ext>
+            </a:extLst>
+          </p:cNvPr>
+          <p:cNvSpPr txBox="1"/>
+          <p:nvPr/>
+        </p:nvSpPr>
+        <p:spPr>
+          <a:xfrm>
+            <a:off x="731746" y="1165231"/>
+            <a:ext cx="10230167" cy="4693593"/>
+          </a:xfrm>
+          <a:prstGeom prst="rect">
+            <a:avLst/>
+          </a:prstGeom>
+          <a:noFill/>
+        </p:spPr>
+        <p:txBody>
+          <a:bodyPr wrap="square">
+            <a:spAutoFit/>
+          </a:bodyPr>
+          <a:lstStyle/>
+          <a:p>
+            <a:pPr marL="342900" indent="-342900">
+              <a:spcBef>
+                <a:spcPts val="600"/>
+              </a:spcBef>
+              <a:buFont typeface="+mj-lt"/>
+              <a:buAutoNum type="arabicPeriod"/>
+            </a:pPr>
+            <a:r>
+              <a:rPr lang="en-US" sz="1400" b="1" dirty="0"/>
+              <a:t>Identity Source:</a:t>
+            </a:r>
+          </a:p>
+          <a:p>
+            <a:pPr marL="800100" lvl="1" indent="-342900">
+              <a:spcBef>
+                <a:spcPts val="600"/>
+              </a:spcBef>
+              <a:buFont typeface="Arial" panose="020B0604020202020204" pitchFamily="34" charset="0"/>
+              <a:buChar char="•"/>
+            </a:pPr>
+            <a:r>
+              <a:rPr lang="en-US" sz="1400" dirty="0"/>
+              <a:t>Identity Center Directory (default)</a:t>
+            </a:r>
+          </a:p>
+          <a:p>
+            <a:pPr marL="800100" lvl="1" indent="-342900">
+              <a:spcBef>
+                <a:spcPts val="600"/>
+              </a:spcBef>
+              <a:buFont typeface="Arial" panose="020B0604020202020204" pitchFamily="34" charset="0"/>
+              <a:buChar char="•"/>
+            </a:pPr>
+            <a:r>
+              <a:rPr lang="en-US" sz="1400" dirty="0"/>
+              <a:t>Active Directory (AWS Managed or self-managed)</a:t>
+            </a:r>
+          </a:p>
+          <a:p>
+            <a:pPr marL="800100" lvl="1" indent="-342900">
+              <a:spcBef>
+                <a:spcPts val="600"/>
+              </a:spcBef>
+              <a:buFont typeface="Arial" panose="020B0604020202020204" pitchFamily="34" charset="0"/>
+              <a:buChar char="•"/>
+            </a:pPr>
+            <a:r>
+              <a:rPr lang="en-US" sz="1400" dirty="0"/>
+              <a:t>External IdP (Azure AD, Okta, Google Workspace)</a:t>
+            </a:r>
+          </a:p>
+          <a:p>
+            <a:pPr lvl="1">
+              <a:spcBef>
+                <a:spcPts val="600"/>
+              </a:spcBef>
+            </a:pPr>
+            <a:endParaRPr lang="en-US" sz="1400" dirty="0"/>
+          </a:p>
+          <a:p>
+            <a:pPr marL="342900" indent="-342900">
+              <a:spcBef>
+                <a:spcPts val="600"/>
+              </a:spcBef>
+              <a:buFont typeface="+mj-lt"/>
+              <a:buAutoNum type="arabicPeriod"/>
+            </a:pPr>
+            <a:r>
+              <a:rPr lang="en-US" sz="1400" b="1" dirty="0"/>
+              <a:t>Users and Groups:</a:t>
+            </a:r>
+          </a:p>
+          <a:p>
+            <a:pPr marL="800100" lvl="1" indent="-342900">
+              <a:spcBef>
+                <a:spcPts val="600"/>
+              </a:spcBef>
+              <a:buFont typeface="Arial" panose="020B0604020202020204" pitchFamily="34" charset="0"/>
+              <a:buChar char="•"/>
+            </a:pPr>
+            <a:r>
+              <a:rPr lang="en-US" sz="1400" dirty="0"/>
+              <a:t>Create groups for </a:t>
+            </a:r>
+            <a:r>
+              <a:rPr lang="en-US" sz="1400" b="1" dirty="0"/>
+              <a:t>roles</a:t>
+            </a:r>
+            <a:r>
+              <a:rPr lang="en-US" sz="1400" dirty="0"/>
+              <a:t> (Developers, Admins, Auditors)</a:t>
+            </a:r>
+          </a:p>
+          <a:p>
+            <a:pPr marL="800100" lvl="1" indent="-342900">
+              <a:spcBef>
+                <a:spcPts val="600"/>
+              </a:spcBef>
+              <a:buFont typeface="Arial" panose="020B0604020202020204" pitchFamily="34" charset="0"/>
+              <a:buChar char="•"/>
+            </a:pPr>
+            <a:r>
+              <a:rPr lang="en-US" sz="1400" dirty="0"/>
+              <a:t>Assign permissions to groups, not individuals</a:t>
+            </a:r>
+          </a:p>
+          <a:p>
+            <a:pPr marL="800100" lvl="1" indent="-342900">
+              <a:spcBef>
+                <a:spcPts val="600"/>
+              </a:spcBef>
+              <a:buFont typeface="Arial" panose="020B0604020202020204" pitchFamily="34" charset="0"/>
+              <a:buChar char="•"/>
+            </a:pPr>
+            <a:endParaRPr lang="en-US" sz="1400" dirty="0"/>
+          </a:p>
+          <a:p>
+            <a:pPr marL="342900" indent="-342900">
+              <a:spcBef>
+                <a:spcPts val="600"/>
+              </a:spcBef>
+              <a:buFont typeface="+mj-lt"/>
+              <a:buAutoNum type="arabicPeriod"/>
+            </a:pPr>
+            <a:r>
+              <a:rPr lang="en-US" sz="1400" b="1" dirty="0"/>
+              <a:t>Permission Sets:</a:t>
+            </a:r>
+          </a:p>
+          <a:p>
+            <a:pPr marL="800100" lvl="1" indent="-342900">
+              <a:spcBef>
+                <a:spcPts val="600"/>
+              </a:spcBef>
+              <a:buFont typeface="Arial" panose="020B0604020202020204" pitchFamily="34" charset="0"/>
+              <a:buChar char="•"/>
+            </a:pPr>
+            <a:r>
+              <a:rPr lang="en-US" sz="1400" dirty="0"/>
+              <a:t>Collections of IAM policies</a:t>
+            </a:r>
+          </a:p>
+          <a:p>
+            <a:pPr marL="800100" lvl="1" indent="-342900">
+              <a:spcBef>
+                <a:spcPts val="600"/>
+              </a:spcBef>
+              <a:buFont typeface="Arial" panose="020B0604020202020204" pitchFamily="34" charset="0"/>
+              <a:buChar char="•"/>
+            </a:pPr>
+            <a:r>
+              <a:rPr lang="en-US" sz="1400" dirty="0"/>
+              <a:t>Examples: </a:t>
+            </a:r>
+            <a:r>
+              <a:rPr lang="en-US" sz="1400" dirty="0" err="1"/>
+              <a:t>AdministratorAccess</a:t>
+            </a:r>
+            <a:r>
+              <a:rPr lang="en-US" sz="1400" dirty="0"/>
+              <a:t>, </a:t>
+            </a:r>
+            <a:r>
+              <a:rPr lang="en-US" sz="1400" dirty="0" err="1"/>
+              <a:t>DeveloperAccess</a:t>
+            </a:r>
+            <a:r>
+              <a:rPr lang="en-US" sz="1400" dirty="0"/>
+              <a:t>, </a:t>
+            </a:r>
+            <a:r>
+              <a:rPr lang="en-US" sz="1400" dirty="0" err="1"/>
+              <a:t>ReadOnlyAccess</a:t>
+            </a:r>
+            <a:endParaRPr lang="en-US" sz="1400" dirty="0"/>
+          </a:p>
+          <a:p>
+            <a:pPr marL="800100" lvl="1" indent="-342900">
+              <a:spcBef>
+                <a:spcPts val="600"/>
+              </a:spcBef>
+              <a:buFont typeface="Arial" panose="020B0604020202020204" pitchFamily="34" charset="0"/>
+              <a:buChar char="•"/>
+            </a:pPr>
+            <a:r>
+              <a:rPr lang="en-US" sz="1400" dirty="0"/>
+              <a:t>Reusable across multiple accounts</a:t>
+            </a:r>
+          </a:p>
+          <a:p>
+            <a:pPr marL="342900" indent="-342900">
+              <a:spcBef>
+                <a:spcPts val="600"/>
+              </a:spcBef>
+              <a:buFont typeface="+mj-lt"/>
+              <a:buAutoNum type="arabicPeriod"/>
+            </a:pPr>
+            <a:endParaRPr lang="en-US" sz="1400" dirty="0"/>
+          </a:p>
+          <a:p>
+            <a:pPr marL="342900" indent="-342900">
+              <a:spcBef>
+                <a:spcPts val="600"/>
+              </a:spcBef>
+              <a:buFont typeface="+mj-lt"/>
+              <a:buAutoNum type="arabicPeriod"/>
+            </a:pPr>
+            <a:r>
+              <a:rPr lang="en-US" sz="1400" b="1" dirty="0"/>
+              <a:t>Account Assignments:</a:t>
+            </a:r>
+          </a:p>
+          <a:p>
+            <a:pPr marL="800100" lvl="1" indent="-342900">
+              <a:spcBef>
+                <a:spcPts val="600"/>
+              </a:spcBef>
+              <a:buFont typeface="Arial" panose="020B0604020202020204" pitchFamily="34" charset="0"/>
+              <a:buChar char="•"/>
+            </a:pPr>
+            <a:r>
+              <a:rPr lang="en-US" sz="1400" dirty="0"/>
+              <a:t>Map: Groups -&gt; Permission Sets -&gt; AWS Accounts</a:t>
+            </a:r>
+          </a:p>
+        </p:txBody>
+      </p:sp>
+    </p:spTree>
+    <p:extLst>
+      <p:ext uri="{BB962C8B-B14F-4D97-AF65-F5344CB8AC3E}">
+        <p14:creationId xmlns:p14="http://schemas.microsoft.com/office/powerpoint/2010/main" val="1505406051"/>
+      </p:ext>
+    </p:extLst>
+  </p:cSld>
+  <p:clrMapOvr>
+    <a:masterClrMapping/>
+  </p:clrMapOvr>
+</p:sld>
+</file>
+
+<file path=ppt/slides/slide19.xml><?xml version="1.0" encoding="utf-8"?>
 <p:sld xmlns:a="http://schemas.openxmlformats.org/drawingml/2006/main" xmlns:r="http://schemas.openxmlformats.org/officeDocument/2006/relationships" xmlns:p="http://schemas.openxmlformats.org/presentationml/2006/main">
   <p:cSld>
     <p:spTree>
@@ -7419,19 +9395,11 @@
           <a:p>
             <a:r>
               <a:rPr lang="en-US" sz="1400" b="1" dirty="0"/>
-              <a:t>Control </a:t>
-            </a:r>
-            <a:r>
-              <a:rPr lang="en-US" sz="1400" b="1"/>
-              <a:t>Catalog</a:t>
-            </a:r>
-            <a:r>
-              <a:rPr lang="en-US" sz="1400"/>
-              <a:t> - </a:t>
-            </a:r>
-            <a:r>
-              <a:rPr lang="en-US" sz="1400" dirty="0"/>
-              <a:t>1,218+ AWS-Managed Controls.</a:t>
+              <a:t>Control Catalog</a:t>
+            </a:r>
+            <a:r>
+              <a:rPr lang="en-US" sz="1400" dirty="0"/>
+              <a:t> - 1,218+ AWS-Managed Controls.</a:t>
             </a:r>
           </a:p>
           <a:p>
@@ -7453,7 +9421,7 @@
             </a:r>
             <a:r>
               <a:rPr lang="en-US" sz="1400" dirty="0"/>
-              <a:t> Controls are sometimes called "guardrails" in AWS documentation. You can explore the Control Catalog before enabling Control Tower.</a:t>
+              <a:t> Controls are sometimes called “guardrails” in AWS documentation. You can explore the Control Catalog before enabling Control Tower.</a:t>
             </a:r>
           </a:p>
           <a:p>
@@ -9061,6 +11029,3189 @@
 </p:sld>
 </file>
 
+<file path=ppt/slides/slide20.xml><?xml version="1.0" encoding="utf-8"?>
+<p:sld xmlns:a="http://schemas.openxmlformats.org/drawingml/2006/main" xmlns:r="http://schemas.openxmlformats.org/officeDocument/2006/relationships" xmlns:p="http://schemas.openxmlformats.org/presentationml/2006/main">
+  <p:cSld>
+    <p:spTree>
+      <p:nvGrpSpPr>
+        <p:cNvPr id="1" name="">
+          <a:extLst>
+            <a:ext uri="{FF2B5EF4-FFF2-40B4-BE49-F238E27FC236}">
+              <a16:creationId xmlns:a16="http://schemas.microsoft.com/office/drawing/2014/main" id="{22FE928A-C9FA-2D9A-E16E-71949D249F17}"/>
+            </a:ext>
+          </a:extLst>
+        </p:cNvPr>
+        <p:cNvGrpSpPr/>
+        <p:nvPr/>
+      </p:nvGrpSpPr>
+      <p:grpSpPr>
+        <a:xfrm>
+          <a:off x="0" y="0"/>
+          <a:ext cx="0" cy="0"/>
+          <a:chOff x="0" y="0"/>
+          <a:chExt cx="0" cy="0"/>
+        </a:xfrm>
+      </p:grpSpPr>
+      <p:sp>
+        <p:nvSpPr>
+          <p:cNvPr id="2" name="TextBox 1">
+            <a:extLst>
+              <a:ext uri="{FF2B5EF4-FFF2-40B4-BE49-F238E27FC236}">
+                <a16:creationId xmlns:a16="http://schemas.microsoft.com/office/drawing/2014/main" id="{912281D1-2427-BB01-ED97-1347171F3FE7}"/>
+              </a:ext>
+            </a:extLst>
+          </p:cNvPr>
+          <p:cNvSpPr txBox="1"/>
+          <p:nvPr/>
+        </p:nvSpPr>
+        <p:spPr>
+          <a:xfrm>
+            <a:off x="655546" y="252549"/>
+            <a:ext cx="11329625" cy="646331"/>
+          </a:xfrm>
+          <a:prstGeom prst="rect">
+            <a:avLst/>
+          </a:prstGeom>
+          <a:noFill/>
+        </p:spPr>
+        <p:txBody>
+          <a:bodyPr wrap="square">
+            <a:spAutoFit/>
+          </a:bodyPr>
+          <a:lstStyle/>
+          <a:p>
+            <a:pPr>
+              <a:defRPr sz="3600" b="1">
+                <a:solidFill>
+                  <a:srgbClr val="232F3E"/>
+                </a:solidFill>
+              </a:defRPr>
+            </a:pPr>
+            <a:r>
+              <a:rPr lang="en-IN" dirty="0"/>
+              <a:t>Enterprise Account Strategies</a:t>
+            </a:r>
+            <a:endParaRPr sz="3600" dirty="0"/>
+          </a:p>
+        </p:txBody>
+      </p:sp>
+      <p:sp>
+        <p:nvSpPr>
+          <p:cNvPr id="3" name="TextBox 2">
+            <a:extLst>
+              <a:ext uri="{FF2B5EF4-FFF2-40B4-BE49-F238E27FC236}">
+                <a16:creationId xmlns:a16="http://schemas.microsoft.com/office/drawing/2014/main" id="{8D6414F7-B5BC-BCB8-E8BB-F01FB9C21D1D}"/>
+              </a:ext>
+            </a:extLst>
+          </p:cNvPr>
+          <p:cNvSpPr txBox="1"/>
+          <p:nvPr/>
+        </p:nvSpPr>
+        <p:spPr>
+          <a:xfrm>
+            <a:off x="764403" y="1089031"/>
+            <a:ext cx="10230167" cy="4906408"/>
+          </a:xfrm>
+          <a:prstGeom prst="rect">
+            <a:avLst/>
+          </a:prstGeom>
+          <a:noFill/>
+        </p:spPr>
+        <p:txBody>
+          <a:bodyPr wrap="square">
+            <a:spAutoFit/>
+          </a:bodyPr>
+          <a:lstStyle/>
+          <a:p>
+            <a:pPr>
+              <a:lnSpc>
+                <a:spcPct val="150000"/>
+              </a:lnSpc>
+            </a:pPr>
+            <a:r>
+              <a:rPr lang="en-US" sz="1400" b="1" dirty="0"/>
+              <a:t>Environment-Based Strategy:</a:t>
+            </a:r>
+          </a:p>
+          <a:p>
+            <a:pPr marL="285750" indent="-285750">
+              <a:lnSpc>
+                <a:spcPct val="150000"/>
+              </a:lnSpc>
+              <a:buFont typeface="Arial" panose="020B0604020202020204" pitchFamily="34" charset="0"/>
+              <a:buChar char="•"/>
+            </a:pPr>
+            <a:r>
+              <a:rPr lang="en-US" sz="1400" dirty="0"/>
+              <a:t>Separate accounts per environment (Prod, Staging, Dev)</a:t>
+            </a:r>
+          </a:p>
+          <a:p>
+            <a:pPr marL="285750" indent="-285750">
+              <a:lnSpc>
+                <a:spcPct val="150000"/>
+              </a:lnSpc>
+              <a:buFont typeface="Arial" panose="020B0604020202020204" pitchFamily="34" charset="0"/>
+              <a:buChar char="•"/>
+            </a:pPr>
+            <a:r>
+              <a:rPr lang="en-US" sz="1400" dirty="0"/>
+              <a:t>Clear cost separation and security boundaries</a:t>
+            </a:r>
+          </a:p>
+          <a:p>
+            <a:pPr>
+              <a:lnSpc>
+                <a:spcPct val="150000"/>
+              </a:lnSpc>
+            </a:pPr>
+            <a:endParaRPr lang="en-US" sz="1400" b="1" dirty="0"/>
+          </a:p>
+          <a:p>
+            <a:pPr>
+              <a:lnSpc>
+                <a:spcPct val="150000"/>
+              </a:lnSpc>
+            </a:pPr>
+            <a:r>
+              <a:rPr lang="en-US" sz="1400" b="1" dirty="0"/>
+              <a:t>Team-Based Strategy:</a:t>
+            </a:r>
+          </a:p>
+          <a:p>
+            <a:pPr marL="285750" indent="-285750">
+              <a:lnSpc>
+                <a:spcPct val="150000"/>
+              </a:lnSpc>
+              <a:buFont typeface="Arial" panose="020B0604020202020204" pitchFamily="34" charset="0"/>
+              <a:buChar char="•"/>
+            </a:pPr>
+            <a:r>
+              <a:rPr lang="en-US" sz="1400" dirty="0"/>
+              <a:t>Separate accounts per team or business unit</a:t>
+            </a:r>
+          </a:p>
+          <a:p>
+            <a:pPr marL="285750" indent="-285750">
+              <a:lnSpc>
+                <a:spcPct val="150000"/>
+              </a:lnSpc>
+              <a:buFont typeface="Arial" panose="020B0604020202020204" pitchFamily="34" charset="0"/>
+              <a:buChar char="•"/>
+            </a:pPr>
+            <a:r>
+              <a:rPr lang="en-US" sz="1400" dirty="0"/>
+              <a:t>Team autonomy, clear ownership</a:t>
+            </a:r>
+          </a:p>
+          <a:p>
+            <a:pPr>
+              <a:lnSpc>
+                <a:spcPct val="150000"/>
+              </a:lnSpc>
+            </a:pPr>
+            <a:endParaRPr lang="en-US" sz="1400" b="1" dirty="0"/>
+          </a:p>
+          <a:p>
+            <a:pPr>
+              <a:lnSpc>
+                <a:spcPct val="150000"/>
+              </a:lnSpc>
+            </a:pPr>
+            <a:r>
+              <a:rPr lang="en-US" sz="1400" b="1" dirty="0"/>
+              <a:t>Workload-Based Strategy:</a:t>
+            </a:r>
+          </a:p>
+          <a:p>
+            <a:pPr marL="285750" indent="-285750">
+              <a:lnSpc>
+                <a:spcPct val="150000"/>
+              </a:lnSpc>
+              <a:buFont typeface="Arial" panose="020B0604020202020204" pitchFamily="34" charset="0"/>
+              <a:buChar char="•"/>
+            </a:pPr>
+            <a:r>
+              <a:rPr lang="en-US" sz="1400" dirty="0"/>
+              <a:t>Separate accounts per workload type</a:t>
+            </a:r>
+          </a:p>
+          <a:p>
+            <a:pPr marL="285750" indent="-285750">
+              <a:lnSpc>
+                <a:spcPct val="150000"/>
+              </a:lnSpc>
+              <a:buFont typeface="Arial" panose="020B0604020202020204" pitchFamily="34" charset="0"/>
+              <a:buChar char="•"/>
+            </a:pPr>
+            <a:r>
+              <a:rPr lang="en-US" sz="1400" dirty="0"/>
+              <a:t>Examples: Web apps, Data processing, ML training</a:t>
+            </a:r>
+          </a:p>
+          <a:p>
+            <a:pPr>
+              <a:lnSpc>
+                <a:spcPct val="150000"/>
+              </a:lnSpc>
+            </a:pPr>
+            <a:endParaRPr lang="en-US" sz="1400" b="1" dirty="0"/>
+          </a:p>
+          <a:p>
+            <a:pPr>
+              <a:lnSpc>
+                <a:spcPct val="150000"/>
+              </a:lnSpc>
+            </a:pPr>
+            <a:r>
+              <a:rPr lang="en-US" sz="1400" b="1" dirty="0"/>
+              <a:t>Hybrid Strategy (Most Common):</a:t>
+            </a:r>
+          </a:p>
+          <a:p>
+            <a:pPr marL="285750" indent="-285750">
+              <a:lnSpc>
+                <a:spcPct val="150000"/>
+              </a:lnSpc>
+              <a:buFont typeface="Arial" panose="020B0604020202020204" pitchFamily="34" charset="0"/>
+              <a:buChar char="•"/>
+            </a:pPr>
+            <a:r>
+              <a:rPr lang="en-US" sz="1400" dirty="0"/>
+              <a:t>Combination of above - organize by multiple dimensions</a:t>
+            </a:r>
+          </a:p>
+          <a:p>
+            <a:pPr marL="285750" indent="-285750">
+              <a:lnSpc>
+                <a:spcPct val="150000"/>
+              </a:lnSpc>
+              <a:buFont typeface="Arial" panose="020B0604020202020204" pitchFamily="34" charset="0"/>
+              <a:buChar char="•"/>
+            </a:pPr>
+            <a:r>
+              <a:rPr lang="en-US" sz="1400" dirty="0"/>
+              <a:t>Most flexible for large organizations</a:t>
+            </a:r>
+          </a:p>
+        </p:txBody>
+      </p:sp>
+    </p:spTree>
+    <p:extLst>
+      <p:ext uri="{BB962C8B-B14F-4D97-AF65-F5344CB8AC3E}">
+        <p14:creationId xmlns:p14="http://schemas.microsoft.com/office/powerpoint/2010/main" val="4009877139"/>
+      </p:ext>
+    </p:extLst>
+  </p:cSld>
+  <p:clrMapOvr>
+    <a:masterClrMapping/>
+  </p:clrMapOvr>
+</p:sld>
+</file>
+
+<file path=ppt/slides/slide21.xml><?xml version="1.0" encoding="utf-8"?>
+<p:sld xmlns:a="http://schemas.openxmlformats.org/drawingml/2006/main" xmlns:r="http://schemas.openxmlformats.org/officeDocument/2006/relationships" xmlns:p="http://schemas.openxmlformats.org/presentationml/2006/main">
+  <p:cSld>
+    <p:spTree>
+      <p:nvGrpSpPr>
+        <p:cNvPr id="1" name="">
+          <a:extLst>
+            <a:ext uri="{FF2B5EF4-FFF2-40B4-BE49-F238E27FC236}">
+              <a16:creationId xmlns:a16="http://schemas.microsoft.com/office/drawing/2014/main" id="{AF528938-714C-DEB7-3AC4-F998EB2A15A8}"/>
+            </a:ext>
+          </a:extLst>
+        </p:cNvPr>
+        <p:cNvGrpSpPr/>
+        <p:nvPr/>
+      </p:nvGrpSpPr>
+      <p:grpSpPr>
+        <a:xfrm>
+          <a:off x="0" y="0"/>
+          <a:ext cx="0" cy="0"/>
+          <a:chOff x="0" y="0"/>
+          <a:chExt cx="0" cy="0"/>
+        </a:xfrm>
+      </p:grpSpPr>
+      <p:sp>
+        <p:nvSpPr>
+          <p:cNvPr id="2" name="TextBox 1">
+            <a:extLst>
+              <a:ext uri="{FF2B5EF4-FFF2-40B4-BE49-F238E27FC236}">
+                <a16:creationId xmlns:a16="http://schemas.microsoft.com/office/drawing/2014/main" id="{7245ADB4-847B-8655-4342-FF7AB1B6D338}"/>
+              </a:ext>
+            </a:extLst>
+          </p:cNvPr>
+          <p:cNvSpPr txBox="1"/>
+          <p:nvPr/>
+        </p:nvSpPr>
+        <p:spPr>
+          <a:xfrm>
+            <a:off x="655546" y="252549"/>
+            <a:ext cx="11329625" cy="646331"/>
+          </a:xfrm>
+          <a:prstGeom prst="rect">
+            <a:avLst/>
+          </a:prstGeom>
+          <a:noFill/>
+        </p:spPr>
+        <p:txBody>
+          <a:bodyPr wrap="square">
+            <a:spAutoFit/>
+          </a:bodyPr>
+          <a:lstStyle/>
+          <a:p>
+            <a:pPr>
+              <a:defRPr sz="3600" b="1">
+                <a:solidFill>
+                  <a:srgbClr val="232F3E"/>
+                </a:solidFill>
+              </a:defRPr>
+            </a:pPr>
+            <a:r>
+              <a:rPr lang="en-IN" dirty="0"/>
+              <a:t>Special-Purpose Accounts</a:t>
+            </a:r>
+            <a:endParaRPr sz="3600" dirty="0"/>
+          </a:p>
+        </p:txBody>
+      </p:sp>
+      <p:sp>
+        <p:nvSpPr>
+          <p:cNvPr id="3" name="TextBox 2">
+            <a:extLst>
+              <a:ext uri="{FF2B5EF4-FFF2-40B4-BE49-F238E27FC236}">
+                <a16:creationId xmlns:a16="http://schemas.microsoft.com/office/drawing/2014/main" id="{566B5CD4-91CC-E04A-7046-D7025E7CF277}"/>
+              </a:ext>
+            </a:extLst>
+          </p:cNvPr>
+          <p:cNvSpPr txBox="1"/>
+          <p:nvPr/>
+        </p:nvSpPr>
+        <p:spPr>
+          <a:xfrm>
+            <a:off x="764403" y="1089031"/>
+            <a:ext cx="10230167" cy="4906408"/>
+          </a:xfrm>
+          <a:prstGeom prst="rect">
+            <a:avLst/>
+          </a:prstGeom>
+          <a:noFill/>
+        </p:spPr>
+        <p:txBody>
+          <a:bodyPr wrap="square">
+            <a:spAutoFit/>
+          </a:bodyPr>
+          <a:lstStyle/>
+          <a:p>
+            <a:pPr>
+              <a:lnSpc>
+                <a:spcPct val="150000"/>
+              </a:lnSpc>
+            </a:pPr>
+            <a:r>
+              <a:rPr lang="en-US" sz="1400" b="1" dirty="0"/>
+              <a:t>Network Account:</a:t>
+            </a:r>
+          </a:p>
+          <a:p>
+            <a:pPr marL="285750" indent="-285750">
+              <a:lnSpc>
+                <a:spcPct val="150000"/>
+              </a:lnSpc>
+              <a:buFont typeface="Arial" panose="020B0604020202020204" pitchFamily="34" charset="0"/>
+              <a:buChar char="•"/>
+            </a:pPr>
+            <a:r>
+              <a:rPr lang="en-US" sz="1400" dirty="0"/>
+              <a:t>Centralized networking hub</a:t>
+            </a:r>
+          </a:p>
+          <a:p>
+            <a:pPr marL="285750" indent="-285750">
+              <a:lnSpc>
+                <a:spcPct val="150000"/>
+              </a:lnSpc>
+              <a:buFont typeface="Arial" panose="020B0604020202020204" pitchFamily="34" charset="0"/>
+              <a:buChar char="•"/>
+            </a:pPr>
+            <a:r>
+              <a:rPr lang="en-US" sz="1400" dirty="0"/>
+              <a:t>Contains: Transit Gateway, VPN, Direct Connect etc.</a:t>
+            </a:r>
+          </a:p>
+          <a:p>
+            <a:pPr>
+              <a:lnSpc>
+                <a:spcPct val="150000"/>
+              </a:lnSpc>
+            </a:pPr>
+            <a:endParaRPr lang="en-US" sz="1400" b="1" dirty="0"/>
+          </a:p>
+          <a:p>
+            <a:pPr>
+              <a:lnSpc>
+                <a:spcPct val="150000"/>
+              </a:lnSpc>
+            </a:pPr>
+            <a:r>
+              <a:rPr lang="en-US" sz="1400" b="1" dirty="0"/>
+              <a:t>Shared Services Account:</a:t>
+            </a:r>
+          </a:p>
+          <a:p>
+            <a:pPr marL="285750" indent="-285750">
+              <a:lnSpc>
+                <a:spcPct val="150000"/>
+              </a:lnSpc>
+              <a:buFont typeface="Arial" panose="020B0604020202020204" pitchFamily="34" charset="0"/>
+              <a:buChar char="•"/>
+            </a:pPr>
+            <a:r>
+              <a:rPr lang="en-US" sz="1400" dirty="0"/>
+              <a:t>Centralized shared resources</a:t>
+            </a:r>
+          </a:p>
+          <a:p>
+            <a:pPr marL="285750" indent="-285750">
+              <a:lnSpc>
+                <a:spcPct val="150000"/>
+              </a:lnSpc>
+              <a:buFont typeface="Arial" panose="020B0604020202020204" pitchFamily="34" charset="0"/>
+              <a:buChar char="•"/>
+            </a:pPr>
+            <a:r>
+              <a:rPr lang="en-US" sz="1400" dirty="0"/>
+              <a:t>Contains: Active Directory, DNS, Container Registry, Internal APIs</a:t>
+            </a:r>
+          </a:p>
+          <a:p>
+            <a:pPr>
+              <a:lnSpc>
+                <a:spcPct val="150000"/>
+              </a:lnSpc>
+            </a:pPr>
+            <a:endParaRPr lang="en-US" sz="1400" b="1" dirty="0"/>
+          </a:p>
+          <a:p>
+            <a:pPr>
+              <a:lnSpc>
+                <a:spcPct val="150000"/>
+              </a:lnSpc>
+            </a:pPr>
+            <a:r>
+              <a:rPr lang="en-US" sz="1400" b="1" dirty="0"/>
+              <a:t>Security Tooling Account:</a:t>
+            </a:r>
+          </a:p>
+          <a:p>
+            <a:pPr marL="285750" indent="-285750">
+              <a:lnSpc>
+                <a:spcPct val="150000"/>
+              </a:lnSpc>
+              <a:buFont typeface="Arial" panose="020B0604020202020204" pitchFamily="34" charset="0"/>
+              <a:buChar char="•"/>
+            </a:pPr>
+            <a:r>
+              <a:rPr lang="en-US" sz="1400" dirty="0"/>
+              <a:t>Centralized security tools (separate from Audit)</a:t>
+            </a:r>
+          </a:p>
+          <a:p>
+            <a:pPr marL="285750" indent="-285750">
+              <a:lnSpc>
+                <a:spcPct val="150000"/>
+              </a:lnSpc>
+              <a:buFont typeface="Arial" panose="020B0604020202020204" pitchFamily="34" charset="0"/>
+              <a:buChar char="•"/>
+            </a:pPr>
+            <a:r>
+              <a:rPr lang="en-US" sz="1400" dirty="0"/>
+              <a:t>Contains: Vulnerability scanners, SIEM integrations, IR automation</a:t>
+            </a:r>
+          </a:p>
+          <a:p>
+            <a:pPr>
+              <a:lnSpc>
+                <a:spcPct val="150000"/>
+              </a:lnSpc>
+            </a:pPr>
+            <a:endParaRPr lang="en-US" sz="1400" b="1" dirty="0"/>
+          </a:p>
+          <a:p>
+            <a:pPr>
+              <a:lnSpc>
+                <a:spcPct val="150000"/>
+              </a:lnSpc>
+            </a:pPr>
+            <a:r>
+              <a:rPr lang="en-US" sz="1400" b="1" dirty="0"/>
+              <a:t>Backup Account:</a:t>
+            </a:r>
+          </a:p>
+          <a:p>
+            <a:pPr marL="285750" indent="-285750">
+              <a:lnSpc>
+                <a:spcPct val="150000"/>
+              </a:lnSpc>
+              <a:buFont typeface="Arial" panose="020B0604020202020204" pitchFamily="34" charset="0"/>
+              <a:buChar char="•"/>
+            </a:pPr>
+            <a:r>
+              <a:rPr lang="en-US" sz="1400" dirty="0"/>
+              <a:t>Centralized backup management</a:t>
+            </a:r>
+          </a:p>
+          <a:p>
+            <a:pPr marL="285750" indent="-285750">
+              <a:lnSpc>
+                <a:spcPct val="150000"/>
+              </a:lnSpc>
+              <a:buFont typeface="Arial" panose="020B0604020202020204" pitchFamily="34" charset="0"/>
+              <a:buChar char="•"/>
+            </a:pPr>
+            <a:r>
+              <a:rPr lang="en-US" sz="1400" dirty="0"/>
+              <a:t>Contains: Cross-account backup vaults, DR snapshots</a:t>
+            </a:r>
+          </a:p>
+        </p:txBody>
+      </p:sp>
+    </p:spTree>
+    <p:extLst>
+      <p:ext uri="{BB962C8B-B14F-4D97-AF65-F5344CB8AC3E}">
+        <p14:creationId xmlns:p14="http://schemas.microsoft.com/office/powerpoint/2010/main" val="4251993076"/>
+      </p:ext>
+    </p:extLst>
+  </p:cSld>
+  <p:clrMapOvr>
+    <a:masterClrMapping/>
+  </p:clrMapOvr>
+</p:sld>
+</file>
+
+<file path=ppt/slides/slide22.xml><?xml version="1.0" encoding="utf-8"?>
+<p:sld xmlns:a="http://schemas.openxmlformats.org/drawingml/2006/main" xmlns:r="http://schemas.openxmlformats.org/officeDocument/2006/relationships" xmlns:p="http://schemas.openxmlformats.org/presentationml/2006/main">
+  <p:cSld>
+    <p:spTree>
+      <p:nvGrpSpPr>
+        <p:cNvPr id="1" name="">
+          <a:extLst>
+            <a:ext uri="{FF2B5EF4-FFF2-40B4-BE49-F238E27FC236}">
+              <a16:creationId xmlns:a16="http://schemas.microsoft.com/office/drawing/2014/main" id="{34A32F3D-6E00-39DF-1E76-A3A65D9593DF}"/>
+            </a:ext>
+          </a:extLst>
+        </p:cNvPr>
+        <p:cNvGrpSpPr/>
+        <p:nvPr/>
+      </p:nvGrpSpPr>
+      <p:grpSpPr>
+        <a:xfrm>
+          <a:off x="0" y="0"/>
+          <a:ext cx="0" cy="0"/>
+          <a:chOff x="0" y="0"/>
+          <a:chExt cx="0" cy="0"/>
+        </a:xfrm>
+      </p:grpSpPr>
+      <p:sp>
+        <p:nvSpPr>
+          <p:cNvPr id="2" name="TextBox 1">
+            <a:extLst>
+              <a:ext uri="{FF2B5EF4-FFF2-40B4-BE49-F238E27FC236}">
+                <a16:creationId xmlns:a16="http://schemas.microsoft.com/office/drawing/2014/main" id="{28C42CB3-49E2-45F9-6FE7-1DCB50BDF541}"/>
+              </a:ext>
+            </a:extLst>
+          </p:cNvPr>
+          <p:cNvSpPr txBox="1"/>
+          <p:nvPr/>
+        </p:nvSpPr>
+        <p:spPr>
+          <a:xfrm>
+            <a:off x="655546" y="252549"/>
+            <a:ext cx="11329625" cy="646331"/>
+          </a:xfrm>
+          <a:prstGeom prst="rect">
+            <a:avLst/>
+          </a:prstGeom>
+          <a:noFill/>
+        </p:spPr>
+        <p:txBody>
+          <a:bodyPr wrap="square">
+            <a:spAutoFit/>
+          </a:bodyPr>
+          <a:lstStyle/>
+          <a:p>
+            <a:pPr>
+              <a:defRPr sz="3600" b="1">
+                <a:solidFill>
+                  <a:srgbClr val="232F3E"/>
+                </a:solidFill>
+              </a:defRPr>
+            </a:pPr>
+            <a:r>
+              <a:rPr lang="en-US" dirty="0"/>
+              <a:t>AWS Transit Gateway - Central Network Hub</a:t>
+            </a:r>
+            <a:endParaRPr sz="3600" dirty="0"/>
+          </a:p>
+        </p:txBody>
+      </p:sp>
+      <p:sp>
+        <p:nvSpPr>
+          <p:cNvPr id="3" name="TextBox 2">
+            <a:extLst>
+              <a:ext uri="{FF2B5EF4-FFF2-40B4-BE49-F238E27FC236}">
+                <a16:creationId xmlns:a16="http://schemas.microsoft.com/office/drawing/2014/main" id="{7A0F8EBF-A40E-D3A2-E203-F8896E2CCEF1}"/>
+              </a:ext>
+            </a:extLst>
+          </p:cNvPr>
+          <p:cNvSpPr txBox="1"/>
+          <p:nvPr/>
+        </p:nvSpPr>
+        <p:spPr>
+          <a:xfrm>
+            <a:off x="764403" y="1089031"/>
+            <a:ext cx="10230167" cy="5229573"/>
+          </a:xfrm>
+          <a:prstGeom prst="rect">
+            <a:avLst/>
+          </a:prstGeom>
+          <a:noFill/>
+        </p:spPr>
+        <p:txBody>
+          <a:bodyPr wrap="square">
+            <a:spAutoFit/>
+          </a:bodyPr>
+          <a:lstStyle/>
+          <a:p>
+            <a:pPr>
+              <a:lnSpc>
+                <a:spcPct val="150000"/>
+              </a:lnSpc>
+            </a:pPr>
+            <a:r>
+              <a:rPr lang="en-US" sz="1400" b="1" dirty="0"/>
+              <a:t>The Problem: VPC Mesh Peering:</a:t>
+            </a:r>
+          </a:p>
+          <a:p>
+            <a:pPr marL="285750" indent="-285750">
+              <a:lnSpc>
+                <a:spcPct val="150000"/>
+              </a:lnSpc>
+              <a:buFont typeface="Arial" panose="020B0604020202020204" pitchFamily="34" charset="0"/>
+              <a:buChar char="•"/>
+            </a:pPr>
+            <a:r>
+              <a:rPr lang="en-US" sz="1400" dirty="0"/>
+              <a:t>10 VPCs need 45 peering connections</a:t>
+            </a:r>
+          </a:p>
+          <a:p>
+            <a:pPr marL="285750" indent="-285750">
+              <a:lnSpc>
+                <a:spcPct val="150000"/>
+              </a:lnSpc>
+              <a:buFont typeface="Arial" panose="020B0604020202020204" pitchFamily="34" charset="0"/>
+              <a:buChar char="•"/>
+            </a:pPr>
+            <a:r>
+              <a:rPr lang="en-US" sz="1400" dirty="0"/>
+              <a:t>50 VPCs need 1,225 peering connections</a:t>
+            </a:r>
+          </a:p>
+          <a:p>
+            <a:pPr marL="285750" indent="-285750">
+              <a:lnSpc>
+                <a:spcPct val="150000"/>
+              </a:lnSpc>
+              <a:buFont typeface="Arial" panose="020B0604020202020204" pitchFamily="34" charset="0"/>
+              <a:buChar char="•"/>
+            </a:pPr>
+            <a:r>
+              <a:rPr lang="en-US" sz="1400" dirty="0"/>
+              <a:t>Extremely complex, doesn’t scale</a:t>
+            </a:r>
+          </a:p>
+          <a:p>
+            <a:pPr>
+              <a:lnSpc>
+                <a:spcPct val="150000"/>
+              </a:lnSpc>
+            </a:pPr>
+            <a:endParaRPr lang="en-US" sz="1400" b="1" dirty="0"/>
+          </a:p>
+          <a:p>
+            <a:pPr>
+              <a:lnSpc>
+                <a:spcPct val="150000"/>
+              </a:lnSpc>
+            </a:pPr>
+            <a:r>
+              <a:rPr lang="en-US" sz="1400" b="1" dirty="0"/>
+              <a:t>Transit Gateway Solution:</a:t>
+            </a:r>
+          </a:p>
+          <a:p>
+            <a:pPr marL="285750" indent="-285750">
+              <a:lnSpc>
+                <a:spcPct val="150000"/>
+              </a:lnSpc>
+              <a:buFont typeface="Wingdings" panose="05000000000000000000" pitchFamily="2" charset="2"/>
+              <a:buChar char="ü"/>
+            </a:pPr>
+            <a:r>
+              <a:rPr lang="en-US" sz="1400" dirty="0"/>
+              <a:t>Central hub connecting all VPCs, on-premises, VPNs</a:t>
+            </a:r>
+          </a:p>
+          <a:p>
+            <a:pPr marL="285750" indent="-285750">
+              <a:lnSpc>
+                <a:spcPct val="150000"/>
+              </a:lnSpc>
+              <a:buFont typeface="Wingdings" panose="05000000000000000000" pitchFamily="2" charset="2"/>
+              <a:buChar char="ü"/>
+            </a:pPr>
+            <a:r>
+              <a:rPr lang="en-US" sz="1400" dirty="0"/>
+              <a:t>Simplifies connectivity</a:t>
+            </a:r>
+          </a:p>
+          <a:p>
+            <a:pPr marL="285750" indent="-285750">
+              <a:lnSpc>
+                <a:spcPct val="150000"/>
+              </a:lnSpc>
+              <a:buFont typeface="Wingdings" panose="05000000000000000000" pitchFamily="2" charset="2"/>
+              <a:buChar char="ü"/>
+            </a:pPr>
+            <a:r>
+              <a:rPr lang="en-US" sz="1400" dirty="0"/>
+              <a:t>Centralized traffic inspection</a:t>
+            </a:r>
+          </a:p>
+          <a:p>
+            <a:pPr marL="285750" indent="-285750">
+              <a:lnSpc>
+                <a:spcPct val="150000"/>
+              </a:lnSpc>
+              <a:buFont typeface="Wingdings" panose="05000000000000000000" pitchFamily="2" charset="2"/>
+              <a:buChar char="ü"/>
+            </a:pPr>
+            <a:r>
+              <a:rPr lang="en-US" sz="1400" dirty="0"/>
+              <a:t>Scales to thousands of VPCs</a:t>
+            </a:r>
+          </a:p>
+          <a:p>
+            <a:pPr>
+              <a:lnSpc>
+                <a:spcPct val="150000"/>
+              </a:lnSpc>
+            </a:pPr>
+            <a:endParaRPr lang="en-US" sz="1400" b="1" dirty="0"/>
+          </a:p>
+          <a:p>
+            <a:pPr>
+              <a:lnSpc>
+                <a:spcPct val="150000"/>
+              </a:lnSpc>
+            </a:pPr>
+            <a:r>
+              <a:rPr lang="en-US" sz="1400" b="1" dirty="0"/>
+              <a:t>Key Benefits:</a:t>
+            </a:r>
+          </a:p>
+          <a:p>
+            <a:pPr marL="285750" indent="-285750">
+              <a:lnSpc>
+                <a:spcPct val="150000"/>
+              </a:lnSpc>
+              <a:buFont typeface="Arial" panose="020B0604020202020204" pitchFamily="34" charset="0"/>
+              <a:buChar char="•"/>
+            </a:pPr>
+            <a:r>
+              <a:rPr lang="en-US" sz="1400" dirty="0"/>
+              <a:t>Single point of routing management</a:t>
+            </a:r>
+          </a:p>
+          <a:p>
+            <a:pPr marL="285750" indent="-285750">
+              <a:lnSpc>
+                <a:spcPct val="150000"/>
+              </a:lnSpc>
+              <a:buFont typeface="Arial" panose="020B0604020202020204" pitchFamily="34" charset="0"/>
+              <a:buChar char="•"/>
+            </a:pPr>
+            <a:r>
+              <a:rPr lang="en-US" sz="1400" dirty="0"/>
+              <a:t>Network segmentation via route tables</a:t>
+            </a:r>
+          </a:p>
+          <a:p>
+            <a:pPr marL="285750" indent="-285750">
+              <a:lnSpc>
+                <a:spcPct val="150000"/>
+              </a:lnSpc>
+              <a:buFont typeface="Arial" panose="020B0604020202020204" pitchFamily="34" charset="0"/>
+              <a:buChar char="•"/>
+            </a:pPr>
+            <a:r>
+              <a:rPr lang="en-US" sz="1400" dirty="0"/>
+              <a:t>Centralized security inspection</a:t>
+            </a:r>
+          </a:p>
+          <a:p>
+            <a:pPr marL="285750" indent="-285750">
+              <a:lnSpc>
+                <a:spcPct val="150000"/>
+              </a:lnSpc>
+              <a:buFont typeface="Arial" panose="020B0604020202020204" pitchFamily="34" charset="0"/>
+              <a:buChar char="•"/>
+            </a:pPr>
+            <a:r>
+              <a:rPr lang="en-US" sz="1400" dirty="0"/>
+              <a:t>Multi-region connectivity via peering</a:t>
+            </a:r>
+          </a:p>
+        </p:txBody>
+      </p:sp>
+    </p:spTree>
+    <p:extLst>
+      <p:ext uri="{BB962C8B-B14F-4D97-AF65-F5344CB8AC3E}">
+        <p14:creationId xmlns:p14="http://schemas.microsoft.com/office/powerpoint/2010/main" val="16423501"/>
+      </p:ext>
+    </p:extLst>
+  </p:cSld>
+  <p:clrMapOvr>
+    <a:masterClrMapping/>
+  </p:clrMapOvr>
+</p:sld>
+</file>
+
+<file path=ppt/slides/slide23.xml><?xml version="1.0" encoding="utf-8"?>
+<p:sld xmlns:a="http://schemas.openxmlformats.org/drawingml/2006/main" xmlns:r="http://schemas.openxmlformats.org/officeDocument/2006/relationships" xmlns:p="http://schemas.openxmlformats.org/presentationml/2006/main">
+  <p:cSld>
+    <p:spTree>
+      <p:nvGrpSpPr>
+        <p:cNvPr id="1" name="">
+          <a:extLst>
+            <a:ext uri="{FF2B5EF4-FFF2-40B4-BE49-F238E27FC236}">
+              <a16:creationId xmlns:a16="http://schemas.microsoft.com/office/drawing/2014/main" id="{D0E8A71E-B75C-5713-9DD3-28E82156F47B}"/>
+            </a:ext>
+          </a:extLst>
+        </p:cNvPr>
+        <p:cNvGrpSpPr/>
+        <p:nvPr/>
+      </p:nvGrpSpPr>
+      <p:grpSpPr>
+        <a:xfrm>
+          <a:off x="0" y="0"/>
+          <a:ext cx="0" cy="0"/>
+          <a:chOff x="0" y="0"/>
+          <a:chExt cx="0" cy="0"/>
+        </a:xfrm>
+      </p:grpSpPr>
+      <p:sp>
+        <p:nvSpPr>
+          <p:cNvPr id="2" name="TextBox 1">
+            <a:extLst>
+              <a:ext uri="{FF2B5EF4-FFF2-40B4-BE49-F238E27FC236}">
+                <a16:creationId xmlns:a16="http://schemas.microsoft.com/office/drawing/2014/main" id="{CC6AAFA8-1DB6-0287-F9EB-C85522948A55}"/>
+              </a:ext>
+            </a:extLst>
+          </p:cNvPr>
+          <p:cNvSpPr txBox="1"/>
+          <p:nvPr/>
+        </p:nvSpPr>
+        <p:spPr>
+          <a:xfrm>
+            <a:off x="655546" y="252549"/>
+            <a:ext cx="11329625" cy="646331"/>
+          </a:xfrm>
+          <a:prstGeom prst="rect">
+            <a:avLst/>
+          </a:prstGeom>
+          <a:noFill/>
+        </p:spPr>
+        <p:txBody>
+          <a:bodyPr wrap="square">
+            <a:spAutoFit/>
+          </a:bodyPr>
+          <a:lstStyle/>
+          <a:p>
+            <a:pPr>
+              <a:defRPr sz="3600" b="1">
+                <a:solidFill>
+                  <a:srgbClr val="232F3E"/>
+                </a:solidFill>
+              </a:defRPr>
+            </a:pPr>
+            <a:r>
+              <a:rPr lang="en-IN" dirty="0"/>
+              <a:t>Transit Gateway Architecture Patterns</a:t>
+            </a:r>
+            <a:endParaRPr sz="3600" dirty="0"/>
+          </a:p>
+        </p:txBody>
+      </p:sp>
+      <p:sp>
+        <p:nvSpPr>
+          <p:cNvPr id="3" name="TextBox 2">
+            <a:extLst>
+              <a:ext uri="{FF2B5EF4-FFF2-40B4-BE49-F238E27FC236}">
+                <a16:creationId xmlns:a16="http://schemas.microsoft.com/office/drawing/2014/main" id="{04FCD981-B745-2AC2-6D11-98286AE778FA}"/>
+              </a:ext>
+            </a:extLst>
+          </p:cNvPr>
+          <p:cNvSpPr txBox="1"/>
+          <p:nvPr/>
+        </p:nvSpPr>
+        <p:spPr>
+          <a:xfrm>
+            <a:off x="764404" y="1249754"/>
+            <a:ext cx="6625224" cy="3936912"/>
+          </a:xfrm>
+          <a:prstGeom prst="rect">
+            <a:avLst/>
+          </a:prstGeom>
+          <a:noFill/>
+        </p:spPr>
+        <p:txBody>
+          <a:bodyPr wrap="square">
+            <a:spAutoFit/>
+          </a:bodyPr>
+          <a:lstStyle/>
+          <a:p>
+            <a:pPr>
+              <a:lnSpc>
+                <a:spcPct val="150000"/>
+              </a:lnSpc>
+            </a:pPr>
+            <a:r>
+              <a:rPr lang="en-US" sz="1400" b="1" dirty="0"/>
+              <a:t>Pattern 1: Basic Hub-and-Spoke: </a:t>
+            </a:r>
+          </a:p>
+          <a:p>
+            <a:pPr marL="285750" indent="-285750">
+              <a:lnSpc>
+                <a:spcPct val="150000"/>
+              </a:lnSpc>
+              <a:buFont typeface="Arial" panose="020B0604020202020204" pitchFamily="34" charset="0"/>
+              <a:buChar char="•"/>
+            </a:pPr>
+            <a:r>
+              <a:rPr lang="en-US" sz="1400" dirty="0"/>
+              <a:t>All VPCs connect to a single Transit Gateway in one region. Simple star topology.</a:t>
+            </a:r>
+          </a:p>
+          <a:p>
+            <a:pPr marL="285750" indent="-285750">
+              <a:lnSpc>
+                <a:spcPct val="150000"/>
+              </a:lnSpc>
+              <a:buFont typeface="Arial" panose="020B0604020202020204" pitchFamily="34" charset="0"/>
+              <a:buChar char="•"/>
+            </a:pPr>
+            <a:r>
+              <a:rPr lang="en-US" sz="1400" dirty="0"/>
+              <a:t>All VPCs connect through TGW, no complex segmentation needed</a:t>
+            </a:r>
+          </a:p>
+          <a:p>
+            <a:pPr>
+              <a:lnSpc>
+                <a:spcPct val="150000"/>
+              </a:lnSpc>
+            </a:pPr>
+            <a:endParaRPr lang="en-US" sz="1400" b="1" dirty="0"/>
+          </a:p>
+          <a:p>
+            <a:pPr>
+              <a:lnSpc>
+                <a:spcPct val="150000"/>
+              </a:lnSpc>
+            </a:pPr>
+            <a:r>
+              <a:rPr lang="en-US" sz="1400" b="1" dirty="0"/>
+              <a:t>EXAMPLE:</a:t>
+            </a:r>
+          </a:p>
+          <a:p>
+            <a:pPr>
+              <a:lnSpc>
+                <a:spcPct val="150000"/>
+              </a:lnSpc>
+            </a:pPr>
+            <a:r>
+              <a:rPr lang="en-US" sz="1400" dirty="0"/>
+              <a:t>Company has 3 VPCs that need to talk to each other:</a:t>
+            </a:r>
+          </a:p>
+          <a:p>
+            <a:pPr marL="285750" indent="-285750">
+              <a:lnSpc>
+                <a:spcPct val="150000"/>
+              </a:lnSpc>
+              <a:buFont typeface="Arial" panose="020B0604020202020204" pitchFamily="34" charset="0"/>
+              <a:buChar char="•"/>
+            </a:pPr>
+            <a:r>
+              <a:rPr lang="en-US" sz="1400" dirty="0"/>
+              <a:t>Production VPC (10.0.0.0/16)</a:t>
+            </a:r>
+          </a:p>
+          <a:p>
+            <a:pPr marL="285750" indent="-285750">
+              <a:lnSpc>
+                <a:spcPct val="150000"/>
+              </a:lnSpc>
+              <a:buFont typeface="Arial" panose="020B0604020202020204" pitchFamily="34" charset="0"/>
+              <a:buChar char="•"/>
+            </a:pPr>
+            <a:r>
+              <a:rPr lang="en-US" sz="1400" dirty="0"/>
+              <a:t>Development VPC (10.1.0.0/16)</a:t>
+            </a:r>
+          </a:p>
+          <a:p>
+            <a:pPr marL="285750" indent="-285750">
+              <a:lnSpc>
+                <a:spcPct val="150000"/>
+              </a:lnSpc>
+              <a:buFont typeface="Arial" panose="020B0604020202020204" pitchFamily="34" charset="0"/>
+              <a:buChar char="•"/>
+            </a:pPr>
+            <a:r>
+              <a:rPr lang="en-US" sz="1400" dirty="0"/>
+              <a:t>Shared Services VPC (10.2.0.0/16) - Active Directory, DNS</a:t>
+            </a:r>
+          </a:p>
+          <a:p>
+            <a:pPr marL="285750" indent="-285750">
+              <a:lnSpc>
+                <a:spcPct val="150000"/>
+              </a:lnSpc>
+              <a:buFont typeface="Arial" panose="020B0604020202020204" pitchFamily="34" charset="0"/>
+              <a:buChar char="•"/>
+            </a:pPr>
+            <a:r>
+              <a:rPr lang="en-US" sz="1400" dirty="0"/>
+              <a:t>Without TGW: Need 3 VPC connects with each other via VPC peering connections (mesh)</a:t>
+            </a:r>
+          </a:p>
+          <a:p>
+            <a:pPr marL="285750" indent="-285750">
+              <a:lnSpc>
+                <a:spcPct val="150000"/>
+              </a:lnSpc>
+              <a:buFont typeface="Arial" panose="020B0604020202020204" pitchFamily="34" charset="0"/>
+              <a:buChar char="•"/>
+            </a:pPr>
+            <a:r>
+              <a:rPr lang="en-US" sz="1400" dirty="0"/>
+              <a:t>With TGW: All 3 VPCs attach to TGW, can reach each other</a:t>
+            </a:r>
+          </a:p>
+        </p:txBody>
+      </p:sp>
+      <p:pic>
+        <p:nvPicPr>
+          <p:cNvPr id="5" name="Picture 4">
+            <a:extLst>
+              <a:ext uri="{FF2B5EF4-FFF2-40B4-BE49-F238E27FC236}">
+                <a16:creationId xmlns:a16="http://schemas.microsoft.com/office/drawing/2014/main" id="{EB221798-3786-9137-D3AE-229128ACF0E6}"/>
+              </a:ext>
+            </a:extLst>
+          </p:cNvPr>
+          <p:cNvPicPr>
+            <a:picLocks noChangeAspect="1"/>
+          </p:cNvPicPr>
+          <p:nvPr/>
+        </p:nvPicPr>
+        <p:blipFill>
+          <a:blip r:embed="rId2"/>
+          <a:stretch>
+            <a:fillRect/>
+          </a:stretch>
+        </p:blipFill>
+        <p:spPr>
+          <a:xfrm>
+            <a:off x="1416976" y="5322536"/>
+            <a:ext cx="2899844" cy="1282915"/>
+          </a:xfrm>
+          <a:prstGeom prst="rect">
+            <a:avLst/>
+          </a:prstGeom>
+        </p:spPr>
+      </p:pic>
+      <p:sp>
+        <p:nvSpPr>
+          <p:cNvPr id="4" name="TextBox 3">
+            <a:extLst>
+              <a:ext uri="{FF2B5EF4-FFF2-40B4-BE49-F238E27FC236}">
+                <a16:creationId xmlns:a16="http://schemas.microsoft.com/office/drawing/2014/main" id="{8A238D25-1858-9D1B-02BA-8BA2B89F6523}"/>
+              </a:ext>
+            </a:extLst>
+          </p:cNvPr>
+          <p:cNvSpPr txBox="1"/>
+          <p:nvPr/>
+        </p:nvSpPr>
+        <p:spPr>
+          <a:xfrm>
+            <a:off x="7176977" y="1171734"/>
+            <a:ext cx="4808193" cy="5262979"/>
+          </a:xfrm>
+          <a:prstGeom prst="rect">
+            <a:avLst/>
+          </a:prstGeom>
+          <a:noFill/>
+        </p:spPr>
+        <p:txBody>
+          <a:bodyPr wrap="square" rtlCol="0">
+            <a:spAutoFit/>
+          </a:bodyPr>
+          <a:lstStyle/>
+          <a:p>
+            <a:r>
+              <a:rPr lang="en-IN" sz="1400" b="1" dirty="0"/>
+              <a:t>Implementation Steps:</a:t>
+            </a:r>
+          </a:p>
+          <a:p>
+            <a:endParaRPr lang="en-IN" sz="1400" dirty="0"/>
+          </a:p>
+          <a:p>
+            <a:pPr marL="342900" indent="-342900">
+              <a:buAutoNum type="arabicPeriod"/>
+            </a:pPr>
+            <a:r>
+              <a:rPr lang="en-IN" sz="1400" dirty="0"/>
+              <a:t>Create TGW with 1 Route table</a:t>
+            </a:r>
+          </a:p>
+          <a:p>
+            <a:pPr marL="342900" indent="-342900">
+              <a:buAutoNum type="arabicPeriod"/>
+            </a:pPr>
+            <a:r>
+              <a:rPr lang="en-IN" sz="1400" dirty="0"/>
+              <a:t>Attach VPCs to TGW:</a:t>
+            </a:r>
+          </a:p>
+          <a:p>
+            <a:pPr marL="742950" lvl="1" indent="-285750">
+              <a:buFont typeface="Arial" panose="020B0604020202020204" pitchFamily="34" charset="0"/>
+              <a:buChar char="•"/>
+            </a:pPr>
+            <a:r>
+              <a:rPr lang="en-IN" sz="1400" dirty="0"/>
+              <a:t>Prod VPC -&gt; TGW</a:t>
+            </a:r>
+          </a:p>
+          <a:p>
+            <a:pPr marL="742950" lvl="1" indent="-285750">
+              <a:buFont typeface="Arial" panose="020B0604020202020204" pitchFamily="34" charset="0"/>
+              <a:buChar char="•"/>
+            </a:pPr>
+            <a:r>
+              <a:rPr lang="en-IN" sz="1400" dirty="0"/>
+              <a:t>Dev VPC -&gt; TGW</a:t>
+            </a:r>
+          </a:p>
+          <a:p>
+            <a:pPr marL="742950" lvl="1" indent="-285750">
+              <a:buFont typeface="Arial" panose="020B0604020202020204" pitchFamily="34" charset="0"/>
+              <a:buChar char="•"/>
+            </a:pPr>
+            <a:r>
+              <a:rPr lang="en-IN" sz="1400" dirty="0"/>
+              <a:t>Shared VPC -&gt; TGW</a:t>
+            </a:r>
+          </a:p>
+          <a:p>
+            <a:pPr marL="342900" indent="-342900">
+              <a:buAutoNum type="arabicPeriod"/>
+            </a:pPr>
+            <a:r>
+              <a:rPr lang="en-IN" sz="1400" dirty="0"/>
+              <a:t>Associate VPCs attachment to a single Route Table:</a:t>
+            </a:r>
+          </a:p>
+          <a:p>
+            <a:pPr marL="742950" lvl="1" indent="-285750">
+              <a:buFont typeface="Arial" panose="020B0604020202020204" pitchFamily="34" charset="0"/>
+              <a:buChar char="•"/>
+            </a:pPr>
+            <a:r>
+              <a:rPr lang="en-IN" sz="1400" dirty="0"/>
+              <a:t>Prod VPC -&gt; TGW-RT</a:t>
+            </a:r>
+          </a:p>
+          <a:p>
+            <a:pPr marL="742950" lvl="1" indent="-285750">
+              <a:buFont typeface="Arial" panose="020B0604020202020204" pitchFamily="34" charset="0"/>
+              <a:buChar char="•"/>
+            </a:pPr>
+            <a:r>
+              <a:rPr lang="en-IN" sz="1400" dirty="0"/>
+              <a:t>Dev VPC -&gt; TGW-RT</a:t>
+            </a:r>
+          </a:p>
+          <a:p>
+            <a:pPr marL="742950" lvl="1" indent="-285750">
+              <a:buFont typeface="Arial" panose="020B0604020202020204" pitchFamily="34" charset="0"/>
+              <a:buChar char="•"/>
+            </a:pPr>
+            <a:r>
+              <a:rPr lang="en-IN" sz="1400" dirty="0"/>
+              <a:t>Shared VPC -&gt; TGW-RT</a:t>
+            </a:r>
+          </a:p>
+          <a:p>
+            <a:pPr marL="285750" indent="-285750">
+              <a:buFont typeface="Arial" panose="020B0604020202020204" pitchFamily="34" charset="0"/>
+              <a:buChar char="•"/>
+            </a:pPr>
+            <a:endParaRPr lang="en-IN" sz="1400" dirty="0"/>
+          </a:p>
+          <a:p>
+            <a:r>
+              <a:rPr lang="en-IN" sz="1400" b="1" dirty="0"/>
+              <a:t>TRAFFIC FLOW:</a:t>
+            </a:r>
+          </a:p>
+          <a:p>
+            <a:endParaRPr lang="en-IN" sz="1400" dirty="0"/>
+          </a:p>
+          <a:p>
+            <a:r>
+              <a:rPr lang="en-IN" sz="1400" dirty="0"/>
+              <a:t>✅ Prod -&gt; Dev </a:t>
+            </a:r>
+          </a:p>
+          <a:p>
+            <a:r>
+              <a:rPr lang="en-IN" sz="1400" dirty="0"/>
+              <a:t>ALLOWED: Prod VPC -&gt; TGW-RT -&gt; route exists -&gt; Dev VPC</a:t>
+            </a:r>
+          </a:p>
+          <a:p>
+            <a:endParaRPr lang="en-IN" sz="1400" dirty="0"/>
+          </a:p>
+          <a:p>
+            <a:r>
+              <a:rPr lang="en-IN" sz="1400" dirty="0"/>
+              <a:t>✅ Prod -&gt; Shared</a:t>
+            </a:r>
+          </a:p>
+          <a:p>
+            <a:r>
+              <a:rPr lang="en-IN" sz="1400" dirty="0"/>
+              <a:t>ALLOWED: Prod VPC -&gt; TGW-RT -&gt; route exists -&gt; Shared VPC</a:t>
+            </a:r>
+          </a:p>
+          <a:p>
+            <a:endParaRPr lang="en-IN" sz="1400" dirty="0"/>
+          </a:p>
+          <a:p>
+            <a:r>
+              <a:rPr lang="en-IN" sz="1400" dirty="0"/>
+              <a:t>✅ Dev -&gt; Shared</a:t>
+            </a:r>
+          </a:p>
+          <a:p>
+            <a:r>
+              <a:rPr lang="en-IN" sz="1400" dirty="0"/>
+              <a:t>ALLOWED: Dev VPC -&gt;TGW-RT -&gt; route exists -&gt; Shared VPC</a:t>
+            </a:r>
+          </a:p>
+          <a:p>
+            <a:endParaRPr lang="en-IN" sz="1400" dirty="0"/>
+          </a:p>
+          <a:p>
+            <a:r>
+              <a:rPr lang="en-US" sz="1400" dirty="0"/>
+              <a:t>✅ All VPCs can reach each other (no isolation)</a:t>
+            </a:r>
+            <a:endParaRPr lang="en-IN" sz="1400" dirty="0"/>
+          </a:p>
+        </p:txBody>
+      </p:sp>
+    </p:spTree>
+    <p:extLst>
+      <p:ext uri="{BB962C8B-B14F-4D97-AF65-F5344CB8AC3E}">
+        <p14:creationId xmlns:p14="http://schemas.microsoft.com/office/powerpoint/2010/main" val="2299973312"/>
+      </p:ext>
+    </p:extLst>
+  </p:cSld>
+  <p:clrMapOvr>
+    <a:masterClrMapping/>
+  </p:clrMapOvr>
+</p:sld>
+</file>
+
+<file path=ppt/slides/slide24.xml><?xml version="1.0" encoding="utf-8"?>
+<p:sld xmlns:a="http://schemas.openxmlformats.org/drawingml/2006/main" xmlns:r="http://schemas.openxmlformats.org/officeDocument/2006/relationships" xmlns:p="http://schemas.openxmlformats.org/presentationml/2006/main">
+  <p:cSld>
+    <p:spTree>
+      <p:nvGrpSpPr>
+        <p:cNvPr id="1" name="">
+          <a:extLst>
+            <a:ext uri="{FF2B5EF4-FFF2-40B4-BE49-F238E27FC236}">
+              <a16:creationId xmlns:a16="http://schemas.microsoft.com/office/drawing/2014/main" id="{89A5F819-BCD1-ED37-EEC6-3D7067E9415A}"/>
+            </a:ext>
+          </a:extLst>
+        </p:cNvPr>
+        <p:cNvGrpSpPr/>
+        <p:nvPr/>
+      </p:nvGrpSpPr>
+      <p:grpSpPr>
+        <a:xfrm>
+          <a:off x="0" y="0"/>
+          <a:ext cx="0" cy="0"/>
+          <a:chOff x="0" y="0"/>
+          <a:chExt cx="0" cy="0"/>
+        </a:xfrm>
+      </p:grpSpPr>
+      <p:sp>
+        <p:nvSpPr>
+          <p:cNvPr id="2" name="TextBox 1">
+            <a:extLst>
+              <a:ext uri="{FF2B5EF4-FFF2-40B4-BE49-F238E27FC236}">
+                <a16:creationId xmlns:a16="http://schemas.microsoft.com/office/drawing/2014/main" id="{E336F5A6-2F49-8225-FF0F-7E83AAC4724E}"/>
+              </a:ext>
+            </a:extLst>
+          </p:cNvPr>
+          <p:cNvSpPr txBox="1"/>
+          <p:nvPr/>
+        </p:nvSpPr>
+        <p:spPr>
+          <a:xfrm>
+            <a:off x="655546" y="252549"/>
+            <a:ext cx="11329625" cy="646331"/>
+          </a:xfrm>
+          <a:prstGeom prst="rect">
+            <a:avLst/>
+          </a:prstGeom>
+          <a:noFill/>
+        </p:spPr>
+        <p:txBody>
+          <a:bodyPr wrap="square">
+            <a:spAutoFit/>
+          </a:bodyPr>
+          <a:lstStyle/>
+          <a:p>
+            <a:pPr>
+              <a:defRPr sz="3600" b="1">
+                <a:solidFill>
+                  <a:srgbClr val="232F3E"/>
+                </a:solidFill>
+              </a:defRPr>
+            </a:pPr>
+            <a:r>
+              <a:rPr lang="en-IN" dirty="0"/>
+              <a:t>Transit Gateway Architecture Patterns</a:t>
+            </a:r>
+            <a:endParaRPr sz="3600" dirty="0"/>
+          </a:p>
+        </p:txBody>
+      </p:sp>
+      <p:sp>
+        <p:nvSpPr>
+          <p:cNvPr id="3" name="TextBox 2">
+            <a:extLst>
+              <a:ext uri="{FF2B5EF4-FFF2-40B4-BE49-F238E27FC236}">
+                <a16:creationId xmlns:a16="http://schemas.microsoft.com/office/drawing/2014/main" id="{A10E3044-B2E8-04DC-73E9-1C4EA976FFD5}"/>
+              </a:ext>
+            </a:extLst>
+          </p:cNvPr>
+          <p:cNvSpPr txBox="1"/>
+          <p:nvPr/>
+        </p:nvSpPr>
+        <p:spPr>
+          <a:xfrm>
+            <a:off x="764404" y="1100901"/>
+            <a:ext cx="5604498" cy="3290581"/>
+          </a:xfrm>
+          <a:prstGeom prst="rect">
+            <a:avLst/>
+          </a:prstGeom>
+          <a:noFill/>
+        </p:spPr>
+        <p:txBody>
+          <a:bodyPr wrap="square">
+            <a:spAutoFit/>
+          </a:bodyPr>
+          <a:lstStyle/>
+          <a:p>
+            <a:pPr>
+              <a:lnSpc>
+                <a:spcPct val="150000"/>
+              </a:lnSpc>
+            </a:pPr>
+            <a:r>
+              <a:rPr lang="en-US" sz="1400" b="1" dirty="0"/>
+              <a:t>Pattern 2: Hub-and-Spoke with Segmentation (THE MOST USED ARCHITECTURE):</a:t>
+            </a:r>
+          </a:p>
+          <a:p>
+            <a:pPr marL="285750" indent="-285750">
+              <a:lnSpc>
+                <a:spcPct val="150000"/>
+              </a:lnSpc>
+              <a:buFont typeface="Arial" panose="020B0604020202020204" pitchFamily="34" charset="0"/>
+              <a:buChar char="•"/>
+            </a:pPr>
+            <a:r>
+              <a:rPr lang="en-US" sz="1400" dirty="0"/>
+              <a:t>Same hub-and-spoke BUT with multiple route tables in TGW to isolate environments.</a:t>
+            </a:r>
+          </a:p>
+          <a:p>
+            <a:pPr>
+              <a:lnSpc>
+                <a:spcPct val="150000"/>
+              </a:lnSpc>
+            </a:pPr>
+            <a:endParaRPr lang="en-US" sz="1400" dirty="0"/>
+          </a:p>
+          <a:p>
+            <a:pPr>
+              <a:lnSpc>
+                <a:spcPct val="150000"/>
+              </a:lnSpc>
+            </a:pPr>
+            <a:r>
+              <a:rPr lang="en-US" sz="1400" b="1" dirty="0"/>
+              <a:t>EXAMPLE:</a:t>
+            </a:r>
+          </a:p>
+          <a:p>
+            <a:pPr>
+              <a:lnSpc>
+                <a:spcPct val="150000"/>
+              </a:lnSpc>
+            </a:pPr>
+            <a:r>
+              <a:rPr lang="en-US" sz="1400" dirty="0"/>
+              <a:t>Same 3 VPCs, but now you want:</a:t>
+            </a:r>
+          </a:p>
+          <a:p>
+            <a:pPr marL="285750" indent="-285750">
+              <a:lnSpc>
+                <a:spcPct val="150000"/>
+              </a:lnSpc>
+              <a:buFont typeface="Arial" panose="020B0604020202020204" pitchFamily="34" charset="0"/>
+              <a:buChar char="•"/>
+            </a:pPr>
+            <a:r>
+              <a:rPr lang="en-US" sz="1400" dirty="0"/>
+              <a:t>Prod can talk to Shared (for AD authentication)</a:t>
+            </a:r>
+          </a:p>
+          <a:p>
+            <a:pPr marL="285750" indent="-285750">
+              <a:lnSpc>
+                <a:spcPct val="150000"/>
+              </a:lnSpc>
+              <a:buFont typeface="Arial" panose="020B0604020202020204" pitchFamily="34" charset="0"/>
+              <a:buChar char="•"/>
+            </a:pPr>
+            <a:r>
+              <a:rPr lang="en-US" sz="1400" dirty="0"/>
+              <a:t>Dev can talk to Shared (for AD authentication)</a:t>
+            </a:r>
+          </a:p>
+          <a:p>
+            <a:pPr marL="285750" indent="-285750">
+              <a:lnSpc>
+                <a:spcPct val="150000"/>
+              </a:lnSpc>
+              <a:buFont typeface="Arial" panose="020B0604020202020204" pitchFamily="34" charset="0"/>
+              <a:buChar char="•"/>
+            </a:pPr>
+            <a:r>
+              <a:rPr lang="en-US" sz="1400" dirty="0"/>
+              <a:t>Prod CANNOT talk to Dev (security isolation)</a:t>
+            </a:r>
+          </a:p>
+        </p:txBody>
+      </p:sp>
+      <p:pic>
+        <p:nvPicPr>
+          <p:cNvPr id="7" name="Picture 6">
+            <a:extLst>
+              <a:ext uri="{FF2B5EF4-FFF2-40B4-BE49-F238E27FC236}">
+                <a16:creationId xmlns:a16="http://schemas.microsoft.com/office/drawing/2014/main" id="{93C05EB3-F2E7-03B7-E337-DB526F73D30B}"/>
+              </a:ext>
+            </a:extLst>
+          </p:cNvPr>
+          <p:cNvPicPr>
+            <a:picLocks noChangeAspect="1"/>
+          </p:cNvPicPr>
+          <p:nvPr/>
+        </p:nvPicPr>
+        <p:blipFill>
+          <a:blip r:embed="rId2"/>
+          <a:stretch>
+            <a:fillRect/>
+          </a:stretch>
+        </p:blipFill>
+        <p:spPr>
+          <a:xfrm>
+            <a:off x="1329833" y="4068316"/>
+            <a:ext cx="4039354" cy="2303775"/>
+          </a:xfrm>
+          <a:prstGeom prst="rect">
+            <a:avLst/>
+          </a:prstGeom>
+        </p:spPr>
+      </p:pic>
+      <p:sp>
+        <p:nvSpPr>
+          <p:cNvPr id="8" name="TextBox 7">
+            <a:extLst>
+              <a:ext uri="{FF2B5EF4-FFF2-40B4-BE49-F238E27FC236}">
+                <a16:creationId xmlns:a16="http://schemas.microsoft.com/office/drawing/2014/main" id="{6A4BC287-9688-40B5-3F63-EFDD947C8E2A}"/>
+              </a:ext>
+            </a:extLst>
+          </p:cNvPr>
+          <p:cNvSpPr txBox="1"/>
+          <p:nvPr/>
+        </p:nvSpPr>
+        <p:spPr>
+          <a:xfrm>
+            <a:off x="7176977" y="1171734"/>
+            <a:ext cx="4808193" cy="5693866"/>
+          </a:xfrm>
+          <a:prstGeom prst="rect">
+            <a:avLst/>
+          </a:prstGeom>
+          <a:noFill/>
+        </p:spPr>
+        <p:txBody>
+          <a:bodyPr wrap="square" rtlCol="0">
+            <a:spAutoFit/>
+          </a:bodyPr>
+          <a:lstStyle/>
+          <a:p>
+            <a:r>
+              <a:rPr lang="en-IN" sz="1400" b="1" dirty="0"/>
+              <a:t>Implementation Steps:</a:t>
+            </a:r>
+          </a:p>
+          <a:p>
+            <a:endParaRPr lang="en-IN" sz="1400" dirty="0"/>
+          </a:p>
+          <a:p>
+            <a:pPr marL="342900" indent="-342900">
+              <a:buFont typeface="+mj-lt"/>
+              <a:buAutoNum type="arabicPeriod"/>
+            </a:pPr>
+            <a:r>
+              <a:rPr lang="en-IN" sz="1400" dirty="0"/>
+              <a:t>Create TGW with 3 Route Tables:</a:t>
+            </a:r>
+          </a:p>
+          <a:p>
+            <a:pPr marL="742950" lvl="1" indent="-285750">
+              <a:buFont typeface="Arial" panose="020B0604020202020204" pitchFamily="34" charset="0"/>
+              <a:buChar char="•"/>
+            </a:pPr>
+            <a:r>
+              <a:rPr lang="en-IN" sz="1400" dirty="0"/>
+              <a:t>Prod-RT: Routes to Shared VPC only</a:t>
+            </a:r>
+          </a:p>
+          <a:p>
+            <a:pPr marL="742950" lvl="1" indent="-285750">
+              <a:buFont typeface="Arial" panose="020B0604020202020204" pitchFamily="34" charset="0"/>
+              <a:buChar char="•"/>
+            </a:pPr>
+            <a:r>
+              <a:rPr lang="en-IN" sz="1400" dirty="0"/>
+              <a:t>Dev-RT: Routes to Shared VPC only</a:t>
+            </a:r>
+          </a:p>
+          <a:p>
+            <a:pPr marL="742950" lvl="1" indent="-285750">
+              <a:buFont typeface="Arial" panose="020B0604020202020204" pitchFamily="34" charset="0"/>
+              <a:buChar char="•"/>
+            </a:pPr>
+            <a:r>
+              <a:rPr lang="en-IN" sz="1400" dirty="0"/>
+              <a:t>Shared-RT: Routes to both Prod and Dev</a:t>
+            </a:r>
+          </a:p>
+          <a:p>
+            <a:pPr marL="342900" indent="-342900">
+              <a:buFont typeface="+mj-lt"/>
+              <a:buAutoNum type="arabicPeriod"/>
+            </a:pPr>
+            <a:r>
+              <a:rPr lang="en-IN" sz="1400" dirty="0"/>
+              <a:t>Attach VPCs to Transit Gateway:</a:t>
+            </a:r>
+          </a:p>
+          <a:p>
+            <a:pPr marL="800100" lvl="1" indent="-342900">
+              <a:buFont typeface="Arial" panose="020B0604020202020204" pitchFamily="34" charset="0"/>
+              <a:buChar char="•"/>
+            </a:pPr>
+            <a:r>
+              <a:rPr lang="en-IN" sz="1400" dirty="0"/>
+              <a:t>Prod VPC -&gt; TGW</a:t>
+            </a:r>
+          </a:p>
+          <a:p>
+            <a:pPr marL="800100" lvl="1" indent="-342900">
+              <a:buFont typeface="Arial" panose="020B0604020202020204" pitchFamily="34" charset="0"/>
+              <a:buChar char="•"/>
+            </a:pPr>
+            <a:r>
+              <a:rPr lang="en-IN" sz="1400" dirty="0"/>
+              <a:t>Dev VPC -&gt; TGW</a:t>
+            </a:r>
+          </a:p>
+          <a:p>
+            <a:pPr marL="800100" lvl="1" indent="-342900">
+              <a:buFont typeface="Arial" panose="020B0604020202020204" pitchFamily="34" charset="0"/>
+              <a:buChar char="•"/>
+            </a:pPr>
+            <a:r>
+              <a:rPr lang="en-IN" sz="1400" dirty="0"/>
+              <a:t>Shared VPC -&gt; TGW</a:t>
+            </a:r>
+          </a:p>
+          <a:p>
+            <a:r>
+              <a:rPr lang="en-IN" sz="1400" dirty="0"/>
+              <a:t>3. Associate VPC attachments to Route Tables:</a:t>
+            </a:r>
+          </a:p>
+          <a:p>
+            <a:pPr marL="742950" lvl="1" indent="-285750">
+              <a:buFont typeface="Arial" panose="020B0604020202020204" pitchFamily="34" charset="0"/>
+              <a:buChar char="•"/>
+            </a:pPr>
+            <a:r>
+              <a:rPr lang="en-IN" sz="1400" dirty="0"/>
+              <a:t>Prod VPC attachment -&gt; Prod-RT</a:t>
+            </a:r>
+          </a:p>
+          <a:p>
+            <a:pPr marL="742950" lvl="1" indent="-285750">
+              <a:buFont typeface="Arial" panose="020B0604020202020204" pitchFamily="34" charset="0"/>
+              <a:buChar char="•"/>
+            </a:pPr>
+            <a:r>
+              <a:rPr lang="en-IN" sz="1400" dirty="0"/>
+              <a:t>Dev VPC attachment -&gt; Dev-RT</a:t>
+            </a:r>
+          </a:p>
+          <a:p>
+            <a:pPr marL="742950" lvl="1" indent="-285750">
+              <a:buFont typeface="Arial" panose="020B0604020202020204" pitchFamily="34" charset="0"/>
+              <a:buChar char="•"/>
+            </a:pPr>
+            <a:r>
+              <a:rPr lang="en-IN" sz="1400" dirty="0"/>
+              <a:t>Shared VPC attachment -&gt; Shared-RT</a:t>
+            </a:r>
+          </a:p>
+          <a:p>
+            <a:pPr lvl="1"/>
+            <a:endParaRPr lang="en-IN" sz="1400" dirty="0"/>
+          </a:p>
+          <a:p>
+            <a:r>
+              <a:rPr lang="en-IN" sz="1400" b="1" dirty="0"/>
+              <a:t>TRAFFIC FLOW:</a:t>
+            </a:r>
+          </a:p>
+          <a:p>
+            <a:endParaRPr lang="en-IN" sz="1400" dirty="0"/>
+          </a:p>
+          <a:p>
+            <a:r>
+              <a:rPr lang="en-IN" sz="1400" dirty="0"/>
+              <a:t>✅ Prod -&gt; Shared </a:t>
+            </a:r>
+          </a:p>
+          <a:p>
+            <a:r>
+              <a:rPr lang="en-IN" sz="1400" dirty="0"/>
+              <a:t>ALLOWED: Prod VPC -&gt; Prod-RT -&gt; route exists -&gt; Shared VPC</a:t>
+            </a:r>
+          </a:p>
+          <a:p>
+            <a:endParaRPr lang="en-IN" sz="1400" dirty="0"/>
+          </a:p>
+          <a:p>
+            <a:r>
+              <a:rPr lang="en-IN" sz="1400" dirty="0"/>
+              <a:t>✅ Dev -&gt; Shared</a:t>
+            </a:r>
+          </a:p>
+          <a:p>
+            <a:r>
+              <a:rPr lang="en-IN" sz="1400" dirty="0"/>
+              <a:t>ALLOWED: Dev VPC -&gt; Dev-RT -&gt; route exists -&gt; Shared VPC</a:t>
+            </a:r>
+          </a:p>
+          <a:p>
+            <a:endParaRPr lang="en-IN" sz="1400" dirty="0"/>
+          </a:p>
+          <a:p>
+            <a:r>
+              <a:rPr lang="en-IN" sz="1400" dirty="0"/>
+              <a:t>❌ Prod -&gt; Dev</a:t>
+            </a:r>
+          </a:p>
+          <a:p>
+            <a:r>
+              <a:rPr lang="en-IN" sz="1400" dirty="0"/>
+              <a:t>BLOCKED: Prod VPC -&gt; Prod-RT -&gt; no route to Dev -&gt; dropped</a:t>
+            </a:r>
+          </a:p>
+        </p:txBody>
+      </p:sp>
+    </p:spTree>
+    <p:extLst>
+      <p:ext uri="{BB962C8B-B14F-4D97-AF65-F5344CB8AC3E}">
+        <p14:creationId xmlns:p14="http://schemas.microsoft.com/office/powerpoint/2010/main" val="3457812711"/>
+      </p:ext>
+    </p:extLst>
+  </p:cSld>
+  <p:clrMapOvr>
+    <a:masterClrMapping/>
+  </p:clrMapOvr>
+</p:sld>
+</file>
+
+<file path=ppt/slides/slide25.xml><?xml version="1.0" encoding="utf-8"?>
+<p:sld xmlns:a="http://schemas.openxmlformats.org/drawingml/2006/main" xmlns:r="http://schemas.openxmlformats.org/officeDocument/2006/relationships" xmlns:p="http://schemas.openxmlformats.org/presentationml/2006/main">
+  <p:cSld>
+    <p:spTree>
+      <p:nvGrpSpPr>
+        <p:cNvPr id="1" name="">
+          <a:extLst>
+            <a:ext uri="{FF2B5EF4-FFF2-40B4-BE49-F238E27FC236}">
+              <a16:creationId xmlns:a16="http://schemas.microsoft.com/office/drawing/2014/main" id="{43F80686-2204-66E4-CA9B-3792329C02D5}"/>
+            </a:ext>
+          </a:extLst>
+        </p:cNvPr>
+        <p:cNvGrpSpPr/>
+        <p:nvPr/>
+      </p:nvGrpSpPr>
+      <p:grpSpPr>
+        <a:xfrm>
+          <a:off x="0" y="0"/>
+          <a:ext cx="0" cy="0"/>
+          <a:chOff x="0" y="0"/>
+          <a:chExt cx="0" cy="0"/>
+        </a:xfrm>
+      </p:grpSpPr>
+      <p:sp>
+        <p:nvSpPr>
+          <p:cNvPr id="2" name="TextBox 1">
+            <a:extLst>
+              <a:ext uri="{FF2B5EF4-FFF2-40B4-BE49-F238E27FC236}">
+                <a16:creationId xmlns:a16="http://schemas.microsoft.com/office/drawing/2014/main" id="{FD32F6DE-9C3A-7DD7-03A7-CC83A835DFFE}"/>
+              </a:ext>
+            </a:extLst>
+          </p:cNvPr>
+          <p:cNvSpPr txBox="1"/>
+          <p:nvPr/>
+        </p:nvSpPr>
+        <p:spPr>
+          <a:xfrm>
+            <a:off x="655546" y="252549"/>
+            <a:ext cx="11329625" cy="646331"/>
+          </a:xfrm>
+          <a:prstGeom prst="rect">
+            <a:avLst/>
+          </a:prstGeom>
+          <a:noFill/>
+        </p:spPr>
+        <p:txBody>
+          <a:bodyPr wrap="square">
+            <a:spAutoFit/>
+          </a:bodyPr>
+          <a:lstStyle/>
+          <a:p>
+            <a:pPr>
+              <a:defRPr sz="3600" b="1">
+                <a:solidFill>
+                  <a:srgbClr val="232F3E"/>
+                </a:solidFill>
+              </a:defRPr>
+            </a:pPr>
+            <a:r>
+              <a:rPr lang="en-IN" dirty="0"/>
+              <a:t>Transit Gateway Architecture Patterns</a:t>
+            </a:r>
+            <a:endParaRPr sz="3600" dirty="0"/>
+          </a:p>
+        </p:txBody>
+      </p:sp>
+      <p:sp>
+        <p:nvSpPr>
+          <p:cNvPr id="3" name="TextBox 2">
+            <a:extLst>
+              <a:ext uri="{FF2B5EF4-FFF2-40B4-BE49-F238E27FC236}">
+                <a16:creationId xmlns:a16="http://schemas.microsoft.com/office/drawing/2014/main" id="{FF659F3C-9DBE-D3A1-8E03-C9EA764D98B1}"/>
+              </a:ext>
+            </a:extLst>
+          </p:cNvPr>
+          <p:cNvSpPr txBox="1"/>
+          <p:nvPr/>
+        </p:nvSpPr>
+        <p:spPr>
+          <a:xfrm>
+            <a:off x="764404" y="1100902"/>
+            <a:ext cx="5455643" cy="2967415"/>
+          </a:xfrm>
+          <a:prstGeom prst="rect">
+            <a:avLst/>
+          </a:prstGeom>
+          <a:noFill/>
+        </p:spPr>
+        <p:txBody>
+          <a:bodyPr wrap="square">
+            <a:spAutoFit/>
+          </a:bodyPr>
+          <a:lstStyle/>
+          <a:p>
+            <a:pPr>
+              <a:lnSpc>
+                <a:spcPct val="150000"/>
+              </a:lnSpc>
+            </a:pPr>
+            <a:r>
+              <a:rPr lang="en-US" sz="1400" b="1" dirty="0"/>
+              <a:t>Pattern 3: Inspection VPC Pattern:</a:t>
+            </a:r>
+          </a:p>
+          <a:p>
+            <a:pPr>
+              <a:lnSpc>
+                <a:spcPct val="150000"/>
+              </a:lnSpc>
+            </a:pPr>
+            <a:r>
+              <a:rPr lang="en-US" sz="1400" dirty="0"/>
+              <a:t>All internet-bound traffic goes through a centralized firewall VPC for inspection.</a:t>
+            </a:r>
+          </a:p>
+          <a:p>
+            <a:pPr>
+              <a:lnSpc>
+                <a:spcPct val="150000"/>
+              </a:lnSpc>
+            </a:pPr>
+            <a:r>
+              <a:rPr lang="en-US" sz="1400" b="1" dirty="0"/>
+              <a:t>EXAMPLE:</a:t>
+            </a:r>
+          </a:p>
+          <a:p>
+            <a:pPr>
+              <a:lnSpc>
+                <a:spcPct val="150000"/>
+              </a:lnSpc>
+            </a:pPr>
+            <a:r>
+              <a:rPr lang="en-US" sz="1400" dirty="0"/>
+              <a:t>Company wants to:</a:t>
+            </a:r>
+          </a:p>
+          <a:p>
+            <a:pPr marL="285750" indent="-285750">
+              <a:lnSpc>
+                <a:spcPct val="150000"/>
+              </a:lnSpc>
+              <a:buFont typeface="Arial" panose="020B0604020202020204" pitchFamily="34" charset="0"/>
+              <a:buChar char="•"/>
+            </a:pPr>
+            <a:r>
+              <a:rPr lang="en-US" sz="1400" dirty="0"/>
+              <a:t>Block malicious domains across all VPCs</a:t>
+            </a:r>
+          </a:p>
+          <a:p>
+            <a:pPr marL="285750" indent="-285750">
+              <a:lnSpc>
+                <a:spcPct val="150000"/>
+              </a:lnSpc>
+              <a:buFont typeface="Arial" panose="020B0604020202020204" pitchFamily="34" charset="0"/>
+              <a:buChar char="•"/>
+            </a:pPr>
+            <a:r>
+              <a:rPr lang="en-US" sz="1400" dirty="0"/>
+              <a:t>Prevent data exfiltration</a:t>
+            </a:r>
+          </a:p>
+          <a:p>
+            <a:pPr marL="285750" indent="-285750">
+              <a:lnSpc>
+                <a:spcPct val="150000"/>
+              </a:lnSpc>
+              <a:buFont typeface="Arial" panose="020B0604020202020204" pitchFamily="34" charset="0"/>
+              <a:buChar char="•"/>
+            </a:pPr>
+            <a:r>
+              <a:rPr lang="en-US" sz="1400" dirty="0"/>
+              <a:t>Log all internet traffic centrally</a:t>
+            </a:r>
+          </a:p>
+          <a:p>
+            <a:pPr marL="285750" indent="-285750">
+              <a:lnSpc>
+                <a:spcPct val="150000"/>
+              </a:lnSpc>
+              <a:buFont typeface="Arial" panose="020B0604020202020204" pitchFamily="34" charset="0"/>
+              <a:buChar char="•"/>
+            </a:pPr>
+            <a:r>
+              <a:rPr lang="en-US" sz="1400" dirty="0"/>
+              <a:t>Use one set of firewall rules for all VPCs</a:t>
+            </a:r>
+          </a:p>
+        </p:txBody>
+      </p:sp>
+      <p:pic>
+        <p:nvPicPr>
+          <p:cNvPr id="5" name="Picture 4">
+            <a:extLst>
+              <a:ext uri="{FF2B5EF4-FFF2-40B4-BE49-F238E27FC236}">
+                <a16:creationId xmlns:a16="http://schemas.microsoft.com/office/drawing/2014/main" id="{7B8FD92C-AF69-C7F5-AE25-F56C7338A10A}"/>
+              </a:ext>
+            </a:extLst>
+          </p:cNvPr>
+          <p:cNvPicPr>
+            <a:picLocks noChangeAspect="1"/>
+          </p:cNvPicPr>
+          <p:nvPr/>
+        </p:nvPicPr>
+        <p:blipFill>
+          <a:blip r:embed="rId2"/>
+          <a:stretch>
+            <a:fillRect/>
+          </a:stretch>
+        </p:blipFill>
+        <p:spPr>
+          <a:xfrm>
+            <a:off x="1089332" y="4068316"/>
+            <a:ext cx="2142965" cy="2506180"/>
+          </a:xfrm>
+          <a:prstGeom prst="rect">
+            <a:avLst/>
+          </a:prstGeom>
+        </p:spPr>
+      </p:pic>
+      <p:sp>
+        <p:nvSpPr>
+          <p:cNvPr id="6" name="TextBox 5">
+            <a:extLst>
+              <a:ext uri="{FF2B5EF4-FFF2-40B4-BE49-F238E27FC236}">
+                <a16:creationId xmlns:a16="http://schemas.microsoft.com/office/drawing/2014/main" id="{891960E9-5542-6FFF-B3AB-E7BD20698CF7}"/>
+              </a:ext>
+            </a:extLst>
+          </p:cNvPr>
+          <p:cNvSpPr txBox="1"/>
+          <p:nvPr/>
+        </p:nvSpPr>
+        <p:spPr>
+          <a:xfrm>
+            <a:off x="6231883" y="1100902"/>
+            <a:ext cx="5455643" cy="5693866"/>
+          </a:xfrm>
+          <a:prstGeom prst="rect">
+            <a:avLst/>
+          </a:prstGeom>
+          <a:noFill/>
+        </p:spPr>
+        <p:txBody>
+          <a:bodyPr wrap="square" rtlCol="0">
+            <a:spAutoFit/>
+          </a:bodyPr>
+          <a:lstStyle/>
+          <a:p>
+            <a:r>
+              <a:rPr lang="en-IN" sz="1400" b="1" dirty="0"/>
+              <a:t>Implementation Steps:</a:t>
+            </a:r>
+          </a:p>
+          <a:p>
+            <a:endParaRPr lang="en-US" sz="1400" dirty="0"/>
+          </a:p>
+          <a:p>
+            <a:pPr marL="342900" indent="-342900">
+              <a:buFont typeface="+mj-lt"/>
+              <a:buAutoNum type="arabicPeriod"/>
+            </a:pPr>
+            <a:r>
+              <a:rPr lang="en-US" sz="1400" dirty="0"/>
+              <a:t>Inspection VPC contains:</a:t>
+            </a:r>
+          </a:p>
+          <a:p>
+            <a:pPr marL="800100" lvl="1" indent="-342900">
+              <a:buFont typeface="Arial" panose="020B0604020202020204" pitchFamily="34" charset="0"/>
+              <a:buChar char="•"/>
+            </a:pPr>
+            <a:r>
+              <a:rPr lang="en-US" sz="1400" dirty="0"/>
+              <a:t>AWS Network Firewall (or Palo Alto VM)</a:t>
+            </a:r>
+          </a:p>
+          <a:p>
+            <a:pPr marL="800100" lvl="1" indent="-342900">
+              <a:buFont typeface="Arial" panose="020B0604020202020204" pitchFamily="34" charset="0"/>
+              <a:buChar char="•"/>
+            </a:pPr>
+            <a:r>
+              <a:rPr lang="en-US" sz="1400" dirty="0"/>
+              <a:t>NAT Gateway (for outbound internet)</a:t>
+            </a:r>
+          </a:p>
+          <a:p>
+            <a:pPr marL="800100" lvl="1" indent="-342900">
+              <a:buFont typeface="Arial" panose="020B0604020202020204" pitchFamily="34" charset="0"/>
+              <a:buChar char="•"/>
+            </a:pPr>
+            <a:r>
+              <a:rPr lang="en-US" sz="1400" dirty="0"/>
+              <a:t>Internet Gateway</a:t>
+            </a:r>
+          </a:p>
+          <a:p>
+            <a:pPr marL="342900" indent="-342900">
+              <a:buFont typeface="+mj-lt"/>
+              <a:buAutoNum type="arabicPeriod"/>
+            </a:pPr>
+            <a:r>
+              <a:rPr lang="en-US" sz="1400" dirty="0"/>
+              <a:t>All VPCs have default route (0.0.0.0/0) -&gt; TGW</a:t>
+            </a:r>
+          </a:p>
+          <a:p>
+            <a:pPr marL="342900" indent="-342900">
+              <a:buFont typeface="+mj-lt"/>
+              <a:buAutoNum type="arabicPeriod"/>
+            </a:pPr>
+            <a:r>
+              <a:rPr lang="en-US" sz="1400" dirty="0"/>
+              <a:t>TGW routes internet traffic -&gt; Inspection VPC</a:t>
+            </a:r>
+          </a:p>
+          <a:p>
+            <a:pPr marL="342900" indent="-342900">
+              <a:buFont typeface="+mj-lt"/>
+              <a:buAutoNum type="arabicPeriod"/>
+            </a:pPr>
+            <a:r>
+              <a:rPr lang="en-US" sz="1400" dirty="0"/>
+              <a:t>Inspection VPC -&gt; Firewall -&gt; NAT -&gt; Internet</a:t>
+            </a:r>
+          </a:p>
+          <a:p>
+            <a:endParaRPr lang="en-US" sz="1400" dirty="0"/>
+          </a:p>
+          <a:p>
+            <a:r>
+              <a:rPr lang="en-US" sz="1400" b="1" dirty="0"/>
+              <a:t>TRAFFIC FLOW (Outbound Internet):</a:t>
+            </a:r>
+          </a:p>
+          <a:p>
+            <a:endParaRPr lang="en-US" sz="1400" dirty="0"/>
+          </a:p>
+          <a:p>
+            <a:r>
+              <a:rPr lang="en-US" sz="1400" dirty="0"/>
+              <a:t>EC2 in Prod VPC wants to reach google.com (8.8.8.8)</a:t>
+            </a:r>
+          </a:p>
+          <a:p>
+            <a:pPr marL="342900" indent="-342900">
+              <a:buFont typeface="+mj-lt"/>
+              <a:buAutoNum type="arabicPeriod"/>
+            </a:pPr>
+            <a:r>
+              <a:rPr lang="en-US" sz="1400" dirty="0"/>
+              <a:t>EC2 -&gt; Default route 0.0.0.0/0 via TGW</a:t>
+            </a:r>
+          </a:p>
+          <a:p>
+            <a:pPr marL="342900" indent="-342900">
+              <a:buFont typeface="+mj-lt"/>
+              <a:buAutoNum type="arabicPeriod"/>
+            </a:pPr>
+            <a:r>
+              <a:rPr lang="en-US" sz="1400" dirty="0"/>
+              <a:t>TGW -&gt; Routes to Inspection VPC</a:t>
+            </a:r>
+          </a:p>
+          <a:p>
+            <a:pPr marL="342900" indent="-342900">
+              <a:buFont typeface="+mj-lt"/>
+              <a:buAutoNum type="arabicPeriod"/>
+            </a:pPr>
+            <a:r>
+              <a:rPr lang="en-US" sz="1400" dirty="0"/>
+              <a:t>Inspection VPC -&gt; AWS Network Firewall checks:</a:t>
+            </a:r>
+          </a:p>
+          <a:p>
+            <a:pPr marL="742950" lvl="1" indent="-285750">
+              <a:buFont typeface="Arial" panose="020B0604020202020204" pitchFamily="34" charset="0"/>
+              <a:buChar char="•"/>
+            </a:pPr>
+            <a:r>
+              <a:rPr lang="en-US" sz="1400" dirty="0"/>
+              <a:t>Domain: google.com ✅ allowed</a:t>
+            </a:r>
+          </a:p>
+          <a:p>
+            <a:pPr marL="342900" indent="-342900">
+              <a:buFont typeface="+mj-lt"/>
+              <a:buAutoNum type="arabicPeriod"/>
+            </a:pPr>
+            <a:r>
+              <a:rPr lang="en-US" sz="1400" dirty="0"/>
+              <a:t>Firewall -&gt; NAT Gateway -&gt; Internet Gateway -&gt; Google</a:t>
+            </a:r>
+          </a:p>
+          <a:p>
+            <a:pPr marL="342900" indent="-342900">
+              <a:buFont typeface="+mj-lt"/>
+              <a:buAutoNum type="arabicPeriod"/>
+            </a:pPr>
+            <a:r>
+              <a:rPr lang="en-US" sz="1400" dirty="0"/>
+              <a:t>Response: Google -&gt; IGW -&gt; NAT -&gt; Firewall -&gt; TGW -&gt; Prod VPC -&gt; EC2</a:t>
+            </a:r>
+          </a:p>
+          <a:p>
+            <a:endParaRPr lang="en-US" sz="1400" dirty="0"/>
+          </a:p>
+          <a:p>
+            <a:r>
+              <a:rPr lang="en-US" sz="1400" dirty="0"/>
+              <a:t>BLOCKED EXAMPLE:</a:t>
+            </a:r>
+          </a:p>
+          <a:p>
+            <a:r>
+              <a:rPr lang="en-US" sz="1400" dirty="0"/>
+              <a:t>EC2 tries to reach crypto-miner.evil.com</a:t>
+            </a:r>
+          </a:p>
+          <a:p>
+            <a:pPr marL="342900" indent="-342900">
+              <a:buFont typeface="+mj-lt"/>
+              <a:buAutoNum type="arabicPeriod"/>
+            </a:pPr>
+            <a:r>
+              <a:rPr lang="en-US" sz="1400" dirty="0"/>
+              <a:t>EC2 -&gt; TGW -&gt; Inspection VPC -&gt; Firewall</a:t>
+            </a:r>
+          </a:p>
+          <a:p>
+            <a:pPr marL="342900" indent="-342900">
+              <a:buFont typeface="+mj-lt"/>
+              <a:buAutoNum type="arabicPeriod"/>
+            </a:pPr>
+            <a:r>
+              <a:rPr lang="en-US" sz="1400" dirty="0"/>
+              <a:t>Firewall checks domain list: crypto-miner.evil.com ❌ BLOCKED</a:t>
+            </a:r>
+          </a:p>
+          <a:p>
+            <a:pPr marL="342900" indent="-342900">
+              <a:buFont typeface="+mj-lt"/>
+              <a:buAutoNum type="arabicPeriod"/>
+            </a:pPr>
+            <a:r>
+              <a:rPr lang="en-US" sz="1400" dirty="0"/>
+              <a:t>Connection dropped, logged, alert sent to security team</a:t>
+            </a:r>
+          </a:p>
+        </p:txBody>
+      </p:sp>
+    </p:spTree>
+    <p:extLst>
+      <p:ext uri="{BB962C8B-B14F-4D97-AF65-F5344CB8AC3E}">
+        <p14:creationId xmlns:p14="http://schemas.microsoft.com/office/powerpoint/2010/main" val="709749655"/>
+      </p:ext>
+    </p:extLst>
+  </p:cSld>
+  <p:clrMapOvr>
+    <a:masterClrMapping/>
+  </p:clrMapOvr>
+</p:sld>
+</file>
+
+<file path=ppt/slides/slide26.xml><?xml version="1.0" encoding="utf-8"?>
+<p:sld xmlns:a="http://schemas.openxmlformats.org/drawingml/2006/main" xmlns:r="http://schemas.openxmlformats.org/officeDocument/2006/relationships" xmlns:p="http://schemas.openxmlformats.org/presentationml/2006/main">
+  <p:cSld>
+    <p:spTree>
+      <p:nvGrpSpPr>
+        <p:cNvPr id="1" name="">
+          <a:extLst>
+            <a:ext uri="{FF2B5EF4-FFF2-40B4-BE49-F238E27FC236}">
+              <a16:creationId xmlns:a16="http://schemas.microsoft.com/office/drawing/2014/main" id="{46F01307-0964-6431-89BF-B184D1CAEA17}"/>
+            </a:ext>
+          </a:extLst>
+        </p:cNvPr>
+        <p:cNvGrpSpPr/>
+        <p:nvPr/>
+      </p:nvGrpSpPr>
+      <p:grpSpPr>
+        <a:xfrm>
+          <a:off x="0" y="0"/>
+          <a:ext cx="0" cy="0"/>
+          <a:chOff x="0" y="0"/>
+          <a:chExt cx="0" cy="0"/>
+        </a:xfrm>
+      </p:grpSpPr>
+      <p:sp>
+        <p:nvSpPr>
+          <p:cNvPr id="2" name="TextBox 1">
+            <a:extLst>
+              <a:ext uri="{FF2B5EF4-FFF2-40B4-BE49-F238E27FC236}">
+                <a16:creationId xmlns:a16="http://schemas.microsoft.com/office/drawing/2014/main" id="{EEA762EB-7746-C7B7-5273-152185BD9BD5}"/>
+              </a:ext>
+            </a:extLst>
+          </p:cNvPr>
+          <p:cNvSpPr txBox="1"/>
+          <p:nvPr/>
+        </p:nvSpPr>
+        <p:spPr>
+          <a:xfrm>
+            <a:off x="655546" y="252549"/>
+            <a:ext cx="11329625" cy="646331"/>
+          </a:xfrm>
+          <a:prstGeom prst="rect">
+            <a:avLst/>
+          </a:prstGeom>
+          <a:noFill/>
+        </p:spPr>
+        <p:txBody>
+          <a:bodyPr wrap="square">
+            <a:spAutoFit/>
+          </a:bodyPr>
+          <a:lstStyle/>
+          <a:p>
+            <a:pPr>
+              <a:defRPr sz="3600" b="1">
+                <a:solidFill>
+                  <a:srgbClr val="232F3E"/>
+                </a:solidFill>
+              </a:defRPr>
+            </a:pPr>
+            <a:r>
+              <a:rPr lang="en-IN" dirty="0"/>
+              <a:t>Transit Gateway Architecture Patterns</a:t>
+            </a:r>
+            <a:endParaRPr sz="3600" dirty="0"/>
+          </a:p>
+        </p:txBody>
+      </p:sp>
+      <p:sp>
+        <p:nvSpPr>
+          <p:cNvPr id="3" name="TextBox 2">
+            <a:extLst>
+              <a:ext uri="{FF2B5EF4-FFF2-40B4-BE49-F238E27FC236}">
+                <a16:creationId xmlns:a16="http://schemas.microsoft.com/office/drawing/2014/main" id="{86A34A75-8E4E-F064-C91F-5B048B17D52E}"/>
+              </a:ext>
+            </a:extLst>
+          </p:cNvPr>
+          <p:cNvSpPr txBox="1"/>
+          <p:nvPr/>
+        </p:nvSpPr>
+        <p:spPr>
+          <a:xfrm>
+            <a:off x="764404" y="1100902"/>
+            <a:ext cx="5455643" cy="2644250"/>
+          </a:xfrm>
+          <a:prstGeom prst="rect">
+            <a:avLst/>
+          </a:prstGeom>
+          <a:noFill/>
+        </p:spPr>
+        <p:txBody>
+          <a:bodyPr wrap="square">
+            <a:spAutoFit/>
+          </a:bodyPr>
+          <a:lstStyle/>
+          <a:p>
+            <a:pPr>
+              <a:lnSpc>
+                <a:spcPct val="150000"/>
+              </a:lnSpc>
+            </a:pPr>
+            <a:r>
+              <a:rPr lang="en-US" sz="1400" b="1" dirty="0"/>
+              <a:t>Pattern 4: Multi-Region with Peering</a:t>
+            </a:r>
+          </a:p>
+          <a:p>
+            <a:pPr>
+              <a:lnSpc>
+                <a:spcPct val="150000"/>
+              </a:lnSpc>
+            </a:pPr>
+            <a:r>
+              <a:rPr lang="en-US" sz="1400" dirty="0"/>
+              <a:t>Transit Gateways in different regions connected via transit gateway peering for global connectivity.</a:t>
+            </a:r>
+          </a:p>
+          <a:p>
+            <a:pPr>
+              <a:lnSpc>
+                <a:spcPct val="150000"/>
+              </a:lnSpc>
+            </a:pPr>
+            <a:r>
+              <a:rPr lang="en-US" sz="1400" b="1" dirty="0"/>
+              <a:t>EXAMPLE:</a:t>
+            </a:r>
+          </a:p>
+          <a:p>
+            <a:pPr>
+              <a:lnSpc>
+                <a:spcPct val="150000"/>
+              </a:lnSpc>
+            </a:pPr>
+            <a:r>
+              <a:rPr lang="en-US" sz="1400" dirty="0"/>
+              <a:t>Global company with:</a:t>
+            </a:r>
+          </a:p>
+          <a:p>
+            <a:pPr marL="285750" indent="-285750">
+              <a:lnSpc>
+                <a:spcPct val="150000"/>
+              </a:lnSpc>
+              <a:buFont typeface="Arial" panose="020B0604020202020204" pitchFamily="34" charset="0"/>
+              <a:buChar char="•"/>
+            </a:pPr>
+            <a:r>
+              <a:rPr lang="en-US" sz="1400" dirty="0"/>
+              <a:t>US region: Customer data for US users</a:t>
+            </a:r>
+          </a:p>
+          <a:p>
+            <a:pPr marL="285750" indent="-285750">
+              <a:lnSpc>
+                <a:spcPct val="150000"/>
+              </a:lnSpc>
+              <a:buFont typeface="Arial" panose="020B0604020202020204" pitchFamily="34" charset="0"/>
+              <a:buChar char="•"/>
+            </a:pPr>
+            <a:r>
+              <a:rPr lang="en-US" sz="1400" dirty="0"/>
+              <a:t>EU region: Customer data for EU users (GDPR)</a:t>
+            </a:r>
+          </a:p>
+          <a:p>
+            <a:pPr marL="285750" indent="-285750">
+              <a:lnSpc>
+                <a:spcPct val="150000"/>
+              </a:lnSpc>
+              <a:buFont typeface="Arial" panose="020B0604020202020204" pitchFamily="34" charset="0"/>
+              <a:buChar char="•"/>
+            </a:pPr>
+            <a:r>
+              <a:rPr lang="en-US" sz="1400" dirty="0"/>
+              <a:t>Need: US app can query EU data for global reports</a:t>
+            </a:r>
+          </a:p>
+        </p:txBody>
+      </p:sp>
+      <p:sp>
+        <p:nvSpPr>
+          <p:cNvPr id="6" name="TextBox 5">
+            <a:extLst>
+              <a:ext uri="{FF2B5EF4-FFF2-40B4-BE49-F238E27FC236}">
+                <a16:creationId xmlns:a16="http://schemas.microsoft.com/office/drawing/2014/main" id="{25163274-A77E-3CB6-ADCE-9FE3CD1130A0}"/>
+              </a:ext>
+            </a:extLst>
+          </p:cNvPr>
+          <p:cNvSpPr txBox="1"/>
+          <p:nvPr/>
+        </p:nvSpPr>
+        <p:spPr>
+          <a:xfrm>
+            <a:off x="6220047" y="1233377"/>
+            <a:ext cx="5765124" cy="4401205"/>
+          </a:xfrm>
+          <a:prstGeom prst="rect">
+            <a:avLst/>
+          </a:prstGeom>
+          <a:noFill/>
+        </p:spPr>
+        <p:txBody>
+          <a:bodyPr wrap="square" rtlCol="0">
+            <a:spAutoFit/>
+          </a:bodyPr>
+          <a:lstStyle/>
+          <a:p>
+            <a:r>
+              <a:rPr lang="en-IN" sz="1400" b="1" dirty="0"/>
+              <a:t>Implementation Steps:</a:t>
+            </a:r>
+          </a:p>
+          <a:p>
+            <a:endParaRPr lang="en-IN" sz="1400" b="1" dirty="0"/>
+          </a:p>
+          <a:p>
+            <a:pPr marL="342900" indent="-342900">
+              <a:buFont typeface="+mj-lt"/>
+              <a:buAutoNum type="arabicPeriod"/>
+            </a:pPr>
+            <a:r>
+              <a:rPr lang="en-IN" sz="1400" dirty="0"/>
+              <a:t>TGW in us-east-1 with US VPCs attached</a:t>
+            </a:r>
+          </a:p>
+          <a:p>
+            <a:pPr marL="342900" indent="-342900">
+              <a:buFont typeface="+mj-lt"/>
+              <a:buAutoNum type="arabicPeriod"/>
+            </a:pPr>
+            <a:r>
+              <a:rPr lang="en-IN" sz="1400" dirty="0"/>
+              <a:t>TGW in eu-west-1 with EU VPCs attached</a:t>
+            </a:r>
+          </a:p>
+          <a:p>
+            <a:pPr marL="342900" indent="-342900">
+              <a:buFont typeface="+mj-lt"/>
+              <a:buAutoNum type="arabicPeriod"/>
+            </a:pPr>
+            <a:r>
+              <a:rPr lang="en-IN" sz="1400" dirty="0"/>
+              <a:t>Create TGW Peering Attachment: TGW-US &lt;-&gt; TGW-EU</a:t>
+            </a:r>
+          </a:p>
+          <a:p>
+            <a:pPr marL="342900" indent="-342900">
+              <a:buFont typeface="+mj-lt"/>
+              <a:buAutoNum type="arabicPeriod"/>
+            </a:pPr>
+            <a:r>
+              <a:rPr lang="en-IN" sz="1400" dirty="0"/>
+              <a:t>Add routes:</a:t>
+            </a:r>
+          </a:p>
+          <a:p>
+            <a:pPr marL="742950" lvl="1" indent="-285750">
+              <a:buFont typeface="Arial" panose="020B0604020202020204" pitchFamily="34" charset="0"/>
+              <a:buChar char="•"/>
+            </a:pPr>
+            <a:r>
+              <a:rPr lang="en-IN" sz="1400" dirty="0"/>
+              <a:t>TGW-US: EU CIDR (172.16.0.0/12) -&gt; TGW Peering</a:t>
+            </a:r>
+          </a:p>
+          <a:p>
+            <a:pPr marL="742950" lvl="1" indent="-285750">
+              <a:buFont typeface="Arial" panose="020B0604020202020204" pitchFamily="34" charset="0"/>
+              <a:buChar char="•"/>
+            </a:pPr>
+            <a:r>
+              <a:rPr lang="en-IN" sz="1400" dirty="0"/>
+              <a:t>TGW-EU: US CIDR (10.0.0.0/8) -&gt; TGW Peering</a:t>
+            </a:r>
+          </a:p>
+          <a:p>
+            <a:endParaRPr lang="en-IN" sz="1400" b="1" dirty="0"/>
+          </a:p>
+          <a:p>
+            <a:r>
+              <a:rPr lang="en-IN" sz="1400" b="1" dirty="0"/>
+              <a:t>TRAFFIC FLOW:</a:t>
+            </a:r>
+          </a:p>
+          <a:p>
+            <a:endParaRPr lang="en-IN" sz="1400" b="1" dirty="0"/>
+          </a:p>
+          <a:p>
+            <a:r>
+              <a:rPr lang="en-IN" sz="1400" dirty="0"/>
+              <a:t>Analytics server in US (10.0.1.5) queries EU database (172.16.1.10)</a:t>
+            </a:r>
+          </a:p>
+          <a:p>
+            <a:endParaRPr lang="en-IN" sz="1400" dirty="0"/>
+          </a:p>
+          <a:p>
+            <a:pPr marL="285750" indent="-285750">
+              <a:buFont typeface="Arial" panose="020B0604020202020204" pitchFamily="34" charset="0"/>
+              <a:buChar char="•"/>
+            </a:pPr>
+            <a:r>
+              <a:rPr lang="en-IN" sz="1400" dirty="0"/>
+              <a:t>US EC2 (10.0.1.5) -&gt; Route: 172.16.0.0/12 via TGW-US</a:t>
+            </a:r>
+          </a:p>
+          <a:p>
+            <a:pPr marL="285750" indent="-285750">
+              <a:buFont typeface="Arial" panose="020B0604020202020204" pitchFamily="34" charset="0"/>
+              <a:buChar char="•"/>
+            </a:pPr>
+            <a:r>
+              <a:rPr lang="en-IN" sz="1400" dirty="0"/>
+              <a:t>TGW-US -&gt; Route to EU via peering -&gt; TGW-EU</a:t>
+            </a:r>
+          </a:p>
+          <a:p>
+            <a:pPr marL="285750" indent="-285750">
+              <a:buFont typeface="Arial" panose="020B0604020202020204" pitchFamily="34" charset="0"/>
+              <a:buChar char="•"/>
+            </a:pPr>
+            <a:r>
+              <a:rPr lang="en-IN" sz="1400" dirty="0"/>
+              <a:t>TGW-EU -&gt; Routes to EU Prod VPC</a:t>
+            </a:r>
+          </a:p>
+          <a:p>
+            <a:pPr marL="285750" indent="-285750">
+              <a:buFont typeface="Arial" panose="020B0604020202020204" pitchFamily="34" charset="0"/>
+              <a:buChar char="•"/>
+            </a:pPr>
+            <a:r>
+              <a:rPr lang="en-IN" sz="1400" dirty="0"/>
+              <a:t>EU Database (172.16.1.10) receives query</a:t>
+            </a:r>
+          </a:p>
+          <a:p>
+            <a:pPr marL="285750" indent="-285750">
+              <a:buFont typeface="Arial" panose="020B0604020202020204" pitchFamily="34" charset="0"/>
+              <a:buChar char="•"/>
+            </a:pPr>
+            <a:r>
+              <a:rPr lang="en-IN" sz="1400" dirty="0"/>
+              <a:t>Response follows same path back</a:t>
+            </a:r>
+          </a:p>
+          <a:p>
+            <a:endParaRPr lang="en-IN" sz="1400" dirty="0"/>
+          </a:p>
+          <a:p>
+            <a:r>
+              <a:rPr lang="en-IN" sz="1400" dirty="0"/>
+              <a:t>LATENCY: ~100-150ms (US &lt;-&gt; EU)</a:t>
+            </a:r>
+          </a:p>
+        </p:txBody>
+      </p:sp>
+      <p:pic>
+        <p:nvPicPr>
+          <p:cNvPr id="7" name="Picture 6">
+            <a:extLst>
+              <a:ext uri="{FF2B5EF4-FFF2-40B4-BE49-F238E27FC236}">
+                <a16:creationId xmlns:a16="http://schemas.microsoft.com/office/drawing/2014/main" id="{CFB3C5CF-667A-6ACD-CC0E-68C5C72368E0}"/>
+              </a:ext>
+            </a:extLst>
+          </p:cNvPr>
+          <p:cNvPicPr>
+            <a:picLocks noChangeAspect="1"/>
+          </p:cNvPicPr>
+          <p:nvPr/>
+        </p:nvPicPr>
+        <p:blipFill>
+          <a:blip r:embed="rId2"/>
+          <a:stretch>
+            <a:fillRect/>
+          </a:stretch>
+        </p:blipFill>
+        <p:spPr>
+          <a:xfrm>
+            <a:off x="1009491" y="4064132"/>
+            <a:ext cx="4047657" cy="1996426"/>
+          </a:xfrm>
+          <a:prstGeom prst="rect">
+            <a:avLst/>
+          </a:prstGeom>
+        </p:spPr>
+      </p:pic>
+    </p:spTree>
+    <p:extLst>
+      <p:ext uri="{BB962C8B-B14F-4D97-AF65-F5344CB8AC3E}">
+        <p14:creationId xmlns:p14="http://schemas.microsoft.com/office/powerpoint/2010/main" val="1705802792"/>
+      </p:ext>
+    </p:extLst>
+  </p:cSld>
+  <p:clrMapOvr>
+    <a:masterClrMapping/>
+  </p:clrMapOvr>
+</p:sld>
+</file>
+
+<file path=ppt/slides/slide27.xml><?xml version="1.0" encoding="utf-8"?>
+<p:sld xmlns:a="http://schemas.openxmlformats.org/drawingml/2006/main" xmlns:r="http://schemas.openxmlformats.org/officeDocument/2006/relationships" xmlns:p="http://schemas.openxmlformats.org/presentationml/2006/main">
+  <p:cSld>
+    <p:spTree>
+      <p:nvGrpSpPr>
+        <p:cNvPr id="1" name="">
+          <a:extLst>
+            <a:ext uri="{FF2B5EF4-FFF2-40B4-BE49-F238E27FC236}">
+              <a16:creationId xmlns:a16="http://schemas.microsoft.com/office/drawing/2014/main" id="{3FC68F5D-C6AA-0013-0608-517AADEB18BF}"/>
+            </a:ext>
+          </a:extLst>
+        </p:cNvPr>
+        <p:cNvGrpSpPr/>
+        <p:nvPr/>
+      </p:nvGrpSpPr>
+      <p:grpSpPr>
+        <a:xfrm>
+          <a:off x="0" y="0"/>
+          <a:ext cx="0" cy="0"/>
+          <a:chOff x="0" y="0"/>
+          <a:chExt cx="0" cy="0"/>
+        </a:xfrm>
+      </p:grpSpPr>
+      <p:sp>
+        <p:nvSpPr>
+          <p:cNvPr id="2" name="TextBox 1">
+            <a:extLst>
+              <a:ext uri="{FF2B5EF4-FFF2-40B4-BE49-F238E27FC236}">
+                <a16:creationId xmlns:a16="http://schemas.microsoft.com/office/drawing/2014/main" id="{86B0022E-FC7B-BC08-6A7C-D54C98F57B24}"/>
+              </a:ext>
+            </a:extLst>
+          </p:cNvPr>
+          <p:cNvSpPr txBox="1"/>
+          <p:nvPr/>
+        </p:nvSpPr>
+        <p:spPr>
+          <a:xfrm>
+            <a:off x="655546" y="252549"/>
+            <a:ext cx="11329625" cy="646331"/>
+          </a:xfrm>
+          <a:prstGeom prst="rect">
+            <a:avLst/>
+          </a:prstGeom>
+          <a:noFill/>
+        </p:spPr>
+        <p:txBody>
+          <a:bodyPr wrap="square">
+            <a:spAutoFit/>
+          </a:bodyPr>
+          <a:lstStyle/>
+          <a:p>
+            <a:pPr>
+              <a:defRPr sz="3600" b="1">
+                <a:solidFill>
+                  <a:srgbClr val="232F3E"/>
+                </a:solidFill>
+              </a:defRPr>
+            </a:pPr>
+            <a:r>
+              <a:rPr lang="en-US" dirty="0"/>
+              <a:t>AWS Security Hub - Central Security Account</a:t>
+            </a:r>
+            <a:endParaRPr sz="3600" dirty="0"/>
+          </a:p>
+        </p:txBody>
+      </p:sp>
+      <p:sp>
+        <p:nvSpPr>
+          <p:cNvPr id="3" name="TextBox 2">
+            <a:extLst>
+              <a:ext uri="{FF2B5EF4-FFF2-40B4-BE49-F238E27FC236}">
+                <a16:creationId xmlns:a16="http://schemas.microsoft.com/office/drawing/2014/main" id="{97ADFB7E-3039-01A4-6100-7C24D582D768}"/>
+              </a:ext>
+            </a:extLst>
+          </p:cNvPr>
+          <p:cNvSpPr txBox="1"/>
+          <p:nvPr/>
+        </p:nvSpPr>
+        <p:spPr>
+          <a:xfrm>
+            <a:off x="764403" y="1143432"/>
+            <a:ext cx="10230167" cy="4583242"/>
+          </a:xfrm>
+          <a:prstGeom prst="rect">
+            <a:avLst/>
+          </a:prstGeom>
+          <a:noFill/>
+        </p:spPr>
+        <p:txBody>
+          <a:bodyPr wrap="square">
+            <a:spAutoFit/>
+          </a:bodyPr>
+          <a:lstStyle/>
+          <a:p>
+            <a:pPr>
+              <a:lnSpc>
+                <a:spcPct val="150000"/>
+              </a:lnSpc>
+            </a:pPr>
+            <a:r>
+              <a:rPr lang="en-US" sz="1400" b="1" dirty="0"/>
+              <a:t>Centralized security findings across all AWS accounts</a:t>
+            </a:r>
+          </a:p>
+          <a:p>
+            <a:pPr>
+              <a:lnSpc>
+                <a:spcPct val="150000"/>
+              </a:lnSpc>
+            </a:pPr>
+            <a:endParaRPr lang="en-US" sz="1400" b="1" dirty="0"/>
+          </a:p>
+          <a:p>
+            <a:pPr>
+              <a:lnSpc>
+                <a:spcPct val="150000"/>
+              </a:lnSpc>
+            </a:pPr>
+            <a:r>
+              <a:rPr lang="en-US" sz="1400" b="1" dirty="0"/>
+              <a:t>What Security Hub Aggregates:</a:t>
+            </a:r>
+          </a:p>
+          <a:p>
+            <a:pPr marL="285750" indent="-285750">
+              <a:lnSpc>
+                <a:spcPct val="150000"/>
+              </a:lnSpc>
+              <a:buFont typeface="Arial" panose="020B0604020202020204" pitchFamily="34" charset="0"/>
+              <a:buChar char="•"/>
+            </a:pPr>
+            <a:r>
+              <a:rPr lang="en-US" sz="1400" dirty="0" err="1"/>
+              <a:t>GuardDuty</a:t>
+            </a:r>
+            <a:r>
+              <a:rPr lang="en-US" sz="1400" dirty="0"/>
+              <a:t>: Threat detection findings</a:t>
+            </a:r>
+          </a:p>
+          <a:p>
+            <a:pPr marL="285750" indent="-285750">
+              <a:lnSpc>
+                <a:spcPct val="150000"/>
+              </a:lnSpc>
+              <a:buFont typeface="Arial" panose="020B0604020202020204" pitchFamily="34" charset="0"/>
+              <a:buChar char="•"/>
+            </a:pPr>
+            <a:r>
+              <a:rPr lang="en-US" sz="1400" dirty="0"/>
+              <a:t>Inspector: Vulnerability scan results</a:t>
+            </a:r>
+          </a:p>
+          <a:p>
+            <a:pPr marL="285750" indent="-285750">
+              <a:lnSpc>
+                <a:spcPct val="150000"/>
+              </a:lnSpc>
+              <a:buFont typeface="Arial" panose="020B0604020202020204" pitchFamily="34" charset="0"/>
+              <a:buChar char="•"/>
+            </a:pPr>
+            <a:r>
+              <a:rPr lang="en-US" sz="1400" dirty="0"/>
+              <a:t>Macie: Sensitive data discovery</a:t>
+            </a:r>
+          </a:p>
+          <a:p>
+            <a:pPr marL="285750" indent="-285750">
+              <a:lnSpc>
+                <a:spcPct val="150000"/>
+              </a:lnSpc>
+              <a:buFont typeface="Arial" panose="020B0604020202020204" pitchFamily="34" charset="0"/>
+              <a:buChar char="•"/>
+            </a:pPr>
+            <a:r>
+              <a:rPr lang="en-US" sz="1400" dirty="0"/>
+              <a:t>AWS Config: Compliance violations</a:t>
+            </a:r>
+          </a:p>
+          <a:p>
+            <a:pPr marL="285750" indent="-285750">
+              <a:lnSpc>
+                <a:spcPct val="150000"/>
+              </a:lnSpc>
+              <a:buFont typeface="Arial" panose="020B0604020202020204" pitchFamily="34" charset="0"/>
+              <a:buChar char="•"/>
+            </a:pPr>
+            <a:r>
+              <a:rPr lang="en-US" sz="1400" dirty="0"/>
+              <a:t>IAM Access Analyzer: Permission issues</a:t>
+            </a:r>
+          </a:p>
+          <a:p>
+            <a:pPr>
+              <a:lnSpc>
+                <a:spcPct val="150000"/>
+              </a:lnSpc>
+            </a:pPr>
+            <a:endParaRPr lang="en-US" sz="1400" b="1" dirty="0"/>
+          </a:p>
+          <a:p>
+            <a:pPr>
+              <a:lnSpc>
+                <a:spcPct val="150000"/>
+              </a:lnSpc>
+            </a:pPr>
+            <a:r>
+              <a:rPr lang="en-US" sz="1400" b="1" dirty="0"/>
+              <a:t>Security Standards:</a:t>
+            </a:r>
+          </a:p>
+          <a:p>
+            <a:pPr marL="285750" indent="-285750">
+              <a:lnSpc>
+                <a:spcPct val="150000"/>
+              </a:lnSpc>
+              <a:buFont typeface="Arial" panose="020B0604020202020204" pitchFamily="34" charset="0"/>
+              <a:buChar char="•"/>
+            </a:pPr>
+            <a:r>
+              <a:rPr lang="en-US" sz="1400" dirty="0"/>
+              <a:t>AWS Foundational Security Best Practices (200+ checks)</a:t>
+            </a:r>
+          </a:p>
+          <a:p>
+            <a:pPr marL="285750" indent="-285750">
+              <a:lnSpc>
+                <a:spcPct val="150000"/>
+              </a:lnSpc>
+              <a:buFont typeface="Arial" panose="020B0604020202020204" pitchFamily="34" charset="0"/>
+              <a:buChar char="•"/>
+            </a:pPr>
+            <a:r>
+              <a:rPr lang="en-US" sz="1400" dirty="0"/>
+              <a:t>CIS AWS Foundations Benchmark</a:t>
+            </a:r>
+          </a:p>
+          <a:p>
+            <a:pPr marL="285750" indent="-285750">
+              <a:lnSpc>
+                <a:spcPct val="150000"/>
+              </a:lnSpc>
+              <a:buFont typeface="Arial" panose="020B0604020202020204" pitchFamily="34" charset="0"/>
+              <a:buChar char="•"/>
+            </a:pPr>
+            <a:r>
+              <a:rPr lang="en-US" sz="1400" dirty="0"/>
+              <a:t>PCI DSS v3.2.1</a:t>
+            </a:r>
+          </a:p>
+          <a:p>
+            <a:pPr marL="285750" indent="-285750">
+              <a:lnSpc>
+                <a:spcPct val="150000"/>
+              </a:lnSpc>
+              <a:buFont typeface="Arial" panose="020B0604020202020204" pitchFamily="34" charset="0"/>
+              <a:buChar char="•"/>
+            </a:pPr>
+            <a:r>
+              <a:rPr lang="en-US" sz="1400" dirty="0"/>
+              <a:t>NIST 800-53</a:t>
+            </a:r>
+          </a:p>
+        </p:txBody>
+      </p:sp>
+    </p:spTree>
+    <p:extLst>
+      <p:ext uri="{BB962C8B-B14F-4D97-AF65-F5344CB8AC3E}">
+        <p14:creationId xmlns:p14="http://schemas.microsoft.com/office/powerpoint/2010/main" val="2141564103"/>
+      </p:ext>
+    </p:extLst>
+  </p:cSld>
+  <p:clrMapOvr>
+    <a:masterClrMapping/>
+  </p:clrMapOvr>
+</p:sld>
+</file>
+
+<file path=ppt/slides/slide28.xml><?xml version="1.0" encoding="utf-8"?>
+<p:sld xmlns:a="http://schemas.openxmlformats.org/drawingml/2006/main" xmlns:r="http://schemas.openxmlformats.org/officeDocument/2006/relationships" xmlns:p="http://schemas.openxmlformats.org/presentationml/2006/main">
+  <p:cSld>
+    <p:spTree>
+      <p:nvGrpSpPr>
+        <p:cNvPr id="1" name="">
+          <a:extLst>
+            <a:ext uri="{FF2B5EF4-FFF2-40B4-BE49-F238E27FC236}">
+              <a16:creationId xmlns:a16="http://schemas.microsoft.com/office/drawing/2014/main" id="{1F5E4327-51D1-DA46-D36E-B6402962CD5C}"/>
+            </a:ext>
+          </a:extLst>
+        </p:cNvPr>
+        <p:cNvGrpSpPr/>
+        <p:nvPr/>
+      </p:nvGrpSpPr>
+      <p:grpSpPr>
+        <a:xfrm>
+          <a:off x="0" y="0"/>
+          <a:ext cx="0" cy="0"/>
+          <a:chOff x="0" y="0"/>
+          <a:chExt cx="0" cy="0"/>
+        </a:xfrm>
+      </p:grpSpPr>
+      <p:sp>
+        <p:nvSpPr>
+          <p:cNvPr id="2" name="TextBox 1">
+            <a:extLst>
+              <a:ext uri="{FF2B5EF4-FFF2-40B4-BE49-F238E27FC236}">
+                <a16:creationId xmlns:a16="http://schemas.microsoft.com/office/drawing/2014/main" id="{CD379F46-2F4E-CB29-09B2-40FDDBAFA3BA}"/>
+              </a:ext>
+            </a:extLst>
+          </p:cNvPr>
+          <p:cNvSpPr txBox="1"/>
+          <p:nvPr/>
+        </p:nvSpPr>
+        <p:spPr>
+          <a:xfrm>
+            <a:off x="655546" y="252549"/>
+            <a:ext cx="11329625" cy="646331"/>
+          </a:xfrm>
+          <a:prstGeom prst="rect">
+            <a:avLst/>
+          </a:prstGeom>
+          <a:noFill/>
+        </p:spPr>
+        <p:txBody>
+          <a:bodyPr wrap="square">
+            <a:spAutoFit/>
+          </a:bodyPr>
+          <a:lstStyle/>
+          <a:p>
+            <a:pPr>
+              <a:defRPr sz="3600" b="1">
+                <a:solidFill>
+                  <a:srgbClr val="232F3E"/>
+                </a:solidFill>
+              </a:defRPr>
+            </a:pPr>
+            <a:r>
+              <a:rPr lang="en-IN" dirty="0"/>
+              <a:t>Security Hub - Key Features</a:t>
+            </a:r>
+            <a:endParaRPr sz="3600" dirty="0"/>
+          </a:p>
+        </p:txBody>
+      </p:sp>
+      <p:sp>
+        <p:nvSpPr>
+          <p:cNvPr id="3" name="TextBox 2">
+            <a:extLst>
+              <a:ext uri="{FF2B5EF4-FFF2-40B4-BE49-F238E27FC236}">
+                <a16:creationId xmlns:a16="http://schemas.microsoft.com/office/drawing/2014/main" id="{F96C8ABF-BA09-CD1B-F613-38A6C57B5B87}"/>
+              </a:ext>
+            </a:extLst>
+          </p:cNvPr>
+          <p:cNvSpPr txBox="1"/>
+          <p:nvPr/>
+        </p:nvSpPr>
+        <p:spPr>
+          <a:xfrm>
+            <a:off x="764403" y="1143432"/>
+            <a:ext cx="10230167" cy="4583242"/>
+          </a:xfrm>
+          <a:prstGeom prst="rect">
+            <a:avLst/>
+          </a:prstGeom>
+          <a:noFill/>
+        </p:spPr>
+        <p:txBody>
+          <a:bodyPr wrap="square">
+            <a:spAutoFit/>
+          </a:bodyPr>
+          <a:lstStyle/>
+          <a:p>
+            <a:pPr>
+              <a:lnSpc>
+                <a:spcPct val="150000"/>
+              </a:lnSpc>
+            </a:pPr>
+            <a:r>
+              <a:rPr lang="en-US" sz="1400" b="1" dirty="0"/>
+              <a:t>Finding Types:</a:t>
+            </a:r>
+          </a:p>
+          <a:p>
+            <a:pPr marL="285750" indent="-285750">
+              <a:lnSpc>
+                <a:spcPct val="150000"/>
+              </a:lnSpc>
+              <a:buFont typeface="Arial" panose="020B0604020202020204" pitchFamily="34" charset="0"/>
+              <a:buChar char="•"/>
+            </a:pPr>
+            <a:r>
+              <a:rPr lang="en-US" sz="1400" dirty="0"/>
+              <a:t>Critical: S3 bucket public with sensitive data (immediate action)</a:t>
+            </a:r>
+          </a:p>
+          <a:p>
+            <a:pPr marL="285750" indent="-285750">
+              <a:lnSpc>
+                <a:spcPct val="150000"/>
+              </a:lnSpc>
+              <a:buFont typeface="Arial" panose="020B0604020202020204" pitchFamily="34" charset="0"/>
+              <a:buChar char="•"/>
+            </a:pPr>
+            <a:r>
+              <a:rPr lang="en-US" sz="1400" dirty="0"/>
+              <a:t>High: Unencrypted EBS volumes (action required soon)</a:t>
+            </a:r>
+          </a:p>
+          <a:p>
+            <a:pPr marL="285750" indent="-285750">
+              <a:lnSpc>
+                <a:spcPct val="150000"/>
+              </a:lnSpc>
+              <a:buFont typeface="Arial" panose="020B0604020202020204" pitchFamily="34" charset="0"/>
+              <a:buChar char="•"/>
+            </a:pPr>
+            <a:r>
+              <a:rPr lang="en-US" sz="1400" dirty="0"/>
+              <a:t>Medium/Low: Missing tags, old access keys (review and plan)</a:t>
+            </a:r>
+          </a:p>
+          <a:p>
+            <a:pPr>
+              <a:lnSpc>
+                <a:spcPct val="150000"/>
+              </a:lnSpc>
+            </a:pPr>
+            <a:endParaRPr lang="en-US" sz="1400" b="1" dirty="0"/>
+          </a:p>
+          <a:p>
+            <a:pPr>
+              <a:lnSpc>
+                <a:spcPct val="150000"/>
+              </a:lnSpc>
+            </a:pPr>
+            <a:r>
+              <a:rPr lang="en-US" sz="1400" b="1" dirty="0"/>
+              <a:t>Automated Remediation:</a:t>
+            </a:r>
+          </a:p>
+          <a:p>
+            <a:pPr marL="285750" indent="-285750">
+              <a:lnSpc>
+                <a:spcPct val="150000"/>
+              </a:lnSpc>
+              <a:buFont typeface="Arial" panose="020B0604020202020204" pitchFamily="34" charset="0"/>
+              <a:buChar char="•"/>
+            </a:pPr>
+            <a:r>
+              <a:rPr lang="en-US" sz="1400" dirty="0" err="1"/>
+              <a:t>EventBridge</a:t>
+            </a:r>
+            <a:r>
+              <a:rPr lang="en-US" sz="1400" dirty="0"/>
+              <a:t> detects finding -&gt; Lambda remediates</a:t>
+            </a:r>
+          </a:p>
+          <a:p>
+            <a:pPr marL="285750" indent="-285750">
+              <a:lnSpc>
+                <a:spcPct val="150000"/>
+              </a:lnSpc>
+              <a:buFont typeface="Arial" panose="020B0604020202020204" pitchFamily="34" charset="0"/>
+              <a:buChar char="•"/>
+            </a:pPr>
+            <a:r>
+              <a:rPr lang="en-US" sz="1400" dirty="0"/>
+              <a:t>Example: Auto-block public S3 buckets</a:t>
+            </a:r>
+          </a:p>
+          <a:p>
+            <a:pPr marL="285750" indent="-285750">
+              <a:lnSpc>
+                <a:spcPct val="150000"/>
+              </a:lnSpc>
+              <a:buFont typeface="Arial" panose="020B0604020202020204" pitchFamily="34" charset="0"/>
+              <a:buChar char="•"/>
+            </a:pPr>
+            <a:r>
+              <a:rPr lang="en-US" sz="1400" dirty="0"/>
+              <a:t>Example: Auto-revoke overly permissive security groups</a:t>
+            </a:r>
+          </a:p>
+          <a:p>
+            <a:pPr>
+              <a:lnSpc>
+                <a:spcPct val="150000"/>
+              </a:lnSpc>
+            </a:pPr>
+            <a:endParaRPr lang="en-US" sz="1400" b="1" dirty="0"/>
+          </a:p>
+          <a:p>
+            <a:pPr>
+              <a:lnSpc>
+                <a:spcPct val="150000"/>
+              </a:lnSpc>
+            </a:pPr>
+            <a:r>
+              <a:rPr lang="en-US" sz="1400" b="1" dirty="0"/>
+              <a:t>Compliance Reporting:</a:t>
+            </a:r>
+          </a:p>
+          <a:p>
+            <a:pPr marL="285750" indent="-285750">
+              <a:lnSpc>
+                <a:spcPct val="150000"/>
+              </a:lnSpc>
+              <a:buFont typeface="Arial" panose="020B0604020202020204" pitchFamily="34" charset="0"/>
+              <a:buChar char="•"/>
+            </a:pPr>
+            <a:r>
+              <a:rPr lang="en-US" sz="1400" dirty="0"/>
+              <a:t>Organization security score (0-100%)</a:t>
+            </a:r>
+          </a:p>
+          <a:p>
+            <a:pPr marL="285750" indent="-285750">
+              <a:lnSpc>
+                <a:spcPct val="150000"/>
+              </a:lnSpc>
+              <a:buFont typeface="Arial" panose="020B0604020202020204" pitchFamily="34" charset="0"/>
+              <a:buChar char="•"/>
+            </a:pPr>
+            <a:r>
+              <a:rPr lang="en-US" sz="1400" dirty="0"/>
+              <a:t>Compliance status by account, standard, control</a:t>
+            </a:r>
+          </a:p>
+          <a:p>
+            <a:pPr marL="285750" indent="-285750">
+              <a:lnSpc>
+                <a:spcPct val="150000"/>
+              </a:lnSpc>
+              <a:buFont typeface="Arial" panose="020B0604020202020204" pitchFamily="34" charset="0"/>
+              <a:buChar char="•"/>
+            </a:pPr>
+            <a:r>
+              <a:rPr lang="en-US" sz="1400" dirty="0"/>
+              <a:t>Automated monthly reports to stakeholders</a:t>
+            </a:r>
+          </a:p>
+        </p:txBody>
+      </p:sp>
+    </p:spTree>
+    <p:extLst>
+      <p:ext uri="{BB962C8B-B14F-4D97-AF65-F5344CB8AC3E}">
+        <p14:creationId xmlns:p14="http://schemas.microsoft.com/office/powerpoint/2010/main" val="1515317681"/>
+      </p:ext>
+    </p:extLst>
+  </p:cSld>
+  <p:clrMapOvr>
+    <a:masterClrMapping/>
+  </p:clrMapOvr>
+</p:sld>
+</file>
+
 <file path=ppt/slides/slide3.xml><?xml version="1.0" encoding="utf-8"?>
 <p:sld xmlns:a="http://schemas.openxmlformats.org/drawingml/2006/main" xmlns:r="http://schemas.openxmlformats.org/officeDocument/2006/relationships" xmlns:p="http://schemas.openxmlformats.org/presentationml/2006/main">
   <p:cSld>
@@ -10475,7 +15626,7 @@
             </a:pPr>
             <a:r>
               <a:rPr lang="en-US" sz="1400" dirty="0"/>
-              <a:t>Large enterprises: </a:t>
+              <a:t>Large / Global enterprises: </a:t>
             </a:r>
             <a:r>
               <a:rPr lang="en-US" sz="1400" b="1" dirty="0"/>
@@ -10775,7 +15926,7 @@
         </p:nvSpPr>
         <p:spPr>
           <a:xfrm>
-            <a:off x="762001" y="1097280"/>
+            <a:off x="762001" y="1021078"/>
             <a:ext cx="10798628" cy="5709255"/>
           </a:xfrm>
           <a:prstGeom prst="rect">
@@ -11146,7 +16297,7 @@
         <p:spPr>
           <a:xfrm>
             <a:off x="762001" y="1097280"/>
-            <a:ext cx="6106885" cy="4462760"/>
+            <a:ext cx="6106885" cy="4970591"/>
           </a:xfrm>
           <a:prstGeom prst="rect">
             <a:avLst/>
@@ -11313,6 +16464,27 @@
             <a:r>
               <a:rPr lang="en-US" sz="1400" dirty="0"/>
               <a:t> (Logging, Audit, IAM Identity) into a dedicated OU</a:t>
+            </a:r>
+          </a:p>
+          <a:p>
+            <a:pPr marL="285750" indent="-285750">
+              <a:spcBef>
+                <a:spcPts val="600"/>
+              </a:spcBef>
+              <a:buFont typeface="Arial" panose="020B0604020202020204" pitchFamily="34" charset="0"/>
+              <a:buChar char="•"/>
+            </a:pPr>
+            <a:r>
+              <a:rPr lang="en-US" sz="1400" dirty="0"/>
+              <a:t>Move </a:t>
+            </a:r>
+            <a:r>
+              <a:rPr lang="en-US" sz="1400" b="1" dirty="0"/>
+              <a:t>shared services accounts</a:t>
+            </a:r>
+            <a:r>
+              <a:rPr lang="en-US" sz="1400" dirty="0"/>
+              <a:t> (Network, shared service and DevOps accounts) into a dedicated OU</a:t>
             </a:r>
           </a:p>
           <a:p>
@@ -11394,8 +16566,8 @@
         </p:nvSpPr>
         <p:spPr>
           <a:xfrm>
-            <a:off x="7554685" y="1328057"/>
-            <a:ext cx="4060371" cy="4201150"/>
+            <a:off x="7478485" y="543594"/>
+            <a:ext cx="4060371" cy="5770811"/>
           </a:xfrm>
           <a:prstGeom prst="rect">
             <a:avLst/>
@@ -11437,7 +16609,7 @@
             </a:pPr>
             <a:r>
               <a:rPr lang="en-US" sz="1200" dirty="0"/>
-              <a:t>   ├── Production OU</a:t>
+              <a:t>   │── Production OU</a:t>
             </a:r>
           </a:p>
           <a:p>
@@ -11448,7 +16620,7 @@
             </a:pPr>
             <a:r>
               <a:rPr lang="en-US" sz="1200" dirty="0"/>
-              <a:t>   │      ├── prod-app-account</a:t>
+              <a:t>   │      │ ── prod-app-account</a:t>
             </a:r>
           </a:p>
           <a:p>
@@ -11481,7 +16653,7 @@
             </a:pPr>
             <a:r>
               <a:rPr lang="en-US" sz="1200" dirty="0"/>
-              <a:t>   ├── Development OU</a:t>
+              <a:t>   │ ── Development OU</a:t>
             </a:r>
           </a:p>
           <a:p>
@@ -11492,7 +16664,7 @@
             </a:pPr>
             <a:r>
               <a:rPr lang="en-US" sz="1200" dirty="0"/>
-              <a:t>   │      ├── dev-app-account</a:t>
+              <a:t>   │      │ ── dev-app-account</a:t>
             </a:r>
           </a:p>
           <a:p>
@@ -11525,7 +16697,7 @@
             </a:pPr>
             <a:r>
               <a:rPr lang="en-US" sz="1200" dirty="0"/>
-              <a:t>   ├── Security OU</a:t>
+              <a:t>   │ ── Security OU</a:t>
             </a:r>
           </a:p>
           <a:p>
@@ -11536,7 +16708,7 @@
             </a:pPr>
             <a:r>
               <a:rPr lang="en-US" sz="1200" dirty="0"/>
-              <a:t>   │      ├── logging-account</a:t>
+              <a:t>   │       │ ── logging-account</a:t>
             </a:r>
           </a:p>
           <a:p>
@@ -11547,7 +16719,73 @@
             </a:pPr>
             <a:r>
               <a:rPr lang="en-US" sz="1200" dirty="0"/>
-              <a:t>   │      └── audit-account</a:t>
+              <a:t>   │       │ ── backup-account</a:t>
+            </a:r>
+          </a:p>
+          <a:p>
+            <a:pPr>
+              <a:spcBef>
+                <a:spcPts val="600"/>
+              </a:spcBef>
+            </a:pPr>
+            <a:r>
+              <a:rPr lang="en-US" sz="1200" dirty="0"/>
+              <a:t>   │       └── audit-account</a:t>
+            </a:r>
+          </a:p>
+          <a:p>
+            <a:pPr>
+              <a:spcBef>
+                <a:spcPts val="600"/>
+              </a:spcBef>
+            </a:pPr>
+            <a:r>
+              <a:rPr lang="en-US" sz="1200" dirty="0"/>
+              <a:t>   │</a:t>
+            </a:r>
+          </a:p>
+          <a:p>
+            <a:pPr>
+              <a:spcBef>
+                <a:spcPts val="600"/>
+              </a:spcBef>
+            </a:pPr>
+            <a:r>
+              <a:rPr lang="en-US" sz="1200" dirty="0"/>
+              <a:t>   │ ── Infrastructure OU</a:t>
+            </a:r>
+          </a:p>
+          <a:p>
+            <a:pPr>
+              <a:spcBef>
+                <a:spcPts val="600"/>
+              </a:spcBef>
+            </a:pPr>
+            <a:r>
+              <a:rPr lang="en-US" sz="1200" dirty="0"/>
+              <a:t>   │       │ ── Network-account</a:t>
+            </a:r>
+          </a:p>
+          <a:p>
+            <a:pPr>
+              <a:spcBef>
+                <a:spcPts val="600"/>
+              </a:spcBef>
+            </a:pPr>
+            <a:r>
+              <a:rPr lang="en-US" sz="1200" dirty="0"/>
+              <a:t>   │       │ ── Shared-Service-account</a:t>
+            </a:r>
+          </a:p>
+          <a:p>
+            <a:pPr>
+              <a:spcBef>
+                <a:spcPts val="600"/>
+              </a:spcBef>
+            </a:pPr>
+            <a:r>
+              <a:rPr lang="en-US" sz="1200" dirty="0"/>
+              <a:t>   │       └── DevOps-account</a:t>
             </a:r>
           </a:p>
           <a:p>
@@ -12064,8 +17302,8 @@
         </p:nvSpPr>
         <p:spPr>
           <a:xfrm>
-            <a:off x="653143" y="1097280"/>
-            <a:ext cx="5268686" cy="4955203"/>
+            <a:off x="653143" y="1021078"/>
+            <a:ext cx="5268686" cy="5755422"/>
           </a:xfrm>
           <a:prstGeom prst="rect">
             <a:avLst/>
@@ -12079,158 +17317,158 @@
           <a:lstStyle/>
           <a:p>
             <a:r>
-              <a:rPr lang="en-US" sz="1400" dirty="0"/>
+              <a:rPr lang="en-US" sz="1600" dirty="0"/>
               <a:t>1️⃣ Prevents accounts from operating in any region </a:t>
             </a:r>
             <a:r>
-              <a:rPr lang="en-US" sz="1400" i="1" dirty="0"/>
+              <a:rPr lang="en-US" sz="1600" i="1" dirty="0"/>
               <a:t>except</a:t>
             </a:r>
             <a:r>
-              <a:rPr lang="en-US" sz="1400" dirty="0"/>
+              <a:rPr lang="en-US" sz="1600" dirty="0"/>
               <a:t> the ones explicitly allowed</a:t>
             </a:r>
             <a:r>
-              <a:rPr lang="en-US" sz="1200" dirty="0"/>
+              <a:rPr lang="en-US" sz="1400" dirty="0"/>
               <a:t>.</a:t>
             </a:r>
           </a:p>
           <a:p>
-            <a:endParaRPr lang="en-US" sz="1200" dirty="0"/>
-          </a:p>
-          <a:p>
-            <a:r>
-              <a:rPr lang="en-IN" sz="1200" dirty="0"/>
+            <a:endParaRPr lang="en-US" sz="1400" dirty="0"/>
+          </a:p>
+          <a:p>
+            <a:r>
+              <a:rPr lang="en-IN" sz="1400" dirty="0"/>
               <a:t>{</a:t>
             </a:r>
           </a:p>
           <a:p>
             <a:r>
-              <a:rPr lang="en-IN" sz="1200" dirty="0"/>
+              <a:rPr lang="en-IN" sz="1400" dirty="0"/>
               <a:t>  "Version": "2012-10-17",</a:t>
             </a:r>
           </a:p>
           <a:p>
             <a:r>
-              <a:rPr lang="en-IN" sz="1200" dirty="0"/>
+              <a:rPr lang="en-IN" sz="1400" dirty="0"/>
               <a:t>  "Statement": [</a:t>
             </a:r>
           </a:p>
           <a:p>
             <a:r>
-              <a:rPr lang="en-IN" sz="1200" dirty="0"/>
+              <a:rPr lang="en-IN" sz="1400" dirty="0"/>
               <a:t>    {</a:t>
             </a:r>
           </a:p>
           <a:p>
             <a:r>
-              <a:rPr lang="en-IN" sz="1200" dirty="0"/>
+              <a:rPr lang="en-IN" sz="1400" dirty="0"/>
               <a:t>      "Effect": "Deny",</a:t>
             </a:r>
           </a:p>
           <a:p>
             <a:r>
-              <a:rPr lang="en-IN" sz="1200" dirty="0"/>
+              <a:rPr lang="en-IN" sz="1400" dirty="0"/>
               <a:t>      "Action": "*",</a:t>
             </a:r>
           </a:p>
           <a:p>
             <a:r>
-              <a:rPr lang="en-IN" sz="1200" dirty="0"/>
+              <a:rPr lang="en-IN" sz="1400" dirty="0"/>
               <a:t>      "Resource": "*",</a:t>
             </a:r>
           </a:p>
           <a:p>
             <a:r>
-              <a:rPr lang="en-IN" sz="1200" dirty="0"/>
+              <a:rPr lang="en-IN" sz="1400" dirty="0"/>
               <a:t>      "Condition": {</a:t>
             </a:r>
           </a:p>
           <a:p>
             <a:r>
-              <a:rPr lang="en-IN" sz="1200" dirty="0"/>
+              <a:rPr lang="en-IN" sz="1400" dirty="0"/>
               <a:t>        "</a:t>
             </a:r>
             <a:r>
-              <a:rPr lang="en-IN" sz="1200" dirty="0" err="1"/>
+              <a:rPr lang="en-IN" sz="1400" dirty="0" err="1"/>
               <a:t>StringNotEquals</a:t>
             </a:r>
             <a:r>
-              <a:rPr lang="en-IN" sz="1200" dirty="0"/>
+              <a:rPr lang="en-IN" sz="1400" dirty="0"/>
               <a:t>": {</a:t>
             </a:r>
           </a:p>
           <a:p>
             <a:r>
-              <a:rPr lang="en-IN" sz="1200" dirty="0"/>
+              <a:rPr lang="en-IN" sz="1400" dirty="0"/>
               <a:t>          "</a:t>
             </a:r>
             <a:r>
-              <a:rPr lang="en-IN" sz="1200" dirty="0" err="1"/>
+              <a:rPr lang="en-IN" sz="1400" dirty="0" err="1"/>
               <a:t>aws:RequestedRegion</a:t>
             </a:r>
             <a:r>
-              <a:rPr lang="en-IN" sz="1200" dirty="0"/>
+              <a:rPr lang="en-IN" sz="1400" dirty="0"/>
               <a:t>": [</a:t>
             </a:r>
           </a:p>
           <a:p>
             <a:r>
-              <a:rPr lang="en-IN" sz="1200" dirty="0"/>
+              <a:rPr lang="en-IN" sz="1400" dirty="0"/>
               <a:t>            "us-east-1",</a:t>
             </a:r>
           </a:p>
           <a:p>
             <a:r>
-              <a:rPr lang="en-IN" sz="1200" dirty="0"/>
+              <a:rPr lang="en-IN" sz="1400" dirty="0"/>
               <a:t>            "eu-west-1"</a:t>
             </a:r>
           </a:p>
           <a:p>
             <a:r>
-              <a:rPr lang="en-IN" sz="1200" dirty="0"/>
+              <a:rPr lang="en-IN" sz="1400" dirty="0"/>
               <a:t>          ]</a:t>
             </a:r>
           </a:p>
           <a:p>
             <a:r>
-              <a:rPr lang="en-IN" sz="1200" dirty="0"/>
+              <a:rPr lang="en-IN" sz="1400" dirty="0"/>
               <a:t>        }</a:t>
             </a:r>
           </a:p>
           <a:p>
             <a:r>
-              <a:rPr lang="en-IN" sz="1200" dirty="0"/>
+              <a:rPr lang="en-IN" sz="1400" dirty="0"/>
               <a:t>      }</a:t>
             </a:r>
           </a:p>
           <a:p>
             <a:r>
-              <a:rPr lang="en-IN" sz="1200" dirty="0"/>
+              <a:rPr lang="en-IN" sz="1400" dirty="0"/>
               <a:t>    }</a:t>
             </a:r>
           </a:p>
           <a:p>
             <a:r>
-              <a:rPr lang="en-IN" sz="1200" dirty="0"/>
+              <a:rPr lang="en-IN" sz="1400" dirty="0"/>
               <a:t>  ]</a:t>
             </a:r>
           </a:p>
           <a:p>
             <a:r>
-              <a:rPr lang="en-IN" sz="1200" dirty="0"/>
+              <a:rPr lang="en-IN" sz="1400" dirty="0"/>
               <a:t>}</a:t>
             </a:r>
           </a:p>
           <a:p>
-            <a:endParaRPr lang="en-IN" sz="1200" dirty="0"/>
-          </a:p>
-          <a:p>
-            <a:r>
-              <a:rPr lang="en-US" sz="1200" b="1" dirty="0"/>
+            <a:endParaRPr lang="en-IN" sz="1400" dirty="0"/>
+          </a:p>
+          <a:p>
+            <a:r>
+              <a:rPr lang="en-US" sz="1400" b="1" dirty="0"/>
               <a:t>Use Case:</a:t>
             </a:r>
-            <a:endParaRPr lang="en-US" sz="1200" dirty="0"/>
+            <a:endParaRPr lang="en-US" sz="1400" dirty="0"/>
           </a:p>
           <a:p>
             <a:pPr marL="285750" indent="-285750">
@@ -12238,7 +17476,7 @@
               <a:buChar char="•"/>
             </a:pPr>
             <a:r>
-              <a:rPr lang="en-US" sz="1200" dirty="0"/>
+              <a:rPr lang="en-US" sz="1400" dirty="0"/>
               <a:t>Enforce compliance boundaries</a:t>
             </a:r>
           </a:p>
@@ -12248,7 +17486,7 @@
               <a:buChar char="•"/>
             </a:pPr>
             <a:r>
-              <a:rPr lang="en-US" sz="1200" dirty="0"/>
+              <a:rPr lang="en-US" sz="1400" dirty="0"/>
               <a:t>Avoid accidental deployments in costly or unsupported regions</a:t>
             </a:r>
           </a:p>
@@ -12258,10 +17496,10 @@
               <a:buChar char="•"/>
             </a:pPr>
             <a:r>
-              <a:rPr lang="en-US" sz="1200" dirty="0"/>
+              <a:rPr lang="en-US" sz="1400" dirty="0"/>
               <a:t>Maintain latency control</a:t>
             </a:r>
-            <a:endParaRPr lang="en-IN" sz="1200" dirty="0"/>
+            <a:endParaRPr lang="en-IN" sz="1400" dirty="0"/>
           </a:p>
         </p:txBody>
       </p:sp>
@@ -12279,8 +17517,8 @@
         </p:nvSpPr>
         <p:spPr>
           <a:xfrm>
-            <a:off x="6923314" y="1092646"/>
-            <a:ext cx="4963889" cy="4062651"/>
+            <a:off x="6923314" y="1049102"/>
+            <a:ext cx="4963889" cy="4708981"/>
           </a:xfrm>
           <a:prstGeom prst="rect">
             <a:avLst/>
@@ -12294,126 +17532,126 @@
           <a:lstStyle/>
           <a:p>
             <a:r>
+              <a:rPr lang="en-IN" sz="1600" dirty="0"/>
+              <a:t>2️⃣ </a:t>
+            </a:r>
+            <a:r>
+              <a:rPr lang="en-US" sz="1600" dirty="0"/>
+              <a:t>Ensures CloudTrail logging can </a:t>
+            </a:r>
+            <a:r>
+              <a:rPr lang="en-US" sz="1600" b="1" dirty="0"/>
+              <a:t>never</a:t>
+            </a:r>
+            <a:r>
+              <a:rPr lang="en-US" sz="1600" dirty="0"/>
+              <a:t> be turned off</a:t>
+            </a:r>
+            <a:endParaRPr lang="en-IN" sz="1600" dirty="0"/>
+          </a:p>
+          <a:p>
+            <a:endParaRPr lang="en-IN" sz="1400" dirty="0"/>
+          </a:p>
+          <a:p>
+            <a:r>
               <a:rPr lang="en-IN" sz="1400" dirty="0"/>
-              <a:t>2️⃣ </a:t>
-            </a:r>
-            <a:r>
-              <a:rPr lang="en-US" sz="1400" dirty="0"/>
-              <a:t>Ensures CloudTrail logging can </a:t>
-            </a:r>
+              <a:t>{</a:t>
+            </a:r>
+          </a:p>
+          <a:p>
+            <a:r>
+              <a:rPr lang="en-IN" sz="1400" dirty="0"/>
+              <a:t>  "Version": "2012-10-17",</a:t>
+            </a:r>
+          </a:p>
+          <a:p>
+            <a:r>
+              <a:rPr lang="en-IN" sz="1400" dirty="0"/>
+              <a:t>  "Statement": [</a:t>
+            </a:r>
+          </a:p>
+          <a:p>
+            <a:r>
+              <a:rPr lang="en-IN" sz="1400" dirty="0"/>
+              <a:t>    {</a:t>
+            </a:r>
+          </a:p>
+          <a:p>
+            <a:r>
+              <a:rPr lang="en-IN" sz="1400" dirty="0"/>
+              <a:t>      "Effect": "Deny",</a:t>
+            </a:r>
+          </a:p>
+          <a:p>
+            <a:r>
+              <a:rPr lang="en-IN" sz="1400" dirty="0"/>
+              <a:t>      "Action": [</a:t>
+            </a:r>
+          </a:p>
+          <a:p>
+            <a:r>
+              <a:rPr lang="en-IN" sz="1400" dirty="0"/>
+              <a:t>        "</a:t>
+            </a:r>
+            <a:r>
+              <a:rPr lang="en-IN" sz="1400" dirty="0" err="1"/>
+              <a:t>cloudtrail:StopLogging</a:t>
+            </a:r>
+            <a:r>
+              <a:rPr lang="en-IN" sz="1400" dirty="0"/>
+              <a:t>",</a:t>
+            </a:r>
+          </a:p>
+          <a:p>
+            <a:r>
+              <a:rPr lang="en-IN" sz="1400" dirty="0"/>
+              <a:t>        "</a:t>
+            </a:r>
+            <a:r>
+              <a:rPr lang="en-IN" sz="1400" dirty="0" err="1"/>
+              <a:t>cloudtrail:DeleteTrail</a:t>
+            </a:r>
+            <a:r>
+              <a:rPr lang="en-IN" sz="1400" dirty="0"/>
+              <a:t>"</a:t>
+            </a:r>
+          </a:p>
+          <a:p>
+            <a:r>
+              <a:rPr lang="en-IN" sz="1400" dirty="0"/>
+              <a:t>      ],</a:t>
+            </a:r>
+          </a:p>
+          <a:p>
+            <a:r>
+              <a:rPr lang="en-IN" sz="1400" dirty="0"/>
+              <a:t>      "Resource": "*"</a:t>
+            </a:r>
+          </a:p>
+          <a:p>
+            <a:r>
+              <a:rPr lang="en-IN" sz="1400" dirty="0"/>
+              <a:t>    }</a:t>
+            </a:r>
+          </a:p>
+          <a:p>
+            <a:r>
+              <a:rPr lang="en-IN" sz="1400" dirty="0"/>
+              <a:t>  ]</a:t>
+            </a:r>
+          </a:p>
+          <a:p>
+            <a:r>
+              <a:rPr lang="en-IN" sz="1400" dirty="0"/>
+              <a:t>}</a:t>
+            </a:r>
+          </a:p>
+          <a:p>
+            <a:endParaRPr lang="en-IN" dirty="0"/>
+          </a:p>
+          <a:p>
             <a:r>
               <a:rPr lang="en-US" sz="1400" b="1" dirty="0"/>
-              <a:t>never</a:t>
-            </a:r>
-            <a:r>
-              <a:rPr lang="en-US" sz="1400" dirty="0"/>
-              <a:t> be turned off</a:t>
-            </a:r>
-            <a:endParaRPr lang="en-IN" sz="1400" dirty="0"/>
-          </a:p>
-          <a:p>
-            <a:endParaRPr lang="en-IN" sz="1200" dirty="0"/>
-          </a:p>
-          <a:p>
-            <a:r>
-              <a:rPr lang="en-IN" sz="1200" dirty="0"/>
-              <a:t>{</a:t>
-            </a:r>
-          </a:p>
-          <a:p>
-            <a:r>
-              <a:rPr lang="en-IN" sz="1200" dirty="0"/>
-              <a:t>  "Version": "2012-10-17",</a:t>
-            </a:r>
-          </a:p>
-          <a:p>
-            <a:r>
-              <a:rPr lang="en-IN" sz="1200" dirty="0"/>
-              <a:t>  "Statement": [</a:t>
-            </a:r>
-          </a:p>
-          <a:p>
-            <a:r>
-              <a:rPr lang="en-IN" sz="1200" dirty="0"/>
-              <a:t>    {</a:t>
-            </a:r>
-          </a:p>
-          <a:p>
-            <a:r>
-              <a:rPr lang="en-IN" sz="1200" dirty="0"/>
-              <a:t>      "Effect": "Deny",</a:t>
-            </a:r>
-          </a:p>
-          <a:p>
-            <a:r>
-              <a:rPr lang="en-IN" sz="1200" dirty="0"/>
-              <a:t>      "Action": [</a:t>
-            </a:r>
-          </a:p>
-          <a:p>
-            <a:r>
-              <a:rPr lang="en-IN" sz="1200" dirty="0"/>
-              <a:t>        "</a:t>
-            </a:r>
-            <a:r>
-              <a:rPr lang="en-IN" sz="1200" dirty="0" err="1"/>
-              <a:t>cloudtrail:StopLogging</a:t>
-            </a:r>
-            <a:r>
-              <a:rPr lang="en-IN" sz="1200" dirty="0"/>
-              <a:t>",</a:t>
-            </a:r>
-          </a:p>
-          <a:p>
-            <a:r>
-              <a:rPr lang="en-IN" sz="1200" dirty="0"/>
-              <a:t>        "</a:t>
-            </a:r>
-            <a:r>
-              <a:rPr lang="en-IN" sz="1200" dirty="0" err="1"/>
-              <a:t>cloudtrail:DeleteTrail</a:t>
-            </a:r>
-            <a:r>
-              <a:rPr lang="en-IN" sz="1200" dirty="0"/>
-              <a:t>"</a:t>
-            </a:r>
-          </a:p>
-          <a:p>
-            <a:r>
-              <a:rPr lang="en-IN" sz="1200" dirty="0"/>
-              <a:t>      ],</a:t>
-            </a:r>
-          </a:p>
-          <a:p>
-            <a:r>
-              <a:rPr lang="en-IN" sz="1200" dirty="0"/>
-              <a:t>      "Resource": "*"</a:t>
-            </a:r>
-          </a:p>
-          <a:p>
-            <a:r>
-              <a:rPr lang="en-IN" sz="1200" dirty="0"/>
-              <a:t>    }</a:t>
-            </a:r>
-          </a:p>
-          <a:p>
-            <a:r>
-              <a:rPr lang="en-IN" sz="1200" dirty="0"/>
-              <a:t>  ]</a:t>
-            </a:r>
-          </a:p>
-          <a:p>
-            <a:r>
-              <a:rPr lang="en-IN" sz="1200" dirty="0"/>
-              <a:t>}</a:t>
-            </a:r>
-          </a:p>
-          <a:p>
-            <a:endParaRPr lang="en-IN" sz="1600" dirty="0"/>
-          </a:p>
-          <a:p>
-            <a:r>
-              <a:rPr lang="en-US" sz="1200" b="1" dirty="0"/>
               <a:t>Use Case:</a:t>
             </a:r>
           </a:p>
@@ -12423,7 +17661,7 @@
               <a:buChar char="•"/>
             </a:pPr>
             <a:r>
-              <a:rPr lang="en-US" sz="1200" dirty="0"/>
+              <a:rPr lang="en-US" sz="1400" dirty="0"/>
               <a:t>Mandatory audit logging</a:t>
             </a:r>
           </a:p>
@@ -12433,7 +17671,7 @@
               <a:buChar char="•"/>
             </a:pPr>
             <a:r>
-              <a:rPr lang="en-US" sz="1200" dirty="0"/>
+              <a:rPr lang="en-US" sz="1400" dirty="0"/>
               <a:t>Compliance frameworks (SOC 2, ISO 27001, PCI-DSS)</a:t>
             </a:r>
           </a:p>
@@ -12443,13 +17681,13 @@
               <a:buChar char="•"/>
             </a:pPr>
             <a:r>
-              <a:rPr lang="en-US" sz="1200" dirty="0"/>
+              <a:rPr lang="en-US" sz="1400" dirty="0"/>
               <a:t>Prevent insider threats or accidental disablement</a:t>
             </a:r>
             <a:br>
-              <a:rPr lang="en-IN" sz="1200" b="1" dirty="0"/>
+              <a:rPr lang="en-IN" sz="1400" b="1" dirty="0"/>
             </a:br>
-            <a:endParaRPr lang="en-IN" sz="1200" b="1" dirty="0"/>
+            <a:endParaRPr lang="en-IN" sz="1400" b="1" dirty="0"/>
           </a:p>
         </p:txBody>
       </p:sp>
@@ -12474,7 +17712,7 @@
         <p:cNvPr id="1" name="">
           <a:extLst>
             <a:ext uri="{FF2B5EF4-FFF2-40B4-BE49-F238E27FC236}">
-              <a16:creationId xmlns:a16="http://schemas.microsoft.com/office/drawing/2014/main" id="{C791B221-CCD5-A998-3A75-B0E202F9C7D6}"/>
+              <a16:creationId xmlns:a16="http://schemas.microsoft.com/office/drawing/2014/main" id="{F477D348-B5EC-B4FB-2962-7EDDE265710A}"/>
             </a:ext>
           </a:extLst>
         </p:cNvPr>
@@ -12494,7 +17732,7 @@
           <p:cNvPr id="2" name="TextBox 1">
             <a:extLst>
               <a:ext uri="{FF2B5EF4-FFF2-40B4-BE49-F238E27FC236}">
-                <a16:creationId xmlns:a16="http://schemas.microsoft.com/office/drawing/2014/main" id="{19143EE1-E581-EA09-34FC-0334C673B30C}"/>
+                <a16:creationId xmlns:a16="http://schemas.microsoft.com/office/drawing/2014/main" id="{8E914D60-078C-0931-5AD4-73AC0E00C595}"/>
               </a:ext>
             </a:extLst>
           </p:cNvPr>
@@ -12504,7 +17742,7 @@
         <p:spPr>
           <a:xfrm>
             <a:off x="786175" y="274321"/>
-            <a:ext cx="7863839" cy="646331"/>
+            <a:ext cx="10839768" cy="646331"/>
           </a:xfrm>
           <a:prstGeom prst="rect">
             <a:avLst/>
@@ -12525,8 +17763,12 @@
               </a:defRPr>
             </a:pPr>
             <a:r>
+              <a:rPr sz="3600" dirty="0"/>
+              <a:t>Service Control Policies (SCPs)</a:t>
+            </a:r>
+            <a:r>
               <a:rPr lang="en-IN" sz="3600" dirty="0"/>
-              <a:t>Introducing AWS Control Tower</a:t>
+              <a:t> – Additional Examples</a:t>
             </a:r>
             <a:endParaRPr sz="3600" dirty="0"/>
           </a:p>
@@ -12537,7 +17779,7 @@
           <p:cNvPr id="3" name="TextBox 2">
             <a:extLst>
               <a:ext uri="{FF2B5EF4-FFF2-40B4-BE49-F238E27FC236}">
-                <a16:creationId xmlns:a16="http://schemas.microsoft.com/office/drawing/2014/main" id="{EDA44239-CCC3-8C5A-FC38-DB94FEF67FA5}"/>
+                <a16:creationId xmlns:a16="http://schemas.microsoft.com/office/drawing/2014/main" id="{F6D2BAC7-5F89-4600-3812-9DD208C01730}"/>
               </a:ext>
             </a:extLst>
           </p:cNvPr>
@@ -12546,8 +17788,8 @@
         </p:nvSpPr>
         <p:spPr>
           <a:xfrm>
-            <a:off x="786176" y="1097280"/>
-            <a:ext cx="4493396" cy="3739485"/>
+            <a:off x="664028" y="920652"/>
+            <a:ext cx="10526486" cy="5875904"/>
           </a:xfrm>
           <a:prstGeom prst="rect">
             <a:avLst/>
@@ -12561,333 +17803,137 @@
           <a:lstStyle/>
           <a:p>
             <a:pPr>
-              <a:spcBef>
-                <a:spcPts val="600"/>
-              </a:spcBef>
-            </a:pPr>
-            <a:r>
-              <a:rPr lang="en-US" sz="1400" b="1" dirty="0"/>
-              <a:t>🎯 We've learned so far:</a:t>
+              <a:lnSpc>
+                <a:spcPct val="150000"/>
+              </a:lnSpc>
+            </a:pPr>
+            <a:r>
+              <a:rPr lang="en-IN" sz="1400" b="1" dirty="0"/>
+              <a:t>3. Require MFA for Destructive Actions</a:t>
+            </a:r>
+            <a:br>
+              <a:rPr lang="en-IN" sz="1400" dirty="0"/>
+            </a:br>
+            <a:r>
+              <a:rPr lang="en-IN" sz="1400" dirty="0"/>
+              <a:t>-&gt; Deny ec2:TerminateInstances, </a:t>
+            </a:r>
+            <a:r>
+              <a:rPr lang="en-IN" sz="1400" dirty="0" err="1"/>
+              <a:t>rds:DeleteDBInstance</a:t>
+            </a:r>
+            <a:r>
+              <a:rPr lang="en-IN" sz="1400" dirty="0"/>
+              <a:t>, s3:DeleteBucket</a:t>
+            </a:r>
+            <a:br>
+              <a:rPr lang="en-IN" sz="1400" dirty="0"/>
+            </a:br>
+            <a:r>
+              <a:rPr lang="en-IN" sz="1400" dirty="0"/>
+              <a:t>-&gt; unless MFA is present</a:t>
+            </a:r>
+            <a:br>
+              <a:rPr lang="en-IN" sz="1400" dirty="0"/>
+            </a:br>
+            <a:br>
+              <a:rPr lang="en-IN" sz="1400" dirty="0"/>
+            </a:br>
+            <a:r>
+              <a:rPr lang="en-IN" sz="1400" b="1" dirty="0"/>
+              <a:t>4. Prevent Public S3 Buckets</a:t>
+            </a:r>
+            <a:br>
+              <a:rPr lang="en-IN" sz="1400" dirty="0"/>
+            </a:br>
+            <a:r>
+              <a:rPr lang="en-IN" sz="1400" dirty="0"/>
+              <a:t>Deny s3:PutBucketPolicy if bucket becomes public</a:t>
+            </a:r>
+            <a:br>
+              <a:rPr lang="en-IN" sz="1400" dirty="0"/>
+            </a:br>
+            <a:br>
+              <a:rPr lang="en-IN" sz="1400" dirty="0"/>
+            </a:br>
+            <a:r>
+              <a:rPr lang="en-IN" sz="1400" b="1" dirty="0"/>
+              <a:t>5. Require EBS Encryption</a:t>
+            </a:r>
+            <a:br>
+              <a:rPr lang="en-IN" sz="1400" dirty="0"/>
+            </a:br>
+            <a:r>
+              <a:rPr lang="en-IN" sz="1400" dirty="0"/>
+              <a:t>Deny ec2:CreateVolume if encryption is false</a:t>
+            </a:r>
+            <a:br>
+              <a:rPr lang="en-IN" sz="1400" dirty="0"/>
+            </a:br>
+            <a:br>
+              <a:rPr lang="en-IN" sz="1400" dirty="0"/>
+            </a:br>
+            <a:r>
+              <a:rPr lang="en-IN" sz="1400" b="1" dirty="0"/>
+              <a:t>6. Restrict EC2 Instance Types (Cost Control)</a:t>
+            </a:r>
+            <a:br>
+              <a:rPr lang="en-IN" sz="1400" dirty="0"/>
+            </a:br>
+            <a:r>
+              <a:rPr lang="en-IN" sz="1400" dirty="0"/>
+              <a:t>Deny ec2:RunInstances except t3.*, t4.*, m5.* instance types</a:t>
+            </a:r>
+            <a:br>
+              <a:rPr lang="en-IN" sz="1400" dirty="0"/>
+            </a:br>
+            <a:br>
+              <a:rPr lang="en-IN" sz="1400" dirty="0"/>
+            </a:br>
+            <a:r>
+              <a:rPr lang="en-IN" sz="1400" b="1" dirty="0"/>
+              <a:t>7. Prevent Root User Access</a:t>
+            </a:r>
+            <a:br>
+              <a:rPr lang="en-IN" sz="1400" dirty="0"/>
+            </a:br>
+            <a:r>
+              <a:rPr lang="en-IN" sz="1400" dirty="0"/>
+              <a:t>Deny all actions when principal is root user</a:t>
+            </a:r>
+            <a:br>
+              <a:rPr lang="en-IN" sz="1400" dirty="0"/>
+            </a:br>
+            <a:br>
+              <a:rPr lang="en-IN" sz="1400" dirty="0"/>
+            </a:br>
+            <a:r>
+              <a:rPr lang="en-IN" sz="1400" b="1" dirty="0"/>
+              <a:t>8. Enforce Resource Tagging</a:t>
+            </a:r>
+            <a:br>
+              <a:rPr lang="en-IN" sz="1400" b="1" dirty="0"/>
+            </a:br>
+            <a:r>
+              <a:rPr lang="en-IN" sz="1400" dirty="0"/>
+              <a:t>Deny resource creation without required tags (Environment, </a:t>
+            </a:r>
+            <a:r>
+              <a:rPr lang="en-IN" sz="1400" dirty="0" err="1"/>
+              <a:t>CostCenter</a:t>
+            </a:r>
+            <a:r>
+              <a:rPr lang="en-IN" sz="1400" dirty="0"/>
+              <a:t>)</a:t>
             </a:r>
             <a:endParaRPr lang="en-US" sz="1400" dirty="0"/>
-          </a:p>
-          <a:p>
-            <a:pPr marL="285750" indent="-285750">
-              <a:spcBef>
-                <a:spcPts val="600"/>
-              </a:spcBef>
-              <a:buFont typeface="Arial" panose="020B0604020202020204" pitchFamily="34" charset="0"/>
-              <a:buChar char="•"/>
-            </a:pPr>
-            <a:r>
-              <a:rPr lang="en-US" sz="1400" dirty="0"/>
-              <a:t>Multi-account strategy is essential</a:t>
-            </a:r>
-          </a:p>
-          <a:p>
-            <a:pPr marL="285750" indent="-285750">
-              <a:spcBef>
-                <a:spcPts val="600"/>
-              </a:spcBef>
-              <a:buFont typeface="Arial" panose="020B0604020202020204" pitchFamily="34" charset="0"/>
-              <a:buChar char="•"/>
-            </a:pPr>
-            <a:r>
-              <a:rPr lang="en-US" sz="1400" dirty="0"/>
-              <a:t>AWS Organizations manages accounts centrally</a:t>
-            </a:r>
-          </a:p>
-          <a:p>
-            <a:pPr marL="285750" indent="-285750">
-              <a:spcBef>
-                <a:spcPts val="600"/>
-              </a:spcBef>
-              <a:buFont typeface="Arial" panose="020B0604020202020204" pitchFamily="34" charset="0"/>
-              <a:buChar char="•"/>
-            </a:pPr>
-            <a:r>
-              <a:rPr lang="en-US" sz="1400" dirty="0"/>
-              <a:t>OUs group accounts logically</a:t>
-            </a:r>
-          </a:p>
-          <a:p>
-            <a:pPr marL="285750" indent="-285750">
-              <a:spcBef>
-                <a:spcPts val="600"/>
-              </a:spcBef>
-              <a:buFont typeface="Arial" panose="020B0604020202020204" pitchFamily="34" charset="0"/>
-              <a:buChar char="•"/>
-            </a:pPr>
-            <a:r>
-              <a:rPr lang="en-US" sz="1400" dirty="0"/>
-              <a:t>SCPs enforce guardrails</a:t>
-            </a:r>
-          </a:p>
-          <a:p>
-            <a:pPr>
-              <a:spcBef>
-                <a:spcPts val="600"/>
-              </a:spcBef>
-            </a:pPr>
-            <a:endParaRPr lang="en-US" sz="1400" dirty="0"/>
-          </a:p>
-          <a:p>
-            <a:pPr>
-              <a:spcBef>
-                <a:spcPts val="600"/>
-              </a:spcBef>
-            </a:pPr>
-            <a:r>
-              <a:rPr lang="en-US" sz="1400" b="1" dirty="0"/>
-              <a:t>But here's the problem:</a:t>
-            </a:r>
-            <a:r>
-              <a:rPr lang="en-US" sz="1400" dirty="0"/>
-              <a:t> Setting all this up manually is complex and time-consuming. </a:t>
-            </a:r>
-          </a:p>
-          <a:p>
-            <a:pPr>
-              <a:spcBef>
-                <a:spcPts val="600"/>
-              </a:spcBef>
-            </a:pPr>
-            <a:r>
-              <a:rPr lang="en-US" sz="1400" dirty="0"/>
-              <a:t>You need to:</a:t>
-            </a:r>
-          </a:p>
-          <a:p>
-            <a:pPr marL="285750" indent="-285750">
-              <a:spcBef>
-                <a:spcPts val="600"/>
-              </a:spcBef>
-              <a:buFont typeface="Arial" panose="020B0604020202020204" pitchFamily="34" charset="0"/>
-              <a:buChar char="•"/>
-            </a:pPr>
-            <a:r>
-              <a:rPr lang="en-US" sz="1400" dirty="0"/>
-              <a:t>Create accounts one by one</a:t>
-            </a:r>
-          </a:p>
-          <a:p>
-            <a:pPr marL="285750" indent="-285750">
-              <a:spcBef>
-                <a:spcPts val="600"/>
-              </a:spcBef>
-              <a:buFont typeface="Arial" panose="020B0604020202020204" pitchFamily="34" charset="0"/>
-              <a:buChar char="•"/>
-            </a:pPr>
-            <a:r>
-              <a:rPr lang="en-US" sz="1400" dirty="0"/>
-              <a:t>Configure OUs and SCPs manually</a:t>
-            </a:r>
-          </a:p>
-          <a:p>
-            <a:pPr marL="285750" indent="-285750">
-              <a:spcBef>
-                <a:spcPts val="600"/>
-              </a:spcBef>
-              <a:buFont typeface="Arial" panose="020B0604020202020204" pitchFamily="34" charset="0"/>
-              <a:buChar char="•"/>
-            </a:pPr>
-            <a:r>
-              <a:rPr lang="en-US" sz="1400" dirty="0"/>
-              <a:t>Set up logging, security, and compliance from scratch</a:t>
-            </a:r>
-          </a:p>
-          <a:p>
-            <a:pPr marL="285750" indent="-285750">
-              <a:spcBef>
-                <a:spcPts val="600"/>
-              </a:spcBef>
-              <a:buFont typeface="Arial" panose="020B0604020202020204" pitchFamily="34" charset="0"/>
-              <a:buChar char="•"/>
-            </a:pPr>
-            <a:r>
-              <a:rPr lang="en-US" sz="1400" dirty="0"/>
-              <a:t>Ensure consistency across all accounts</a:t>
-            </a:r>
-          </a:p>
-        </p:txBody>
-      </p:sp>
-      <p:sp>
-        <p:nvSpPr>
-          <p:cNvPr id="5" name="TextBox 4">
-            <a:extLst>
-              <a:ext uri="{FF2B5EF4-FFF2-40B4-BE49-F238E27FC236}">
-                <a16:creationId xmlns:a16="http://schemas.microsoft.com/office/drawing/2014/main" id="{AE76A776-6440-D0D1-EDFB-16C50C17CD73}"/>
-              </a:ext>
-            </a:extLst>
-          </p:cNvPr>
-          <p:cNvSpPr txBox="1"/>
-          <p:nvPr/>
-        </p:nvSpPr>
-        <p:spPr>
-          <a:xfrm>
-            <a:off x="5998029" y="1028343"/>
-            <a:ext cx="5682342" cy="4093428"/>
-          </a:xfrm>
-          <a:prstGeom prst="rect">
-            <a:avLst/>
-          </a:prstGeom>
-          <a:noFill/>
-        </p:spPr>
-        <p:txBody>
-          <a:bodyPr wrap="square">
-            <a:spAutoFit/>
-          </a:bodyPr>
-          <a:lstStyle/>
-          <a:p>
-            <a:pPr>
-              <a:spcBef>
-                <a:spcPts val="600"/>
-              </a:spcBef>
-              <a:buNone/>
-            </a:pPr>
-            <a:r>
-              <a:rPr lang="en-US" sz="1400" b="1" dirty="0"/>
-              <a:t>💡 Enter AWS Control Tower</a:t>
-            </a:r>
-            <a:r>
-              <a:rPr lang="en-US" sz="1400" dirty="0"/>
-              <a:t>: </a:t>
-            </a:r>
-            <a:r>
-              <a:rPr lang="en-US" sz="1400" b="1" dirty="0"/>
-              <a:t>A service that simplifies setting up and governing a secure, compliant, multi-account AWS environment, also known as a "landing zone," based on best practices.</a:t>
-            </a:r>
-          </a:p>
-          <a:p>
-            <a:pPr>
-              <a:spcBef>
-                <a:spcPts val="600"/>
-              </a:spcBef>
-              <a:buNone/>
-            </a:pPr>
-            <a:endParaRPr lang="en-US" sz="1400" dirty="0"/>
-          </a:p>
-          <a:p>
-            <a:pPr>
-              <a:spcBef>
-                <a:spcPts val="600"/>
-              </a:spcBef>
-              <a:buNone/>
-            </a:pPr>
-            <a:r>
-              <a:rPr lang="en-US" sz="1400" dirty="0"/>
-              <a:t>AWS Control Tower = </a:t>
-            </a:r>
-            <a:r>
-              <a:rPr lang="en-US" sz="1400" b="1" dirty="0"/>
-              <a:t>AWS Organizations + Automated Account Setup + Pre-built Guardrails + Compliance Dashboard + Account Factory + Centralized Logging</a:t>
-            </a:r>
-          </a:p>
-          <a:p>
-            <a:pPr>
-              <a:spcBef>
-                <a:spcPts val="600"/>
-              </a:spcBef>
-              <a:buNone/>
-            </a:pPr>
-            <a:endParaRPr lang="en-US" sz="1400" b="1" dirty="0"/>
-          </a:p>
-          <a:p>
-            <a:pPr>
-              <a:spcBef>
-                <a:spcPts val="600"/>
-              </a:spcBef>
-              <a:buNone/>
-            </a:pPr>
-            <a:r>
-              <a:rPr lang="en-US" sz="1400" b="1" dirty="0"/>
-              <a:t>How Control Tower orchestrates various AWS services:</a:t>
-            </a:r>
-          </a:p>
-          <a:p>
-            <a:pPr marL="285750" indent="-285750">
-              <a:spcBef>
-                <a:spcPts val="600"/>
-              </a:spcBef>
-              <a:buFont typeface="Arial" panose="020B0604020202020204" pitchFamily="34" charset="0"/>
-              <a:buChar char="•"/>
-            </a:pPr>
-            <a:r>
-              <a:rPr lang="en-US" sz="1400" dirty="0"/>
-              <a:t>AWS Organizations -&gt; Multi-account structure</a:t>
-            </a:r>
-          </a:p>
-          <a:p>
-            <a:pPr marL="285750" indent="-285750">
-              <a:spcBef>
-                <a:spcPts val="600"/>
-              </a:spcBef>
-              <a:buFont typeface="Arial" panose="020B0604020202020204" pitchFamily="34" charset="0"/>
-              <a:buChar char="•"/>
-            </a:pPr>
-            <a:r>
-              <a:rPr lang="en-US" sz="1400" dirty="0"/>
-              <a:t>AWS Service Catalog -&gt; Powers Account Factory</a:t>
-            </a:r>
-          </a:p>
-          <a:p>
-            <a:pPr marL="285750" indent="-285750">
-              <a:spcBef>
-                <a:spcPts val="600"/>
-              </a:spcBef>
-              <a:buFont typeface="Arial" panose="020B0604020202020204" pitchFamily="34" charset="0"/>
-              <a:buChar char="•"/>
-            </a:pPr>
-            <a:r>
-              <a:rPr lang="en-US" sz="1400" dirty="0"/>
-              <a:t>AWS IAM Identity Center -&gt; Centralized access management</a:t>
-            </a:r>
-          </a:p>
-          <a:p>
-            <a:pPr marL="285750" indent="-285750">
-              <a:spcBef>
-                <a:spcPts val="600"/>
-              </a:spcBef>
-              <a:buFont typeface="Arial" panose="020B0604020202020204" pitchFamily="34" charset="0"/>
-              <a:buChar char="•"/>
-            </a:pPr>
-            <a:r>
-              <a:rPr lang="en-US" sz="1400" dirty="0"/>
-              <a:t>AWS CloudTrail -&gt; Comprehensive auditing and logging</a:t>
-            </a:r>
-          </a:p>
-          <a:p>
-            <a:pPr marL="285750" indent="-285750">
-              <a:spcBef>
-                <a:spcPts val="600"/>
-              </a:spcBef>
-              <a:buFont typeface="Arial" panose="020B0604020202020204" pitchFamily="34" charset="0"/>
-              <a:buChar char="•"/>
-            </a:pPr>
-            <a:r>
-              <a:rPr lang="en-US" sz="1400" dirty="0"/>
-              <a:t>AWS Config -&gt; Compliance monitoring</a:t>
-            </a:r>
-          </a:p>
-          <a:p>
-            <a:pPr marL="285750" indent="-285750">
-              <a:spcBef>
-                <a:spcPts val="600"/>
-              </a:spcBef>
-              <a:buFont typeface="Arial" panose="020B0604020202020204" pitchFamily="34" charset="0"/>
-              <a:buChar char="•"/>
-            </a:pPr>
-            <a:r>
-              <a:rPr lang="en-US" sz="1400" dirty="0"/>
-              <a:t>AWS Backup -&gt; Resource protection (optional)</a:t>
-            </a:r>
           </a:p>
         </p:txBody>
       </p:sp>
     </p:spTree>
     <p:extLst>
       <p:ext uri="{BB962C8B-B14F-4D97-AF65-F5344CB8AC3E}">
-        <p14:creationId xmlns:p14="http://schemas.microsoft.com/office/powerpoint/2010/main" val="3014869441"/>
+        <p14:creationId xmlns:p14="http://schemas.microsoft.com/office/powerpoint/2010/main" val="2682599268"/>
       </p:ext>
     </p:extLst>
   </p:cSld>
